--- a/Tipos de Ruídos.pptx
+++ b/Tipos de Ruídos.pptx
@@ -11,7 +11,9 @@
     <p:sldId id="259" r:id="rId5"/>
     <p:sldId id="261" r:id="rId6"/>
     <p:sldId id="262" r:id="rId7"/>
-    <p:sldId id="263" r:id="rId8"/>
+    <p:sldId id="264" r:id="rId8"/>
+    <p:sldId id="265" r:id="rId9"/>
+    <p:sldId id="263" r:id="rId10"/>
   </p:sldIdLst>
   <p:sldSz cx="12192000" cy="6858000"/>
   <p:notesSz cx="6858000" cy="9144000"/>
@@ -110,6 +112,11 @@
       </a:defRPr>
     </a:lvl9pPr>
   </p:defaultTextStyle>
+  <p:extLst>
+    <p:ext uri="{EFAFB233-063F-42B5-8137-9DF3F51BA10A}">
+      <p15:sldGuideLst xmlns:p15="http://schemas.microsoft.com/office/powerpoint/2012/main"/>
+    </p:ext>
+  </p:extLst>
 </p:presentation>
 </file>
 
@@ -244,7 +251,7 @@
           <a:p>
             <a:fld id="{FD832175-C0F1-4C3D-89AD-A6EE219BD78A}" type="datetimeFigureOut">
               <a:rPr lang="pt-BR" smtClean="0"/>
-              <a:t>18/04/2018</a:t>
+              <a:t>20/04/2018</a:t>
             </a:fld>
             <a:endParaRPr lang="pt-BR"/>
           </a:p>
@@ -414,7 +421,7 @@
           <a:p>
             <a:fld id="{FD832175-C0F1-4C3D-89AD-A6EE219BD78A}" type="datetimeFigureOut">
               <a:rPr lang="pt-BR" smtClean="0"/>
-              <a:t>18/04/2018</a:t>
+              <a:t>20/04/2018</a:t>
             </a:fld>
             <a:endParaRPr lang="pt-BR"/>
           </a:p>
@@ -594,7 +601,7 @@
           <a:p>
             <a:fld id="{FD832175-C0F1-4C3D-89AD-A6EE219BD78A}" type="datetimeFigureOut">
               <a:rPr lang="pt-BR" smtClean="0"/>
-              <a:t>18/04/2018</a:t>
+              <a:t>20/04/2018</a:t>
             </a:fld>
             <a:endParaRPr lang="pt-BR"/>
           </a:p>
@@ -764,7 +771,7 @@
           <a:p>
             <a:fld id="{FD832175-C0F1-4C3D-89AD-A6EE219BD78A}" type="datetimeFigureOut">
               <a:rPr lang="pt-BR" smtClean="0"/>
-              <a:t>18/04/2018</a:t>
+              <a:t>20/04/2018</a:t>
             </a:fld>
             <a:endParaRPr lang="pt-BR"/>
           </a:p>
@@ -1010,7 +1017,7 @@
           <a:p>
             <a:fld id="{FD832175-C0F1-4C3D-89AD-A6EE219BD78A}" type="datetimeFigureOut">
               <a:rPr lang="pt-BR" smtClean="0"/>
-              <a:t>18/04/2018</a:t>
+              <a:t>20/04/2018</a:t>
             </a:fld>
             <a:endParaRPr lang="pt-BR"/>
           </a:p>
@@ -1242,7 +1249,7 @@
           <a:p>
             <a:fld id="{FD832175-C0F1-4C3D-89AD-A6EE219BD78A}" type="datetimeFigureOut">
               <a:rPr lang="pt-BR" smtClean="0"/>
-              <a:t>18/04/2018</a:t>
+              <a:t>20/04/2018</a:t>
             </a:fld>
             <a:endParaRPr lang="pt-BR"/>
           </a:p>
@@ -1609,7 +1616,7 @@
           <a:p>
             <a:fld id="{FD832175-C0F1-4C3D-89AD-A6EE219BD78A}" type="datetimeFigureOut">
               <a:rPr lang="pt-BR" smtClean="0"/>
-              <a:t>18/04/2018</a:t>
+              <a:t>20/04/2018</a:t>
             </a:fld>
             <a:endParaRPr lang="pt-BR"/>
           </a:p>
@@ -1727,7 +1734,7 @@
           <a:p>
             <a:fld id="{FD832175-C0F1-4C3D-89AD-A6EE219BD78A}" type="datetimeFigureOut">
               <a:rPr lang="pt-BR" smtClean="0"/>
-              <a:t>18/04/2018</a:t>
+              <a:t>20/04/2018</a:t>
             </a:fld>
             <a:endParaRPr lang="pt-BR"/>
           </a:p>
@@ -1822,7 +1829,7 @@
           <a:p>
             <a:fld id="{FD832175-C0F1-4C3D-89AD-A6EE219BD78A}" type="datetimeFigureOut">
               <a:rPr lang="pt-BR" smtClean="0"/>
-              <a:t>18/04/2018</a:t>
+              <a:t>20/04/2018</a:t>
             </a:fld>
             <a:endParaRPr lang="pt-BR"/>
           </a:p>
@@ -2099,7 +2106,7 @@
           <a:p>
             <a:fld id="{FD832175-C0F1-4C3D-89AD-A6EE219BD78A}" type="datetimeFigureOut">
               <a:rPr lang="pt-BR" smtClean="0"/>
-              <a:t>18/04/2018</a:t>
+              <a:t>20/04/2018</a:t>
             </a:fld>
             <a:endParaRPr lang="pt-BR"/>
           </a:p>
@@ -2352,7 +2359,7 @@
           <a:p>
             <a:fld id="{FD832175-C0F1-4C3D-89AD-A6EE219BD78A}" type="datetimeFigureOut">
               <a:rPr lang="pt-BR" smtClean="0"/>
-              <a:t>18/04/2018</a:t>
+              <a:t>20/04/2018</a:t>
             </a:fld>
             <a:endParaRPr lang="pt-BR"/>
           </a:p>
@@ -2574,7 +2581,7 @@
           <a:p>
             <a:fld id="{FD832175-C0F1-4C3D-89AD-A6EE219BD78A}" type="datetimeFigureOut">
               <a:rPr lang="pt-BR" smtClean="0"/>
-              <a:t>18/04/2018</a:t>
+              <a:t>20/04/2018</a:t>
             </a:fld>
             <a:endParaRPr lang="pt-BR"/>
           </a:p>
@@ -4033,6 +4040,104 @@
           <a:bodyPr/>
           <a:lstStyle/>
           <a:p>
+            <a:r>
+              <a:rPr lang="pt-BR" sz="3200" b="1" dirty="0" err="1" smtClean="0">
+                <a:solidFill>
+                  <a:schemeClr val="bg1"/>
+                </a:solidFill>
+              </a:rPr>
+              <a:t>Crosstalk</a:t>
+            </a:r>
+            <a:r>
+              <a:rPr lang="pt-BR" sz="3200" dirty="0">
+                <a:solidFill>
+                  <a:schemeClr val="bg1"/>
+                </a:solidFill>
+              </a:rPr>
+              <a:t> ou </a:t>
+            </a:r>
+            <a:r>
+              <a:rPr lang="pt-BR" sz="3200" dirty="0" err="1">
+                <a:solidFill>
+                  <a:schemeClr val="bg1"/>
+                </a:solidFill>
+              </a:rPr>
+              <a:t>diafonia</a:t>
+            </a:r>
+            <a:r>
+              <a:rPr lang="pt-BR" sz="3200" dirty="0">
+                <a:solidFill>
+                  <a:schemeClr val="bg1"/>
+                </a:solidFill>
+              </a:rPr>
+              <a:t> é a </a:t>
+            </a:r>
+            <a:r>
+              <a:rPr lang="pt-BR" sz="3200" dirty="0" smtClean="0">
+                <a:solidFill>
+                  <a:schemeClr val="bg1"/>
+                </a:solidFill>
+              </a:rPr>
+              <a:t>interferência </a:t>
+            </a:r>
+            <a:r>
+              <a:rPr lang="pt-BR" sz="3200" dirty="0">
+                <a:solidFill>
+                  <a:schemeClr val="bg1"/>
+                </a:solidFill>
+              </a:rPr>
+              <a:t> indesejada que um canal de transmissão causa em outro. Foi observado pela primeira vez durante a </a:t>
+            </a:r>
+            <a:r>
+              <a:rPr lang="pt-BR" sz="3200" dirty="0" smtClean="0">
+                <a:solidFill>
+                  <a:schemeClr val="bg1"/>
+                </a:solidFill>
+              </a:rPr>
+              <a:t>Segunda Guerra Mundial, </a:t>
+            </a:r>
+            <a:r>
+              <a:rPr lang="pt-BR" sz="3200" dirty="0">
+                <a:solidFill>
+                  <a:schemeClr val="bg1"/>
+                </a:solidFill>
+              </a:rPr>
+              <a:t>devido à grande quantidade de transmissões que eram feitas na </a:t>
+            </a:r>
+            <a:r>
+              <a:rPr lang="pt-BR" sz="3200" dirty="0" smtClean="0">
+                <a:solidFill>
+                  <a:schemeClr val="bg1"/>
+                </a:solidFill>
+              </a:rPr>
+              <a:t>época. Essa </a:t>
+            </a:r>
+            <a:r>
+              <a:rPr lang="pt-BR" sz="3200" dirty="0">
+                <a:solidFill>
+                  <a:schemeClr val="bg1"/>
+                </a:solidFill>
+              </a:rPr>
+              <a:t>interferência é criada por um </a:t>
+            </a:r>
+            <a:r>
+              <a:rPr lang="pt-BR" sz="3200" dirty="0" smtClean="0">
+                <a:solidFill>
+                  <a:schemeClr val="bg1"/>
+                </a:solidFill>
+              </a:rPr>
+              <a:t>curto-circuito</a:t>
+            </a:r>
+            <a:r>
+              <a:rPr lang="pt-BR" sz="3200" dirty="0">
+                <a:solidFill>
+                  <a:schemeClr val="bg1"/>
+                </a:solidFill>
+              </a:rPr>
+              <a:t> ou a junção indutiva entre essas duas linhas independentes.</a:t>
+            </a:r>
+          </a:p>
+          <a:p>
             <a:endParaRPr lang="pt-BR" dirty="0"/>
           </a:p>
         </p:txBody>
@@ -4058,6 +4163,294 @@
 </file>
 
 <file path=ppt/slides/slide7.xml><?xml version="1.0" encoding="utf-8"?>
+<p:sld xmlns:a="http://schemas.openxmlformats.org/drawingml/2006/main" xmlns:r="http://schemas.openxmlformats.org/officeDocument/2006/relationships" xmlns:p="http://schemas.openxmlformats.org/presentationml/2006/main">
+  <p:cSld>
+    <p:spTree>
+      <p:nvGrpSpPr>
+        <p:cNvPr id="1" name=""/>
+        <p:cNvGrpSpPr/>
+        <p:nvPr/>
+      </p:nvGrpSpPr>
+      <p:grpSpPr>
+        <a:xfrm>
+          <a:off x="0" y="0"/>
+          <a:ext cx="0" cy="0"/>
+          <a:chOff x="0" y="0"/>
+          <a:chExt cx="0" cy="0"/>
+        </a:xfrm>
+      </p:grpSpPr>
+      <p:sp>
+        <p:nvSpPr>
+          <p:cNvPr id="2" name="Título 1"/>
+          <p:cNvSpPr>
+            <a:spLocks noGrp="1"/>
+          </p:cNvSpPr>
+          <p:nvPr>
+            <p:ph type="title"/>
+          </p:nvPr>
+        </p:nvSpPr>
+        <p:spPr/>
+        <p:txBody>
+          <a:bodyPr/>
+          <a:lstStyle/>
+          <a:p>
+            <a:pPr algn="ctr"/>
+            <a:r>
+              <a:rPr kumimoji="0" lang="pt-BR" altLang="pt-BR" b="1" i="1" u="none" strike="noStrike" cap="none" normalizeH="0" baseline="0" dirty="0" smtClean="0">
+                <a:ln>
+                  <a:noFill/>
+                </a:ln>
+                <a:solidFill>
+                  <a:srgbClr val="79610D"/>
+                </a:solidFill>
+                <a:effectLst/>
+                <a:latin typeface="Arial" panose="020B0604020202020204" pitchFamily="34" charset="0"/>
+                <a:ea typeface="Times New Roman" panose="02020603050405020304" pitchFamily="18" charset="0"/>
+                <a:cs typeface="Comic Sans MS" panose="030F0702030302020204" pitchFamily="66" charset="0"/>
+              </a:rPr>
+              <a:t>Ruído </a:t>
+            </a:r>
+            <a:r>
+              <a:rPr kumimoji="0" lang="pt-BR" altLang="pt-BR" b="1" i="1" u="none" strike="noStrike" cap="none" normalizeH="0" baseline="0" dirty="0" err="1" smtClean="0">
+                <a:ln>
+                  <a:noFill/>
+                </a:ln>
+                <a:solidFill>
+                  <a:srgbClr val="79610D"/>
+                </a:solidFill>
+                <a:effectLst/>
+                <a:latin typeface="Arial" panose="020B0604020202020204" pitchFamily="34" charset="0"/>
+                <a:ea typeface="Times New Roman" panose="02020603050405020304" pitchFamily="18" charset="0"/>
+                <a:cs typeface="Comic Sans MS" panose="030F0702030302020204" pitchFamily="66" charset="0"/>
+              </a:rPr>
+              <a:t>Crosstalk</a:t>
+            </a:r>
+            <a:endParaRPr lang="pt-BR" dirty="0"/>
+          </a:p>
+        </p:txBody>
+      </p:sp>
+      <p:sp>
+        <p:nvSpPr>
+          <p:cNvPr id="3" name="Espaço Reservado para Conteúdo 2"/>
+          <p:cNvSpPr>
+            <a:spLocks noGrp="1"/>
+          </p:cNvSpPr>
+          <p:nvPr>
+            <p:ph idx="1"/>
+          </p:nvPr>
+        </p:nvSpPr>
+        <p:spPr/>
+        <p:txBody>
+          <a:bodyPr/>
+          <a:lstStyle/>
+          <a:p>
+            <a:r>
+              <a:rPr lang="pt-BR" sz="3600" dirty="0">
+                <a:solidFill>
+                  <a:schemeClr val="bg1"/>
+                </a:solidFill>
+              </a:rPr>
+              <a:t>Em </a:t>
+            </a:r>
+            <a:r>
+              <a:rPr lang="pt-BR" sz="3600" dirty="0" smtClean="0">
+                <a:solidFill>
+                  <a:schemeClr val="bg1"/>
+                </a:solidFill>
+              </a:rPr>
+              <a:t>eletrônica,</a:t>
+            </a:r>
+            <a:r>
+              <a:rPr lang="pt-BR" sz="3600" dirty="0">
+                <a:solidFill>
+                  <a:schemeClr val="bg1"/>
+                </a:solidFill>
+              </a:rPr>
+              <a:t> </a:t>
+            </a:r>
+            <a:r>
+              <a:rPr lang="pt-BR" sz="3600" i="1" dirty="0" err="1">
+                <a:solidFill>
+                  <a:schemeClr val="bg1"/>
+                </a:solidFill>
+              </a:rPr>
+              <a:t>crosstalk</a:t>
+            </a:r>
+            <a:r>
+              <a:rPr lang="pt-BR" sz="3600" dirty="0">
+                <a:solidFill>
+                  <a:schemeClr val="bg1"/>
+                </a:solidFill>
+              </a:rPr>
+              <a:t> é qualquer fenômeno em que um sinal transmitido em um circuito ou canal de um sistema de transmissão cria um efeito indesejado em outro circuito ou canal. </a:t>
+            </a:r>
+            <a:r>
+              <a:rPr lang="pt-BR" sz="3600" i="1" dirty="0" err="1">
+                <a:solidFill>
+                  <a:schemeClr val="bg1"/>
+                </a:solidFill>
+              </a:rPr>
+              <a:t>Crosstalk</a:t>
+            </a:r>
+            <a:r>
+              <a:rPr lang="pt-BR" sz="3600" dirty="0">
+                <a:solidFill>
+                  <a:schemeClr val="bg1"/>
+                </a:solidFill>
+              </a:rPr>
+              <a:t> é normalmente causado por capacitâncias, indutâncias ou conexão condutiva com um circuito ou canal — todas indesejadas.</a:t>
+            </a:r>
+          </a:p>
+          <a:p>
+            <a:endParaRPr lang="pt-BR" dirty="0"/>
+          </a:p>
+        </p:txBody>
+      </p:sp>
+    </p:spTree>
+    <p:extLst>
+      <p:ext uri="{BB962C8B-B14F-4D97-AF65-F5344CB8AC3E}">
+        <p14:creationId xmlns:p14="http://schemas.microsoft.com/office/powerpoint/2010/main" val="1745089375"/>
+      </p:ext>
+    </p:extLst>
+  </p:cSld>
+  <p:clrMapOvr>
+    <a:masterClrMapping/>
+  </p:clrMapOvr>
+  <p:timing>
+    <p:tnLst>
+      <p:par>
+        <p:cTn id="1" dur="indefinite" restart="never" nodeType="tmRoot"/>
+      </p:par>
+    </p:tnLst>
+  </p:timing>
+</p:sld>
+</file>
+
+<file path=ppt/slides/slide8.xml><?xml version="1.0" encoding="utf-8"?>
+<p:sld xmlns:a="http://schemas.openxmlformats.org/drawingml/2006/main" xmlns:r="http://schemas.openxmlformats.org/officeDocument/2006/relationships" xmlns:p="http://schemas.openxmlformats.org/presentationml/2006/main">
+  <p:cSld>
+    <p:spTree>
+      <p:nvGrpSpPr>
+        <p:cNvPr id="1" name=""/>
+        <p:cNvGrpSpPr/>
+        <p:nvPr/>
+      </p:nvGrpSpPr>
+      <p:grpSpPr>
+        <a:xfrm>
+          <a:off x="0" y="0"/>
+          <a:ext cx="0" cy="0"/>
+          <a:chOff x="0" y="0"/>
+          <a:chExt cx="0" cy="0"/>
+        </a:xfrm>
+      </p:grpSpPr>
+      <p:sp>
+        <p:nvSpPr>
+          <p:cNvPr id="2" name="Título 1"/>
+          <p:cNvSpPr>
+            <a:spLocks noGrp="1"/>
+          </p:cNvSpPr>
+          <p:nvPr>
+            <p:ph type="title"/>
+          </p:nvPr>
+        </p:nvSpPr>
+        <p:spPr/>
+        <p:txBody>
+          <a:bodyPr/>
+          <a:lstStyle/>
+          <a:p>
+            <a:pPr algn="ctr"/>
+            <a:r>
+              <a:rPr kumimoji="0" lang="pt-BR" altLang="pt-BR" b="1" i="1" u="none" strike="noStrike" cap="none" normalizeH="0" baseline="0" dirty="0" smtClean="0">
+                <a:ln>
+                  <a:noFill/>
+                </a:ln>
+                <a:solidFill>
+                  <a:srgbClr val="79610D"/>
+                </a:solidFill>
+                <a:effectLst/>
+                <a:latin typeface="Arial" panose="020B0604020202020204" pitchFamily="34" charset="0"/>
+                <a:ea typeface="Times New Roman" panose="02020603050405020304" pitchFamily="18" charset="0"/>
+                <a:cs typeface="Comic Sans MS" panose="030F0702030302020204" pitchFamily="66" charset="0"/>
+              </a:rPr>
+              <a:t>Ruído </a:t>
+            </a:r>
+            <a:r>
+              <a:rPr kumimoji="0" lang="pt-BR" altLang="pt-BR" b="1" i="1" u="none" strike="noStrike" cap="none" normalizeH="0" baseline="0" dirty="0" err="1" smtClean="0">
+                <a:ln>
+                  <a:noFill/>
+                </a:ln>
+                <a:solidFill>
+                  <a:srgbClr val="79610D"/>
+                </a:solidFill>
+                <a:effectLst/>
+                <a:latin typeface="Arial" panose="020B0604020202020204" pitchFamily="34" charset="0"/>
+                <a:ea typeface="Times New Roman" panose="02020603050405020304" pitchFamily="18" charset="0"/>
+                <a:cs typeface="Comic Sans MS" panose="030F0702030302020204" pitchFamily="66" charset="0"/>
+              </a:rPr>
+              <a:t>Crosstalk</a:t>
+            </a:r>
+            <a:endParaRPr lang="pt-BR" dirty="0"/>
+          </a:p>
+        </p:txBody>
+      </p:sp>
+      <p:pic>
+        <p:nvPicPr>
+          <p:cNvPr id="4" name="Espaço Reservado para Conteúdo 3" descr="https://media.licdn.com/dms/image/C4E12AQHmj2xR6anxEQ/article-inline_image-shrink_1000_1488/0?e=2123290800&amp;v=beta&amp;t=dN55d5cgWj0Kd37HoNyxxcCXdXVeKACj8kQqhr1GhY8"/>
+          <p:cNvPicPr>
+            <a:picLocks noGrp="1"/>
+          </p:cNvPicPr>
+          <p:nvPr>
+            <p:ph idx="1"/>
+          </p:nvPr>
+        </p:nvPicPr>
+        <p:blipFill>
+          <a:blip r:embed="rId2">
+            <a:extLst>
+              <a:ext uri="{28A0092B-C50C-407E-A947-70E740481C1C}">
+                <a14:useLocalDpi xmlns:a14="http://schemas.microsoft.com/office/drawing/2010/main" val="0"/>
+              </a:ext>
+            </a:extLst>
+          </a:blip>
+          <a:srcRect/>
+          <a:stretch>
+            <a:fillRect/>
+          </a:stretch>
+        </p:blipFill>
+        <p:spPr bwMode="auto">
+          <a:xfrm>
+            <a:off x="1109061" y="1690688"/>
+            <a:ext cx="9854685" cy="4791593"/>
+          </a:xfrm>
+          <a:prstGeom prst="rect">
+            <a:avLst/>
+          </a:prstGeom>
+          <a:noFill/>
+          <a:ln>
+            <a:noFill/>
+          </a:ln>
+        </p:spPr>
+      </p:pic>
+    </p:spTree>
+    <p:extLst>
+      <p:ext uri="{BB962C8B-B14F-4D97-AF65-F5344CB8AC3E}">
+        <p14:creationId xmlns:p14="http://schemas.microsoft.com/office/powerpoint/2010/main" val="2649363876"/>
+      </p:ext>
+    </p:extLst>
+  </p:cSld>
+  <p:clrMapOvr>
+    <a:masterClrMapping/>
+  </p:clrMapOvr>
+  <p:timing>
+    <p:tnLst>
+      <p:par>
+        <p:cTn id="1" dur="indefinite" restart="never" nodeType="tmRoot"/>
+      </p:par>
+    </p:tnLst>
+  </p:timing>
+</p:sld>
+</file>
+
+<file path=ppt/slides/slide9.xml><?xml version="1.0" encoding="utf-8"?>
 <p:sld xmlns:a="http://schemas.openxmlformats.org/drawingml/2006/main" xmlns:r="http://schemas.openxmlformats.org/officeDocument/2006/relationships" xmlns:p="http://schemas.openxmlformats.org/presentationml/2006/main">
   <p:cSld>
     <p:spTree>

--- a/Tipos de Ruídos.pptx
+++ b/Tipos de Ruídos.pptx
@@ -10,10 +10,12 @@
     <p:sldId id="258" r:id="rId4"/>
     <p:sldId id="259" r:id="rId5"/>
     <p:sldId id="261" r:id="rId6"/>
-    <p:sldId id="262" r:id="rId7"/>
-    <p:sldId id="264" r:id="rId8"/>
-    <p:sldId id="265" r:id="rId9"/>
-    <p:sldId id="263" r:id="rId10"/>
+    <p:sldId id="267" r:id="rId7"/>
+    <p:sldId id="266" r:id="rId8"/>
+    <p:sldId id="262" r:id="rId9"/>
+    <p:sldId id="264" r:id="rId10"/>
+    <p:sldId id="265" r:id="rId11"/>
+    <p:sldId id="263" r:id="rId12"/>
   </p:sldIdLst>
   <p:sldSz cx="12192000" cy="6858000"/>
   <p:notesSz cx="6858000" cy="9144000"/>
@@ -251,7 +253,7 @@
           <a:p>
             <a:fld id="{FD832175-C0F1-4C3D-89AD-A6EE219BD78A}" type="datetimeFigureOut">
               <a:rPr lang="pt-BR" smtClean="0"/>
-              <a:t>20/04/2018</a:t>
+              <a:t>22/04/2018</a:t>
             </a:fld>
             <a:endParaRPr lang="pt-BR"/>
           </a:p>
@@ -421,7 +423,7 @@
           <a:p>
             <a:fld id="{FD832175-C0F1-4C3D-89AD-A6EE219BD78A}" type="datetimeFigureOut">
               <a:rPr lang="pt-BR" smtClean="0"/>
-              <a:t>20/04/2018</a:t>
+              <a:t>22/04/2018</a:t>
             </a:fld>
             <a:endParaRPr lang="pt-BR"/>
           </a:p>
@@ -601,7 +603,7 @@
           <a:p>
             <a:fld id="{FD832175-C0F1-4C3D-89AD-A6EE219BD78A}" type="datetimeFigureOut">
               <a:rPr lang="pt-BR" smtClean="0"/>
-              <a:t>20/04/2018</a:t>
+              <a:t>22/04/2018</a:t>
             </a:fld>
             <a:endParaRPr lang="pt-BR"/>
           </a:p>
@@ -771,7 +773,7 @@
           <a:p>
             <a:fld id="{FD832175-C0F1-4C3D-89AD-A6EE219BD78A}" type="datetimeFigureOut">
               <a:rPr lang="pt-BR" smtClean="0"/>
-              <a:t>20/04/2018</a:t>
+              <a:t>22/04/2018</a:t>
             </a:fld>
             <a:endParaRPr lang="pt-BR"/>
           </a:p>
@@ -1017,7 +1019,7 @@
           <a:p>
             <a:fld id="{FD832175-C0F1-4C3D-89AD-A6EE219BD78A}" type="datetimeFigureOut">
               <a:rPr lang="pt-BR" smtClean="0"/>
-              <a:t>20/04/2018</a:t>
+              <a:t>22/04/2018</a:t>
             </a:fld>
             <a:endParaRPr lang="pt-BR"/>
           </a:p>
@@ -1249,7 +1251,7 @@
           <a:p>
             <a:fld id="{FD832175-C0F1-4C3D-89AD-A6EE219BD78A}" type="datetimeFigureOut">
               <a:rPr lang="pt-BR" smtClean="0"/>
-              <a:t>20/04/2018</a:t>
+              <a:t>22/04/2018</a:t>
             </a:fld>
             <a:endParaRPr lang="pt-BR"/>
           </a:p>
@@ -1616,7 +1618,7 @@
           <a:p>
             <a:fld id="{FD832175-C0F1-4C3D-89AD-A6EE219BD78A}" type="datetimeFigureOut">
               <a:rPr lang="pt-BR" smtClean="0"/>
-              <a:t>20/04/2018</a:t>
+              <a:t>22/04/2018</a:t>
             </a:fld>
             <a:endParaRPr lang="pt-BR"/>
           </a:p>
@@ -1734,7 +1736,7 @@
           <a:p>
             <a:fld id="{FD832175-C0F1-4C3D-89AD-A6EE219BD78A}" type="datetimeFigureOut">
               <a:rPr lang="pt-BR" smtClean="0"/>
-              <a:t>20/04/2018</a:t>
+              <a:t>22/04/2018</a:t>
             </a:fld>
             <a:endParaRPr lang="pt-BR"/>
           </a:p>
@@ -1829,7 +1831,7 @@
           <a:p>
             <a:fld id="{FD832175-C0F1-4C3D-89AD-A6EE219BD78A}" type="datetimeFigureOut">
               <a:rPr lang="pt-BR" smtClean="0"/>
-              <a:t>20/04/2018</a:t>
+              <a:t>22/04/2018</a:t>
             </a:fld>
             <a:endParaRPr lang="pt-BR"/>
           </a:p>
@@ -2106,7 +2108,7 @@
           <a:p>
             <a:fld id="{FD832175-C0F1-4C3D-89AD-A6EE219BD78A}" type="datetimeFigureOut">
               <a:rPr lang="pt-BR" smtClean="0"/>
-              <a:t>20/04/2018</a:t>
+              <a:t>22/04/2018</a:t>
             </a:fld>
             <a:endParaRPr lang="pt-BR"/>
           </a:p>
@@ -2359,7 +2361,7 @@
           <a:p>
             <a:fld id="{FD832175-C0F1-4C3D-89AD-A6EE219BD78A}" type="datetimeFigureOut">
               <a:rPr lang="pt-BR" smtClean="0"/>
-              <a:t>20/04/2018</a:t>
+              <a:t>22/04/2018</a:t>
             </a:fld>
             <a:endParaRPr lang="pt-BR"/>
           </a:p>
@@ -2581,7 +2583,7 @@
           <a:p>
             <a:fld id="{FD832175-C0F1-4C3D-89AD-A6EE219BD78A}" type="datetimeFigureOut">
               <a:rPr lang="pt-BR" smtClean="0"/>
-              <a:t>20/04/2018</a:t>
+              <a:t>22/04/2018</a:t>
             </a:fld>
             <a:endParaRPr lang="pt-BR"/>
           </a:p>
@@ -3139,1194 +3141,7 @@
 </p:sld>
 </file>
 
-<file path=ppt/slides/slide2.xml><?xml version="1.0" encoding="utf-8"?>
-<p:sld xmlns:a="http://schemas.openxmlformats.org/drawingml/2006/main" xmlns:r="http://schemas.openxmlformats.org/officeDocument/2006/relationships" xmlns:p="http://schemas.openxmlformats.org/presentationml/2006/main">
-  <p:cSld>
-    <p:spTree>
-      <p:nvGrpSpPr>
-        <p:cNvPr id="1" name=""/>
-        <p:cNvGrpSpPr/>
-        <p:nvPr/>
-      </p:nvGrpSpPr>
-      <p:grpSpPr>
-        <a:xfrm>
-          <a:off x="0" y="0"/>
-          <a:ext cx="0" cy="0"/>
-          <a:chOff x="0" y="0"/>
-          <a:chExt cx="0" cy="0"/>
-        </a:xfrm>
-      </p:grpSpPr>
-      <p:sp>
-        <p:nvSpPr>
-          <p:cNvPr id="2" name="Título 1"/>
-          <p:cNvSpPr>
-            <a:spLocks noGrp="1"/>
-          </p:cNvSpPr>
-          <p:nvPr>
-            <p:ph type="title"/>
-          </p:nvPr>
-        </p:nvSpPr>
-        <p:spPr/>
-        <p:txBody>
-          <a:bodyPr>
-            <a:normAutofit/>
-          </a:bodyPr>
-          <a:lstStyle/>
-          <a:p>
-            <a:pPr algn="ctr"/>
-            <a:r>
-              <a:rPr kumimoji="0" lang="pt-BR" altLang="pt-BR" sz="3600" b="1" i="1" u="none" strike="noStrike" cap="none" normalizeH="0" baseline="0" dirty="0" smtClean="0">
-                <a:ln>
-                  <a:noFill/>
-                </a:ln>
-                <a:solidFill>
-                  <a:srgbClr val="79610D"/>
-                </a:solidFill>
-                <a:effectLst/>
-                <a:latin typeface="Arial" panose="020B0604020202020204" pitchFamily="34" charset="0"/>
-                <a:ea typeface="Times New Roman" panose="02020603050405020304" pitchFamily="18" charset="0"/>
-                <a:cs typeface="Comic Sans MS" panose="030F0702030302020204" pitchFamily="66" charset="0"/>
-              </a:rPr>
-              <a:t>O que é um ruído nas Redes de Computadores</a:t>
-            </a:r>
-            <a:endParaRPr lang="pt-BR" sz="3600" dirty="0"/>
-          </a:p>
-        </p:txBody>
-      </p:sp>
-      <p:sp>
-        <p:nvSpPr>
-          <p:cNvPr id="3" name="Espaço Reservado para Conteúdo 2"/>
-          <p:cNvSpPr>
-            <a:spLocks noGrp="1"/>
-          </p:cNvSpPr>
-          <p:nvPr>
-            <p:ph idx="1"/>
-          </p:nvPr>
-        </p:nvSpPr>
-        <p:spPr/>
-        <p:txBody>
-          <a:bodyPr/>
-          <a:lstStyle/>
-          <a:p>
-            <a:pPr marL="0" lvl="0" indent="0" eaLnBrk="0" fontAlgn="base" hangingPunct="0">
-              <a:lnSpc>
-                <a:spcPct val="100000"/>
-              </a:lnSpc>
-              <a:spcBef>
-                <a:spcPct val="0"/>
-              </a:spcBef>
-              <a:spcAft>
-                <a:spcPct val="0"/>
-              </a:spcAft>
-              <a:buNone/>
-            </a:pPr>
-            <a:r>
-              <a:rPr kumimoji="0" lang="pt-BR" altLang="pt-BR" b="0" i="0" u="none" strike="noStrike" cap="none" normalizeH="0" baseline="0" dirty="0" smtClean="0">
-                <a:ln>
-                  <a:noFill/>
-                </a:ln>
-                <a:solidFill>
-                  <a:srgbClr val="FFFFFF"/>
-                </a:solidFill>
-                <a:effectLst/>
-                <a:latin typeface="Arial" panose="020B0604020202020204" pitchFamily="34" charset="0"/>
-                <a:ea typeface="Times New Roman" panose="02020603050405020304" pitchFamily="18" charset="0"/>
-                <a:cs typeface="Comic Sans MS" panose="030F0702030302020204" pitchFamily="66" charset="0"/>
-              </a:rPr>
-              <a:t>Todos os sinais elétricos ao propagarem-se por um meio de transmissão  podem sofrer alguns tipos de perturbações ou degradações ,a isso dá-se o nome de ruído. Os ruídos gerados pelas falhas no sistemas </a:t>
-            </a:r>
-          </a:p>
-          <a:p>
-            <a:pPr marL="0" lvl="0" indent="0" eaLnBrk="0" fontAlgn="base" hangingPunct="0">
-              <a:lnSpc>
-                <a:spcPct val="100000"/>
-              </a:lnSpc>
-              <a:spcBef>
-                <a:spcPct val="0"/>
-              </a:spcBef>
-              <a:spcAft>
-                <a:spcPct val="0"/>
-              </a:spcAft>
-              <a:buNone/>
-            </a:pPr>
-            <a:r>
-              <a:rPr kumimoji="0" lang="pt-BR" altLang="pt-BR" b="0" i="0" u="none" strike="noStrike" cap="none" normalizeH="0" baseline="0" dirty="0" smtClean="0">
-                <a:ln>
-                  <a:noFill/>
-                </a:ln>
-                <a:solidFill>
-                  <a:srgbClr val="FFFFFF"/>
-                </a:solidFill>
-                <a:effectLst/>
-                <a:latin typeface="Arial" panose="020B0604020202020204" pitchFamily="34" charset="0"/>
-                <a:ea typeface="Times New Roman" panose="02020603050405020304" pitchFamily="18" charset="0"/>
-                <a:cs typeface="Comic Sans MS" panose="030F0702030302020204" pitchFamily="66" charset="0"/>
-              </a:rPr>
-              <a:t>de energia elétrica são os que causam maiores defeitos em redes de computadores , o que pode resultar de defeitos de </a:t>
-            </a:r>
-            <a:r>
-              <a:rPr kumimoji="0" lang="pt-BR" altLang="pt-BR" b="1" i="1" u="sng" strike="noStrike" cap="none" normalizeH="0" baseline="0" dirty="0" smtClean="0">
-                <a:ln>
-                  <a:noFill/>
-                </a:ln>
-                <a:solidFill>
-                  <a:schemeClr val="bg1"/>
-                </a:solidFill>
-                <a:effectLst/>
-                <a:latin typeface="Arial" panose="020B0604020202020204" pitchFamily="34" charset="0"/>
-                <a:ea typeface="Times New Roman" panose="02020603050405020304" pitchFamily="18" charset="0"/>
-                <a:cs typeface="Comic Sans MS" panose="030F0702030302020204" pitchFamily="66" charset="0"/>
-              </a:rPr>
-              <a:t>hardware</a:t>
-            </a:r>
-            <a:r>
-              <a:rPr kumimoji="0" lang="pt-BR" altLang="pt-BR" b="1" i="1" u="none" strike="noStrike" cap="none" normalizeH="0" baseline="0" dirty="0" smtClean="0">
-                <a:ln>
-                  <a:noFill/>
-                </a:ln>
-                <a:solidFill>
-                  <a:srgbClr val="000000"/>
-                </a:solidFill>
-                <a:effectLst/>
-                <a:latin typeface="Arial" panose="020B0604020202020204" pitchFamily="34" charset="0"/>
-                <a:ea typeface="Times New Roman" panose="02020603050405020304" pitchFamily="18" charset="0"/>
-                <a:cs typeface="Comic Sans MS" panose="030F0702030302020204" pitchFamily="66" charset="0"/>
-              </a:rPr>
-              <a:t> </a:t>
-            </a:r>
-            <a:r>
-              <a:rPr kumimoji="0" lang="pt-BR" altLang="pt-BR" b="0" i="0" u="none" strike="noStrike" cap="none" normalizeH="0" baseline="0" dirty="0" smtClean="0">
-                <a:ln>
-                  <a:noFill/>
-                </a:ln>
-                <a:solidFill>
-                  <a:srgbClr val="FFFFFF"/>
-                </a:solidFill>
-                <a:effectLst/>
-                <a:latin typeface="Arial" panose="020B0604020202020204" pitchFamily="34" charset="0"/>
-                <a:ea typeface="Times New Roman" panose="02020603050405020304" pitchFamily="18" charset="0"/>
-                <a:cs typeface="Comic Sans MS" panose="030F0702030302020204" pitchFamily="66" charset="0"/>
-              </a:rPr>
-              <a:t>e mesmo perda de dados e erros em programas que podem ser executados </a:t>
-            </a:r>
-            <a:r>
-              <a:rPr kumimoji="0" lang="pt-BR" altLang="pt-BR" b="1" i="1" u="sng" strike="noStrike" cap="none" normalizeH="0" baseline="0" dirty="0" smtClean="0">
-                <a:ln>
-                  <a:noFill/>
-                </a:ln>
-                <a:solidFill>
-                  <a:schemeClr val="bg1"/>
-                </a:solidFill>
-                <a:effectLst/>
-                <a:latin typeface="Arial" panose="020B0604020202020204" pitchFamily="34" charset="0"/>
-                <a:ea typeface="Times New Roman" panose="02020603050405020304" pitchFamily="18" charset="0"/>
-                <a:cs typeface="Comic Sans MS" panose="030F0702030302020204" pitchFamily="66" charset="0"/>
-              </a:rPr>
-              <a:t>software</a:t>
-            </a:r>
-            <a:r>
-              <a:rPr kumimoji="0" lang="pt-BR" altLang="pt-BR" sz="700" b="0" i="0" u="none" strike="noStrike" cap="none" normalizeH="0" baseline="0" dirty="0" smtClean="0">
-                <a:ln>
-                  <a:noFill/>
-                </a:ln>
-                <a:solidFill>
-                  <a:schemeClr val="bg1"/>
-                </a:solidFill>
-                <a:effectLst/>
-                <a:latin typeface="Arial" panose="020B0604020202020204" pitchFamily="34" charset="0"/>
-              </a:rPr>
-              <a:t> </a:t>
-            </a:r>
-            <a:endParaRPr kumimoji="0" lang="pt-BR" altLang="pt-BR" b="0" i="0" u="none" strike="noStrike" cap="none" normalizeH="0" baseline="0" dirty="0" smtClean="0">
-              <a:ln>
-                <a:noFill/>
-              </a:ln>
-              <a:solidFill>
-                <a:schemeClr val="bg1"/>
-              </a:solidFill>
-              <a:effectLst/>
-              <a:latin typeface="Arial" panose="020B0604020202020204" pitchFamily="34" charset="0"/>
-            </a:endParaRPr>
-          </a:p>
-          <a:p>
-            <a:endParaRPr lang="pt-BR" dirty="0"/>
-          </a:p>
-        </p:txBody>
-      </p:sp>
-    </p:spTree>
-    <p:extLst>
-      <p:ext uri="{BB962C8B-B14F-4D97-AF65-F5344CB8AC3E}">
-        <p14:creationId xmlns:p14="http://schemas.microsoft.com/office/powerpoint/2010/main" val="2443728980"/>
-      </p:ext>
-    </p:extLst>
-  </p:cSld>
-  <p:clrMapOvr>
-    <a:masterClrMapping/>
-  </p:clrMapOvr>
-  <p:timing>
-    <p:tnLst>
-      <p:par>
-        <p:cTn id="1" dur="indefinite" restart="never" nodeType="tmRoot"/>
-      </p:par>
-    </p:tnLst>
-  </p:timing>
-</p:sld>
-</file>
-
-<file path=ppt/slides/slide3.xml><?xml version="1.0" encoding="utf-8"?>
-<p:sld xmlns:a="http://schemas.openxmlformats.org/drawingml/2006/main" xmlns:r="http://schemas.openxmlformats.org/officeDocument/2006/relationships" xmlns:p="http://schemas.openxmlformats.org/presentationml/2006/main">
-  <p:cSld>
-    <p:spTree>
-      <p:nvGrpSpPr>
-        <p:cNvPr id="1" name=""/>
-        <p:cNvGrpSpPr/>
-        <p:nvPr/>
-      </p:nvGrpSpPr>
-      <p:grpSpPr>
-        <a:xfrm>
-          <a:off x="0" y="0"/>
-          <a:ext cx="0" cy="0"/>
-          <a:chOff x="0" y="0"/>
-          <a:chExt cx="0" cy="0"/>
-        </a:xfrm>
-      </p:grpSpPr>
-      <p:sp>
-        <p:nvSpPr>
-          <p:cNvPr id="2" name="Título 1"/>
-          <p:cNvSpPr>
-            <a:spLocks noGrp="1"/>
-          </p:cNvSpPr>
-          <p:nvPr>
-            <p:ph type="title"/>
-          </p:nvPr>
-        </p:nvSpPr>
-        <p:spPr/>
-        <p:txBody>
-          <a:bodyPr/>
-          <a:lstStyle/>
-          <a:p>
-            <a:pPr lvl="0" algn="ctr"/>
-            <a:r>
-              <a:rPr kumimoji="0" lang="pt-BR" altLang="pt-BR" b="1" i="1" u="none" strike="noStrike" cap="none" normalizeH="0" baseline="0" dirty="0" smtClean="0">
-                <a:ln>
-                  <a:noFill/>
-                </a:ln>
-                <a:solidFill>
-                  <a:srgbClr val="79610D"/>
-                </a:solidFill>
-                <a:effectLst/>
-                <a:latin typeface="Arial" panose="020B0604020202020204" pitchFamily="34" charset="0"/>
-                <a:ea typeface="Times New Roman" panose="02020603050405020304" pitchFamily="18" charset="0"/>
-                <a:cs typeface="Comic Sans MS" panose="030F0702030302020204" pitchFamily="66" charset="0"/>
-              </a:rPr>
-              <a:t>Formas de Ruído</a:t>
-            </a:r>
-            <a:r>
-              <a:rPr kumimoji="0" lang="pt-BR" altLang="pt-BR" sz="700" b="1" i="1" u="none" strike="noStrike" cap="none" normalizeH="0" baseline="0" dirty="0" smtClean="0">
-                <a:ln>
-                  <a:noFill/>
-                </a:ln>
-                <a:solidFill>
-                  <a:schemeClr val="tx1"/>
-                </a:solidFill>
-                <a:effectLst/>
-                <a:latin typeface="Arial" panose="020B0604020202020204" pitchFamily="34" charset="0"/>
-              </a:rPr>
-              <a:t/>
-            </a:r>
-            <a:br>
-              <a:rPr kumimoji="0" lang="pt-BR" altLang="pt-BR" sz="700" b="1" i="1" u="none" strike="noStrike" cap="none" normalizeH="0" baseline="0" dirty="0" smtClean="0">
-                <a:ln>
-                  <a:noFill/>
-                </a:ln>
-                <a:solidFill>
-                  <a:schemeClr val="tx1"/>
-                </a:solidFill>
-                <a:effectLst/>
-                <a:latin typeface="Arial" panose="020B0604020202020204" pitchFamily="34" charset="0"/>
-              </a:rPr>
-            </a:br>
-            <a:endParaRPr lang="pt-BR" b="1" i="1" dirty="0"/>
-          </a:p>
-        </p:txBody>
-      </p:sp>
-      <p:sp>
-        <p:nvSpPr>
-          <p:cNvPr id="3" name="Espaço Reservado para Conteúdo 2"/>
-          <p:cNvSpPr>
-            <a:spLocks noGrp="1"/>
-          </p:cNvSpPr>
-          <p:nvPr>
-            <p:ph idx="1"/>
-          </p:nvPr>
-        </p:nvSpPr>
-        <p:spPr>
-          <a:xfrm>
-            <a:off x="838200" y="1924099"/>
-            <a:ext cx="10515600" cy="4351338"/>
-          </a:xfrm>
-        </p:spPr>
-        <p:txBody>
-          <a:bodyPr/>
-          <a:lstStyle/>
-          <a:p>
-            <a:pPr marL="0" lvl="0" indent="0" eaLnBrk="0" fontAlgn="base" hangingPunct="0">
-              <a:lnSpc>
-                <a:spcPct val="100000"/>
-              </a:lnSpc>
-              <a:spcBef>
-                <a:spcPct val="0"/>
-              </a:spcBef>
-              <a:spcAft>
-                <a:spcPct val="0"/>
-              </a:spcAft>
-              <a:buNone/>
-              <a:tabLst>
-                <a:tab pos="2943225" algn="l"/>
-              </a:tabLst>
-            </a:pPr>
-            <a:r>
-              <a:rPr kumimoji="0" lang="pt-BR" altLang="pt-BR" b="0" i="0" u="none" strike="noStrike" cap="none" normalizeH="0" baseline="0" dirty="0" smtClean="0">
-                <a:ln>
-                  <a:noFill/>
-                </a:ln>
-                <a:solidFill>
-                  <a:schemeClr val="bg1"/>
-                </a:solidFill>
-                <a:effectLst/>
-                <a:latin typeface="Arial" panose="020B0604020202020204" pitchFamily="34" charset="0"/>
-                <a:ea typeface="Times New Roman" panose="02020603050405020304" pitchFamily="18" charset="0"/>
-                <a:cs typeface="Comic Sans MS" panose="030F0702030302020204" pitchFamily="66" charset="0"/>
-              </a:rPr>
-              <a:t>Existem três formatos básicos de ruídos que afetam as redes de comunicação:</a:t>
-            </a:r>
-            <a:endParaRPr kumimoji="0" lang="pt-BR" altLang="pt-BR" sz="3600" b="0" i="0" u="none" strike="noStrike" cap="none" normalizeH="0" baseline="0" dirty="0" smtClean="0">
-              <a:ln>
-                <a:noFill/>
-              </a:ln>
-              <a:solidFill>
-                <a:schemeClr val="bg1"/>
-              </a:solidFill>
-              <a:effectLst/>
-              <a:latin typeface="Arial" panose="020B0604020202020204" pitchFamily="34" charset="0"/>
-              <a:cs typeface="Comic Sans MS" panose="030F0702030302020204" pitchFamily="66" charset="0"/>
-            </a:endParaRPr>
-          </a:p>
-          <a:p>
-            <a:pPr marL="0" lvl="0" indent="0" eaLnBrk="0" fontAlgn="base" hangingPunct="0">
-              <a:lnSpc>
-                <a:spcPct val="100000"/>
-              </a:lnSpc>
-              <a:spcBef>
-                <a:spcPct val="0"/>
-              </a:spcBef>
-              <a:spcAft>
-                <a:spcPct val="0"/>
-              </a:spcAft>
-              <a:buFontTx/>
-              <a:buChar char="•"/>
-              <a:tabLst>
-                <a:tab pos="2943225" algn="l"/>
-              </a:tabLst>
-            </a:pPr>
-            <a:endParaRPr kumimoji="0" lang="pt-BR" altLang="pt-BR" sz="3600" b="0" i="0" u="none" strike="noStrike" cap="none" normalizeH="0" baseline="0" dirty="0" smtClean="0">
-              <a:ln>
-                <a:noFill/>
-              </a:ln>
-              <a:solidFill>
-                <a:schemeClr val="bg1"/>
-              </a:solidFill>
-              <a:effectLst/>
-              <a:latin typeface="Arial" panose="020B0604020202020204" pitchFamily="34" charset="0"/>
-              <a:ea typeface="Times New Roman" panose="02020603050405020304" pitchFamily="18" charset="0"/>
-              <a:cs typeface="Comic Sans MS" panose="030F0702030302020204" pitchFamily="66" charset="0"/>
-            </a:endParaRPr>
-          </a:p>
-          <a:p>
-            <a:pPr marL="0" lvl="0" indent="0" eaLnBrk="0" fontAlgn="base" hangingPunct="0">
-              <a:lnSpc>
-                <a:spcPct val="100000"/>
-              </a:lnSpc>
-              <a:spcBef>
-                <a:spcPct val="0"/>
-              </a:spcBef>
-              <a:spcAft>
-                <a:spcPct val="0"/>
-              </a:spcAft>
-              <a:buFontTx/>
-              <a:buChar char="•"/>
-              <a:tabLst>
-                <a:tab pos="2943225" algn="l"/>
-              </a:tabLst>
-            </a:pPr>
-            <a:r>
-              <a:rPr kumimoji="0" lang="pt-BR" altLang="pt-BR" sz="3600" b="0" i="0" u="none" strike="noStrike" cap="none" normalizeH="0" baseline="0" dirty="0" smtClean="0">
-                <a:ln>
-                  <a:noFill/>
-                </a:ln>
-                <a:solidFill>
-                  <a:schemeClr val="bg1"/>
-                </a:solidFill>
-                <a:effectLst/>
-                <a:latin typeface="Arial" panose="020B0604020202020204" pitchFamily="34" charset="0"/>
-                <a:ea typeface="Times New Roman" panose="02020603050405020304" pitchFamily="18" charset="0"/>
-                <a:cs typeface="Comic Sans MS" panose="030F0702030302020204" pitchFamily="66" charset="0"/>
-              </a:rPr>
-              <a:t>Ruído Impulsivo;</a:t>
-            </a:r>
-            <a:endParaRPr kumimoji="0" lang="pt-BR" altLang="pt-BR" sz="800" b="0" i="0" u="none" strike="noStrike" cap="none" normalizeH="0" baseline="0" dirty="0" smtClean="0">
-              <a:ln>
-                <a:noFill/>
-              </a:ln>
-              <a:solidFill>
-                <a:schemeClr val="bg1"/>
-              </a:solidFill>
-              <a:effectLst/>
-              <a:latin typeface="Arial" panose="020B0604020202020204" pitchFamily="34" charset="0"/>
-            </a:endParaRPr>
-          </a:p>
-          <a:p>
-            <a:pPr marL="0" lvl="0" indent="0" eaLnBrk="0" fontAlgn="base" hangingPunct="0">
-              <a:lnSpc>
-                <a:spcPct val="100000"/>
-              </a:lnSpc>
-              <a:spcBef>
-                <a:spcPct val="0"/>
-              </a:spcBef>
-              <a:spcAft>
-                <a:spcPct val="0"/>
-              </a:spcAft>
-              <a:buFontTx/>
-              <a:buChar char="•"/>
-              <a:tabLst>
-                <a:tab pos="2943225" algn="l"/>
-              </a:tabLst>
-            </a:pPr>
-            <a:r>
-              <a:rPr kumimoji="0" lang="pt-BR" altLang="pt-BR" sz="3600" b="0" i="0" u="none" strike="noStrike" cap="none" normalizeH="0" baseline="0" dirty="0" smtClean="0">
-                <a:ln>
-                  <a:noFill/>
-                </a:ln>
-                <a:solidFill>
-                  <a:schemeClr val="bg1"/>
-                </a:solidFill>
-                <a:effectLst/>
-                <a:latin typeface="Arial" panose="020B0604020202020204" pitchFamily="34" charset="0"/>
-                <a:ea typeface="Times New Roman" panose="02020603050405020304" pitchFamily="18" charset="0"/>
-                <a:cs typeface="Comic Sans MS" panose="030F0702030302020204" pitchFamily="66" charset="0"/>
-              </a:rPr>
-              <a:t>Ruído Térmico;</a:t>
-            </a:r>
-            <a:endParaRPr kumimoji="0" lang="pt-BR" altLang="pt-BR" sz="4800" b="0" i="0" u="none" strike="noStrike" cap="none" normalizeH="0" baseline="0" dirty="0" smtClean="0">
-              <a:ln>
-                <a:noFill/>
-              </a:ln>
-              <a:solidFill>
-                <a:schemeClr val="bg1"/>
-              </a:solidFill>
-              <a:effectLst/>
-              <a:latin typeface="Arial" panose="020B0604020202020204" pitchFamily="34" charset="0"/>
-              <a:ea typeface="Times New Roman" panose="02020603050405020304" pitchFamily="18" charset="0"/>
-              <a:cs typeface="Comic Sans MS" panose="030F0702030302020204" pitchFamily="66" charset="0"/>
-            </a:endParaRPr>
-          </a:p>
-          <a:p>
-            <a:pPr marL="0" lvl="0" indent="0" eaLnBrk="0" fontAlgn="base" hangingPunct="0">
-              <a:lnSpc>
-                <a:spcPct val="100000"/>
-              </a:lnSpc>
-              <a:spcBef>
-                <a:spcPct val="0"/>
-              </a:spcBef>
-              <a:spcAft>
-                <a:spcPct val="0"/>
-              </a:spcAft>
-              <a:buFontTx/>
-              <a:buChar char="•"/>
-              <a:tabLst>
-                <a:tab pos="2943225" algn="l"/>
-              </a:tabLst>
-            </a:pPr>
-            <a:r>
-              <a:rPr kumimoji="0" lang="pt-BR" altLang="pt-BR" sz="3600" b="0" i="0" u="none" strike="noStrike" cap="none" normalizeH="0" baseline="0" dirty="0" smtClean="0">
-                <a:ln>
-                  <a:noFill/>
-                </a:ln>
-                <a:solidFill>
-                  <a:schemeClr val="bg1"/>
-                </a:solidFill>
-                <a:effectLst/>
-                <a:latin typeface="Arial" panose="020B0604020202020204" pitchFamily="34" charset="0"/>
-              </a:rPr>
-              <a:t>Ruído</a:t>
-            </a:r>
-            <a:r>
-              <a:rPr kumimoji="0" lang="pt-BR" altLang="pt-BR" sz="3600" b="0" i="0" u="none" strike="noStrike" cap="none" normalizeH="0" dirty="0" smtClean="0">
-                <a:ln>
-                  <a:noFill/>
-                </a:ln>
-                <a:solidFill>
-                  <a:schemeClr val="bg1"/>
-                </a:solidFill>
-                <a:effectLst/>
-                <a:latin typeface="Arial" panose="020B0604020202020204" pitchFamily="34" charset="0"/>
-              </a:rPr>
-              <a:t> </a:t>
-            </a:r>
-            <a:r>
-              <a:rPr kumimoji="0" lang="pt-BR" altLang="pt-BR" sz="3600" b="0" i="0" u="none" strike="noStrike" cap="none" normalizeH="0" dirty="0" err="1" smtClean="0">
-                <a:ln>
-                  <a:noFill/>
-                </a:ln>
-                <a:solidFill>
-                  <a:schemeClr val="bg1"/>
-                </a:solidFill>
-                <a:effectLst/>
-                <a:latin typeface="Arial" panose="020B0604020202020204" pitchFamily="34" charset="0"/>
-              </a:rPr>
-              <a:t>Crosstalk</a:t>
-            </a:r>
-            <a:r>
-              <a:rPr kumimoji="0" lang="pt-BR" altLang="pt-BR" sz="3600" b="0" i="0" u="none" strike="noStrike" cap="none" normalizeH="0" dirty="0" smtClean="0">
-                <a:ln>
-                  <a:noFill/>
-                </a:ln>
-                <a:solidFill>
-                  <a:schemeClr val="bg1"/>
-                </a:solidFill>
-                <a:effectLst/>
-                <a:latin typeface="Arial" panose="020B0604020202020204" pitchFamily="34" charset="0"/>
-              </a:rPr>
-              <a:t>.</a:t>
-            </a:r>
-            <a:endParaRPr kumimoji="0" lang="pt-BR" altLang="pt-BR" sz="2400" b="0" i="0" u="none" strike="noStrike" cap="none" normalizeH="0" baseline="0" dirty="0" smtClean="0">
-              <a:ln>
-                <a:noFill/>
-              </a:ln>
-              <a:solidFill>
-                <a:schemeClr val="bg1"/>
-              </a:solidFill>
-              <a:effectLst/>
-              <a:latin typeface="Arial" panose="020B0604020202020204" pitchFamily="34" charset="0"/>
-            </a:endParaRPr>
-          </a:p>
-          <a:p>
-            <a:endParaRPr lang="pt-BR" dirty="0"/>
-          </a:p>
-        </p:txBody>
-      </p:sp>
-    </p:spTree>
-    <p:extLst>
-      <p:ext uri="{BB962C8B-B14F-4D97-AF65-F5344CB8AC3E}">
-        <p14:creationId xmlns:p14="http://schemas.microsoft.com/office/powerpoint/2010/main" val="3133153733"/>
-      </p:ext>
-    </p:extLst>
-  </p:cSld>
-  <p:clrMapOvr>
-    <a:masterClrMapping/>
-  </p:clrMapOvr>
-  <p:timing>
-    <p:tnLst>
-      <p:par>
-        <p:cTn id="1" dur="indefinite" restart="never" nodeType="tmRoot"/>
-      </p:par>
-    </p:tnLst>
-  </p:timing>
-</p:sld>
-</file>
-
-<file path=ppt/slides/slide4.xml><?xml version="1.0" encoding="utf-8"?>
-<p:sld xmlns:a="http://schemas.openxmlformats.org/drawingml/2006/main" xmlns:r="http://schemas.openxmlformats.org/officeDocument/2006/relationships" xmlns:p="http://schemas.openxmlformats.org/presentationml/2006/main">
-  <p:cSld>
-    <p:spTree>
-      <p:nvGrpSpPr>
-        <p:cNvPr id="1" name=""/>
-        <p:cNvGrpSpPr/>
-        <p:nvPr/>
-      </p:nvGrpSpPr>
-      <p:grpSpPr>
-        <a:xfrm>
-          <a:off x="0" y="0"/>
-          <a:ext cx="0" cy="0"/>
-          <a:chOff x="0" y="0"/>
-          <a:chExt cx="0" cy="0"/>
-        </a:xfrm>
-      </p:grpSpPr>
-      <p:sp>
-        <p:nvSpPr>
-          <p:cNvPr id="3" name="Espaço Reservado para Conteúdo 2"/>
-          <p:cNvSpPr>
-            <a:spLocks noGrp="1"/>
-          </p:cNvSpPr>
-          <p:nvPr>
-            <p:ph idx="1"/>
-          </p:nvPr>
-        </p:nvSpPr>
-        <p:spPr/>
-        <p:txBody>
-          <a:bodyPr/>
-          <a:lstStyle/>
-          <a:p>
-            <a:endParaRPr lang="pt-BR" dirty="0"/>
-          </a:p>
-        </p:txBody>
-      </p:sp>
-      <p:sp>
-        <p:nvSpPr>
-          <p:cNvPr id="6" name="Título 5"/>
-          <p:cNvSpPr>
-            <a:spLocks noGrp="1"/>
-          </p:cNvSpPr>
-          <p:nvPr>
-            <p:ph type="title"/>
-          </p:nvPr>
-        </p:nvSpPr>
-        <p:spPr/>
-        <p:txBody>
-          <a:bodyPr/>
-          <a:lstStyle/>
-          <a:p>
-            <a:endParaRPr lang="pt-BR"/>
-          </a:p>
-        </p:txBody>
-      </p:sp>
-      <p:sp>
-        <p:nvSpPr>
-          <p:cNvPr id="7" name="Título 1"/>
-          <p:cNvSpPr txBox="1">
-            <a:spLocks/>
-          </p:cNvSpPr>
-          <p:nvPr/>
-        </p:nvSpPr>
-        <p:spPr>
-          <a:xfrm>
-            <a:off x="990600" y="517525"/>
-            <a:ext cx="10515600" cy="1325563"/>
-          </a:xfrm>
-          <a:prstGeom prst="rect">
-            <a:avLst/>
-          </a:prstGeom>
-        </p:spPr>
-        <p:txBody>
-          <a:bodyPr vert="horz" lIns="91440" tIns="45720" rIns="91440" bIns="45720" rtlCol="0" anchor="ctr">
-            <a:normAutofit/>
-          </a:bodyPr>
-          <a:lstStyle>
-            <a:lvl1pPr algn="l" defTabSz="914400" rtl="0" eaLnBrk="1" latinLnBrk="0" hangingPunct="1">
-              <a:lnSpc>
-                <a:spcPct val="90000"/>
-              </a:lnSpc>
-              <a:spcBef>
-                <a:spcPct val="0"/>
-              </a:spcBef>
-              <a:buNone/>
-              <a:defRPr sz="4400" kern="1200">
-                <a:solidFill>
-                  <a:schemeClr val="tx1"/>
-                </a:solidFill>
-                <a:latin typeface="+mj-lt"/>
-                <a:ea typeface="+mj-ea"/>
-                <a:cs typeface="+mj-cs"/>
-              </a:defRPr>
-            </a:lvl1pPr>
-          </a:lstStyle>
-          <a:p>
-            <a:pPr algn="ctr"/>
-            <a:r>
-              <a:rPr lang="pt-BR" altLang="pt-BR" b="1" i="1" dirty="0" smtClean="0">
-                <a:solidFill>
-                  <a:srgbClr val="79610D"/>
-                </a:solidFill>
-                <a:latin typeface="Arial" panose="020B0604020202020204" pitchFamily="34" charset="0"/>
-                <a:ea typeface="Times New Roman" panose="02020603050405020304" pitchFamily="18" charset="0"/>
-                <a:cs typeface="Comic Sans MS" panose="030F0702030302020204" pitchFamily="66" charset="0"/>
-              </a:rPr>
-              <a:t>Ruído Impulsivo</a:t>
-            </a:r>
-            <a:endParaRPr lang="pt-BR" dirty="0"/>
-          </a:p>
-        </p:txBody>
-      </p:sp>
-    </p:spTree>
-    <p:extLst>
-      <p:ext uri="{BB962C8B-B14F-4D97-AF65-F5344CB8AC3E}">
-        <p14:creationId xmlns:p14="http://schemas.microsoft.com/office/powerpoint/2010/main" val="3265108198"/>
-      </p:ext>
-    </p:extLst>
-  </p:cSld>
-  <p:clrMapOvr>
-    <a:masterClrMapping/>
-  </p:clrMapOvr>
-  <p:timing>
-    <p:tnLst>
-      <p:par>
-        <p:cTn id="1" dur="indefinite" restart="never" nodeType="tmRoot"/>
-      </p:par>
-    </p:tnLst>
-  </p:timing>
-</p:sld>
-</file>
-
-<file path=ppt/slides/slide5.xml><?xml version="1.0" encoding="utf-8"?>
-<p:sld xmlns:a="http://schemas.openxmlformats.org/drawingml/2006/main" xmlns:r="http://schemas.openxmlformats.org/officeDocument/2006/relationships" xmlns:p="http://schemas.openxmlformats.org/presentationml/2006/main">
-  <p:cSld>
-    <p:spTree>
-      <p:nvGrpSpPr>
-        <p:cNvPr id="1" name=""/>
-        <p:cNvGrpSpPr/>
-        <p:nvPr/>
-      </p:nvGrpSpPr>
-      <p:grpSpPr>
-        <a:xfrm>
-          <a:off x="0" y="0"/>
-          <a:ext cx="0" cy="0"/>
-          <a:chOff x="0" y="0"/>
-          <a:chExt cx="0" cy="0"/>
-        </a:xfrm>
-      </p:grpSpPr>
-      <p:sp>
-        <p:nvSpPr>
-          <p:cNvPr id="2" name="Título 1"/>
-          <p:cNvSpPr>
-            <a:spLocks noGrp="1"/>
-          </p:cNvSpPr>
-          <p:nvPr>
-            <p:ph type="title"/>
-          </p:nvPr>
-        </p:nvSpPr>
-        <p:spPr/>
-        <p:txBody>
-          <a:bodyPr/>
-          <a:lstStyle/>
-          <a:p>
-            <a:pPr algn="ctr"/>
-            <a:r>
-              <a:rPr kumimoji="0" lang="pt-BR" altLang="pt-BR" b="1" i="1" u="none" strike="noStrike" cap="none" normalizeH="0" baseline="0" dirty="0" smtClean="0">
-                <a:ln>
-                  <a:noFill/>
-                </a:ln>
-                <a:solidFill>
-                  <a:srgbClr val="79610D"/>
-                </a:solidFill>
-                <a:effectLst/>
-                <a:latin typeface="Arial" panose="020B0604020202020204" pitchFamily="34" charset="0"/>
-                <a:ea typeface="Times New Roman" panose="02020603050405020304" pitchFamily="18" charset="0"/>
-                <a:cs typeface="Comic Sans MS" panose="030F0702030302020204" pitchFamily="66" charset="0"/>
-              </a:rPr>
-              <a:t>Ruído Térmico</a:t>
-            </a:r>
-            <a:endParaRPr lang="pt-BR" dirty="0"/>
-          </a:p>
-        </p:txBody>
-      </p:sp>
-      <p:sp>
-        <p:nvSpPr>
-          <p:cNvPr id="3" name="Espaço Reservado para Conteúdo 2"/>
-          <p:cNvSpPr>
-            <a:spLocks noGrp="1"/>
-          </p:cNvSpPr>
-          <p:nvPr>
-            <p:ph idx="1"/>
-          </p:nvPr>
-        </p:nvSpPr>
-        <p:spPr/>
-        <p:txBody>
-          <a:bodyPr/>
-          <a:lstStyle/>
-          <a:p>
-            <a:endParaRPr lang="pt-BR" dirty="0"/>
-          </a:p>
-        </p:txBody>
-      </p:sp>
-    </p:spTree>
-    <p:extLst>
-      <p:ext uri="{BB962C8B-B14F-4D97-AF65-F5344CB8AC3E}">
-        <p14:creationId xmlns:p14="http://schemas.microsoft.com/office/powerpoint/2010/main" val="1114261445"/>
-      </p:ext>
-    </p:extLst>
-  </p:cSld>
-  <p:clrMapOvr>
-    <a:masterClrMapping/>
-  </p:clrMapOvr>
-  <p:timing>
-    <p:tnLst>
-      <p:par>
-        <p:cTn id="1" dur="indefinite" restart="never" nodeType="tmRoot"/>
-      </p:par>
-    </p:tnLst>
-  </p:timing>
-</p:sld>
-</file>
-
-<file path=ppt/slides/slide6.xml><?xml version="1.0" encoding="utf-8"?>
-<p:sld xmlns:a="http://schemas.openxmlformats.org/drawingml/2006/main" xmlns:r="http://schemas.openxmlformats.org/officeDocument/2006/relationships" xmlns:p="http://schemas.openxmlformats.org/presentationml/2006/main">
-  <p:cSld>
-    <p:spTree>
-      <p:nvGrpSpPr>
-        <p:cNvPr id="1" name=""/>
-        <p:cNvGrpSpPr/>
-        <p:nvPr/>
-      </p:nvGrpSpPr>
-      <p:grpSpPr>
-        <a:xfrm>
-          <a:off x="0" y="0"/>
-          <a:ext cx="0" cy="0"/>
-          <a:chOff x="0" y="0"/>
-          <a:chExt cx="0" cy="0"/>
-        </a:xfrm>
-      </p:grpSpPr>
-      <p:sp>
-        <p:nvSpPr>
-          <p:cNvPr id="2" name="Título 1"/>
-          <p:cNvSpPr>
-            <a:spLocks noGrp="1"/>
-          </p:cNvSpPr>
-          <p:nvPr>
-            <p:ph type="title"/>
-          </p:nvPr>
-        </p:nvSpPr>
-        <p:spPr/>
-        <p:txBody>
-          <a:bodyPr/>
-          <a:lstStyle/>
-          <a:p>
-            <a:pPr algn="ctr"/>
-            <a:r>
-              <a:rPr kumimoji="0" lang="pt-BR" altLang="pt-BR" b="1" i="1" u="none" strike="noStrike" cap="none" normalizeH="0" baseline="0" dirty="0" smtClean="0">
-                <a:ln>
-                  <a:noFill/>
-                </a:ln>
-                <a:solidFill>
-                  <a:srgbClr val="79610D"/>
-                </a:solidFill>
-                <a:effectLst/>
-                <a:latin typeface="Arial" panose="020B0604020202020204" pitchFamily="34" charset="0"/>
-                <a:ea typeface="Times New Roman" panose="02020603050405020304" pitchFamily="18" charset="0"/>
-                <a:cs typeface="Comic Sans MS" panose="030F0702030302020204" pitchFamily="66" charset="0"/>
-              </a:rPr>
-              <a:t>Ruído </a:t>
-            </a:r>
-            <a:r>
-              <a:rPr kumimoji="0" lang="pt-BR" altLang="pt-BR" b="1" i="1" u="none" strike="noStrike" cap="none" normalizeH="0" baseline="0" dirty="0" err="1" smtClean="0">
-                <a:ln>
-                  <a:noFill/>
-                </a:ln>
-                <a:solidFill>
-                  <a:srgbClr val="79610D"/>
-                </a:solidFill>
-                <a:effectLst/>
-                <a:latin typeface="Arial" panose="020B0604020202020204" pitchFamily="34" charset="0"/>
-                <a:ea typeface="Times New Roman" panose="02020603050405020304" pitchFamily="18" charset="0"/>
-                <a:cs typeface="Comic Sans MS" panose="030F0702030302020204" pitchFamily="66" charset="0"/>
-              </a:rPr>
-              <a:t>Crosstalk</a:t>
-            </a:r>
-            <a:endParaRPr lang="pt-BR" dirty="0"/>
-          </a:p>
-        </p:txBody>
-      </p:sp>
-      <p:sp>
-        <p:nvSpPr>
-          <p:cNvPr id="3" name="Espaço Reservado para Conteúdo 2"/>
-          <p:cNvSpPr>
-            <a:spLocks noGrp="1"/>
-          </p:cNvSpPr>
-          <p:nvPr>
-            <p:ph idx="1"/>
-          </p:nvPr>
-        </p:nvSpPr>
-        <p:spPr/>
-        <p:txBody>
-          <a:bodyPr/>
-          <a:lstStyle/>
-          <a:p>
-            <a:r>
-              <a:rPr lang="pt-BR" sz="3200" b="1" dirty="0" err="1" smtClean="0">
-                <a:solidFill>
-                  <a:schemeClr val="bg1"/>
-                </a:solidFill>
-              </a:rPr>
-              <a:t>Crosstalk</a:t>
-            </a:r>
-            <a:r>
-              <a:rPr lang="pt-BR" sz="3200" dirty="0">
-                <a:solidFill>
-                  <a:schemeClr val="bg1"/>
-                </a:solidFill>
-              </a:rPr>
-              <a:t> ou </a:t>
-            </a:r>
-            <a:r>
-              <a:rPr lang="pt-BR" sz="3200" dirty="0" err="1">
-                <a:solidFill>
-                  <a:schemeClr val="bg1"/>
-                </a:solidFill>
-              </a:rPr>
-              <a:t>diafonia</a:t>
-            </a:r>
-            <a:r>
-              <a:rPr lang="pt-BR" sz="3200" dirty="0">
-                <a:solidFill>
-                  <a:schemeClr val="bg1"/>
-                </a:solidFill>
-              </a:rPr>
-              <a:t> é a </a:t>
-            </a:r>
-            <a:r>
-              <a:rPr lang="pt-BR" sz="3200" dirty="0" smtClean="0">
-                <a:solidFill>
-                  <a:schemeClr val="bg1"/>
-                </a:solidFill>
-              </a:rPr>
-              <a:t>interferência </a:t>
-            </a:r>
-            <a:r>
-              <a:rPr lang="pt-BR" sz="3200" dirty="0">
-                <a:solidFill>
-                  <a:schemeClr val="bg1"/>
-                </a:solidFill>
-              </a:rPr>
-              <a:t> indesejada que um canal de transmissão causa em outro. Foi observado pela primeira vez durante a </a:t>
-            </a:r>
-            <a:r>
-              <a:rPr lang="pt-BR" sz="3200" dirty="0" smtClean="0">
-                <a:solidFill>
-                  <a:schemeClr val="bg1"/>
-                </a:solidFill>
-              </a:rPr>
-              <a:t>Segunda Guerra Mundial, </a:t>
-            </a:r>
-            <a:r>
-              <a:rPr lang="pt-BR" sz="3200" dirty="0">
-                <a:solidFill>
-                  <a:schemeClr val="bg1"/>
-                </a:solidFill>
-              </a:rPr>
-              <a:t>devido à grande quantidade de transmissões que eram feitas na </a:t>
-            </a:r>
-            <a:r>
-              <a:rPr lang="pt-BR" sz="3200" dirty="0" smtClean="0">
-                <a:solidFill>
-                  <a:schemeClr val="bg1"/>
-                </a:solidFill>
-              </a:rPr>
-              <a:t>época. Essa </a:t>
-            </a:r>
-            <a:r>
-              <a:rPr lang="pt-BR" sz="3200" dirty="0">
-                <a:solidFill>
-                  <a:schemeClr val="bg1"/>
-                </a:solidFill>
-              </a:rPr>
-              <a:t>interferência é criada por um </a:t>
-            </a:r>
-            <a:r>
-              <a:rPr lang="pt-BR" sz="3200" dirty="0" smtClean="0">
-                <a:solidFill>
-                  <a:schemeClr val="bg1"/>
-                </a:solidFill>
-              </a:rPr>
-              <a:t>curto-circuito</a:t>
-            </a:r>
-            <a:r>
-              <a:rPr lang="pt-BR" sz="3200" dirty="0">
-                <a:solidFill>
-                  <a:schemeClr val="bg1"/>
-                </a:solidFill>
-              </a:rPr>
-              <a:t> ou a junção indutiva entre essas duas linhas independentes.</a:t>
-            </a:r>
-          </a:p>
-          <a:p>
-            <a:endParaRPr lang="pt-BR" dirty="0"/>
-          </a:p>
-        </p:txBody>
-      </p:sp>
-    </p:spTree>
-    <p:extLst>
-      <p:ext uri="{BB962C8B-B14F-4D97-AF65-F5344CB8AC3E}">
-        <p14:creationId xmlns:p14="http://schemas.microsoft.com/office/powerpoint/2010/main" val="2812375822"/>
-      </p:ext>
-    </p:extLst>
-  </p:cSld>
-  <p:clrMapOvr>
-    <a:masterClrMapping/>
-  </p:clrMapOvr>
-  <p:timing>
-    <p:tnLst>
-      <p:par>
-        <p:cTn id="1" dur="indefinite" restart="never" nodeType="tmRoot"/>
-      </p:par>
-    </p:tnLst>
-  </p:timing>
-</p:sld>
-</file>
-
-<file path=ppt/slides/slide7.xml><?xml version="1.0" encoding="utf-8"?>
-<p:sld xmlns:a="http://schemas.openxmlformats.org/drawingml/2006/main" xmlns:r="http://schemas.openxmlformats.org/officeDocument/2006/relationships" xmlns:p="http://schemas.openxmlformats.org/presentationml/2006/main">
-  <p:cSld>
-    <p:spTree>
-      <p:nvGrpSpPr>
-        <p:cNvPr id="1" name=""/>
-        <p:cNvGrpSpPr/>
-        <p:nvPr/>
-      </p:nvGrpSpPr>
-      <p:grpSpPr>
-        <a:xfrm>
-          <a:off x="0" y="0"/>
-          <a:ext cx="0" cy="0"/>
-          <a:chOff x="0" y="0"/>
-          <a:chExt cx="0" cy="0"/>
-        </a:xfrm>
-      </p:grpSpPr>
-      <p:sp>
-        <p:nvSpPr>
-          <p:cNvPr id="2" name="Título 1"/>
-          <p:cNvSpPr>
-            <a:spLocks noGrp="1"/>
-          </p:cNvSpPr>
-          <p:nvPr>
-            <p:ph type="title"/>
-          </p:nvPr>
-        </p:nvSpPr>
-        <p:spPr/>
-        <p:txBody>
-          <a:bodyPr/>
-          <a:lstStyle/>
-          <a:p>
-            <a:pPr algn="ctr"/>
-            <a:r>
-              <a:rPr kumimoji="0" lang="pt-BR" altLang="pt-BR" b="1" i="1" u="none" strike="noStrike" cap="none" normalizeH="0" baseline="0" dirty="0" smtClean="0">
-                <a:ln>
-                  <a:noFill/>
-                </a:ln>
-                <a:solidFill>
-                  <a:srgbClr val="79610D"/>
-                </a:solidFill>
-                <a:effectLst/>
-                <a:latin typeface="Arial" panose="020B0604020202020204" pitchFamily="34" charset="0"/>
-                <a:ea typeface="Times New Roman" panose="02020603050405020304" pitchFamily="18" charset="0"/>
-                <a:cs typeface="Comic Sans MS" panose="030F0702030302020204" pitchFamily="66" charset="0"/>
-              </a:rPr>
-              <a:t>Ruído </a:t>
-            </a:r>
-            <a:r>
-              <a:rPr kumimoji="0" lang="pt-BR" altLang="pt-BR" b="1" i="1" u="none" strike="noStrike" cap="none" normalizeH="0" baseline="0" dirty="0" err="1" smtClean="0">
-                <a:ln>
-                  <a:noFill/>
-                </a:ln>
-                <a:solidFill>
-                  <a:srgbClr val="79610D"/>
-                </a:solidFill>
-                <a:effectLst/>
-                <a:latin typeface="Arial" panose="020B0604020202020204" pitchFamily="34" charset="0"/>
-                <a:ea typeface="Times New Roman" panose="02020603050405020304" pitchFamily="18" charset="0"/>
-                <a:cs typeface="Comic Sans MS" panose="030F0702030302020204" pitchFamily="66" charset="0"/>
-              </a:rPr>
-              <a:t>Crosstalk</a:t>
-            </a:r>
-            <a:endParaRPr lang="pt-BR" dirty="0"/>
-          </a:p>
-        </p:txBody>
-      </p:sp>
-      <p:sp>
-        <p:nvSpPr>
-          <p:cNvPr id="3" name="Espaço Reservado para Conteúdo 2"/>
-          <p:cNvSpPr>
-            <a:spLocks noGrp="1"/>
-          </p:cNvSpPr>
-          <p:nvPr>
-            <p:ph idx="1"/>
-          </p:nvPr>
-        </p:nvSpPr>
-        <p:spPr/>
-        <p:txBody>
-          <a:bodyPr/>
-          <a:lstStyle/>
-          <a:p>
-            <a:r>
-              <a:rPr lang="pt-BR" sz="3600" dirty="0">
-                <a:solidFill>
-                  <a:schemeClr val="bg1"/>
-                </a:solidFill>
-              </a:rPr>
-              <a:t>Em </a:t>
-            </a:r>
-            <a:r>
-              <a:rPr lang="pt-BR" sz="3600" dirty="0" smtClean="0">
-                <a:solidFill>
-                  <a:schemeClr val="bg1"/>
-                </a:solidFill>
-              </a:rPr>
-              <a:t>eletrônica,</a:t>
-            </a:r>
-            <a:r>
-              <a:rPr lang="pt-BR" sz="3600" dirty="0">
-                <a:solidFill>
-                  <a:schemeClr val="bg1"/>
-                </a:solidFill>
-              </a:rPr>
-              <a:t> </a:t>
-            </a:r>
-            <a:r>
-              <a:rPr lang="pt-BR" sz="3600" i="1" dirty="0" err="1">
-                <a:solidFill>
-                  <a:schemeClr val="bg1"/>
-                </a:solidFill>
-              </a:rPr>
-              <a:t>crosstalk</a:t>
-            </a:r>
-            <a:r>
-              <a:rPr lang="pt-BR" sz="3600" dirty="0">
-                <a:solidFill>
-                  <a:schemeClr val="bg1"/>
-                </a:solidFill>
-              </a:rPr>
-              <a:t> é qualquer fenômeno em que um sinal transmitido em um circuito ou canal de um sistema de transmissão cria um efeito indesejado em outro circuito ou canal. </a:t>
-            </a:r>
-            <a:r>
-              <a:rPr lang="pt-BR" sz="3600" i="1" dirty="0" err="1">
-                <a:solidFill>
-                  <a:schemeClr val="bg1"/>
-                </a:solidFill>
-              </a:rPr>
-              <a:t>Crosstalk</a:t>
-            </a:r>
-            <a:r>
-              <a:rPr lang="pt-BR" sz="3600" dirty="0">
-                <a:solidFill>
-                  <a:schemeClr val="bg1"/>
-                </a:solidFill>
-              </a:rPr>
-              <a:t> é normalmente causado por capacitâncias, indutâncias ou conexão condutiva com um circuito ou canal — todas indesejadas.</a:t>
-            </a:r>
-          </a:p>
-          <a:p>
-            <a:endParaRPr lang="pt-BR" dirty="0"/>
-          </a:p>
-        </p:txBody>
-      </p:sp>
-    </p:spTree>
-    <p:extLst>
-      <p:ext uri="{BB962C8B-B14F-4D97-AF65-F5344CB8AC3E}">
-        <p14:creationId xmlns:p14="http://schemas.microsoft.com/office/powerpoint/2010/main" val="1745089375"/>
-      </p:ext>
-    </p:extLst>
-  </p:cSld>
-  <p:clrMapOvr>
-    <a:masterClrMapping/>
-  </p:clrMapOvr>
-  <p:timing>
-    <p:tnLst>
-      <p:par>
-        <p:cTn id="1" dur="indefinite" restart="never" nodeType="tmRoot"/>
-      </p:par>
-    </p:tnLst>
-  </p:timing>
-</p:sld>
-</file>
-
-<file path=ppt/slides/slide8.xml><?xml version="1.0" encoding="utf-8"?>
+<file path=ppt/slides/slide10.xml><?xml version="1.0" encoding="utf-8"?>
 <p:sld xmlns:a="http://schemas.openxmlformats.org/drawingml/2006/main" xmlns:r="http://schemas.openxmlformats.org/officeDocument/2006/relationships" xmlns:p="http://schemas.openxmlformats.org/presentationml/2006/main">
   <p:cSld>
     <p:spTree>
@@ -4450,6 +3265,1720 @@
 </p:sld>
 </file>
 
+<file path=ppt/slides/slide11.xml><?xml version="1.0" encoding="utf-8"?>
+<p:sld xmlns:a="http://schemas.openxmlformats.org/drawingml/2006/main" xmlns:r="http://schemas.openxmlformats.org/officeDocument/2006/relationships" xmlns:p="http://schemas.openxmlformats.org/presentationml/2006/main">
+  <p:cSld>
+    <p:spTree>
+      <p:nvGrpSpPr>
+        <p:cNvPr id="1" name=""/>
+        <p:cNvGrpSpPr/>
+        <p:nvPr/>
+      </p:nvGrpSpPr>
+      <p:grpSpPr>
+        <a:xfrm>
+          <a:off x="0" y="0"/>
+          <a:ext cx="0" cy="0"/>
+          <a:chOff x="0" y="0"/>
+          <a:chExt cx="0" cy="0"/>
+        </a:xfrm>
+      </p:grpSpPr>
+      <p:sp>
+        <p:nvSpPr>
+          <p:cNvPr id="2" name="Título 1"/>
+          <p:cNvSpPr>
+            <a:spLocks noGrp="1"/>
+          </p:cNvSpPr>
+          <p:nvPr>
+            <p:ph type="title"/>
+          </p:nvPr>
+        </p:nvSpPr>
+        <p:spPr/>
+        <p:txBody>
+          <a:bodyPr/>
+          <a:lstStyle/>
+          <a:p>
+            <a:pPr algn="ctr"/>
+            <a:r>
+              <a:rPr lang="pt-BR" b="1" i="1" dirty="0" smtClean="0">
+                <a:solidFill>
+                  <a:srgbClr val="79610D"/>
+                </a:solidFill>
+                <a:latin typeface="Arial" panose="020B0604020202020204" pitchFamily="34" charset="0"/>
+              </a:rPr>
+              <a:t>Referências</a:t>
+            </a:r>
+            <a:endParaRPr lang="pt-BR" dirty="0"/>
+          </a:p>
+        </p:txBody>
+      </p:sp>
+      <p:sp>
+        <p:nvSpPr>
+          <p:cNvPr id="3" name="Espaço Reservado para Conteúdo 2"/>
+          <p:cNvSpPr>
+            <a:spLocks noGrp="1"/>
+          </p:cNvSpPr>
+          <p:nvPr>
+            <p:ph idx="1"/>
+          </p:nvPr>
+        </p:nvSpPr>
+        <p:spPr/>
+        <p:txBody>
+          <a:bodyPr/>
+          <a:lstStyle/>
+          <a:p>
+            <a:r>
+              <a:rPr lang="pt-BR" u="sng" dirty="0">
+                <a:solidFill>
+                  <a:schemeClr val="bg1"/>
+                </a:solidFill>
+                <a:hlinkClick r:id="rId2"/>
+              </a:rPr>
+              <a:t>http://penta2.ufrgs.br/Antonio/termico.html</a:t>
+            </a:r>
+            <a:endParaRPr lang="pt-BR" dirty="0">
+              <a:solidFill>
+                <a:schemeClr val="bg1"/>
+              </a:solidFill>
+            </a:endParaRPr>
+          </a:p>
+          <a:p>
+            <a:r>
+              <a:rPr lang="pt-BR" u="sng" dirty="0">
+                <a:solidFill>
+                  <a:schemeClr val="bg1"/>
+                </a:solidFill>
+                <a:hlinkClick r:id="rId3"/>
+              </a:rPr>
+              <a:t>https://pt.wikipedia.org/wiki/Crosstalk</a:t>
+            </a:r>
+            <a:endParaRPr lang="pt-BR" dirty="0">
+              <a:solidFill>
+                <a:schemeClr val="bg1"/>
+              </a:solidFill>
+            </a:endParaRPr>
+          </a:p>
+          <a:p>
+            <a:r>
+              <a:rPr lang="pt-BR" u="sng" dirty="0">
+                <a:solidFill>
+                  <a:schemeClr val="bg1"/>
+                </a:solidFill>
+                <a:hlinkClick r:id="rId4"/>
+              </a:rPr>
+              <a:t>https://pt.linkedin.com/pulse/como-minimizar-ru%C3%ADdos-por-crosstalk-nas-instala%C3%A7%C3%B5es-redes-cassiolato</a:t>
+            </a:r>
+            <a:endParaRPr lang="pt-BR" dirty="0">
+              <a:solidFill>
+                <a:schemeClr val="bg1"/>
+              </a:solidFill>
+            </a:endParaRPr>
+          </a:p>
+          <a:p>
+            <a:pPr marL="0" indent="0">
+              <a:buNone/>
+            </a:pPr>
+            <a:endParaRPr lang="pt-BR" dirty="0"/>
+          </a:p>
+        </p:txBody>
+      </p:sp>
+    </p:spTree>
+    <p:extLst>
+      <p:ext uri="{BB962C8B-B14F-4D97-AF65-F5344CB8AC3E}">
+        <p14:creationId xmlns:p14="http://schemas.microsoft.com/office/powerpoint/2010/main" val="2269853733"/>
+      </p:ext>
+    </p:extLst>
+  </p:cSld>
+  <p:clrMapOvr>
+    <a:masterClrMapping/>
+  </p:clrMapOvr>
+  <p:timing>
+    <p:tnLst>
+      <p:par>
+        <p:cTn id="1" dur="indefinite" restart="never" nodeType="tmRoot"/>
+      </p:par>
+    </p:tnLst>
+  </p:timing>
+</p:sld>
+</file>
+
+<file path=ppt/slides/slide2.xml><?xml version="1.0" encoding="utf-8"?>
+<p:sld xmlns:a="http://schemas.openxmlformats.org/drawingml/2006/main" xmlns:r="http://schemas.openxmlformats.org/officeDocument/2006/relationships" xmlns:p="http://schemas.openxmlformats.org/presentationml/2006/main">
+  <p:cSld>
+    <p:spTree>
+      <p:nvGrpSpPr>
+        <p:cNvPr id="1" name=""/>
+        <p:cNvGrpSpPr/>
+        <p:nvPr/>
+      </p:nvGrpSpPr>
+      <p:grpSpPr>
+        <a:xfrm>
+          <a:off x="0" y="0"/>
+          <a:ext cx="0" cy="0"/>
+          <a:chOff x="0" y="0"/>
+          <a:chExt cx="0" cy="0"/>
+        </a:xfrm>
+      </p:grpSpPr>
+      <p:sp>
+        <p:nvSpPr>
+          <p:cNvPr id="2" name="Título 1"/>
+          <p:cNvSpPr>
+            <a:spLocks noGrp="1"/>
+          </p:cNvSpPr>
+          <p:nvPr>
+            <p:ph type="title"/>
+          </p:nvPr>
+        </p:nvSpPr>
+        <p:spPr/>
+        <p:txBody>
+          <a:bodyPr>
+            <a:normAutofit/>
+          </a:bodyPr>
+          <a:lstStyle/>
+          <a:p>
+            <a:pPr algn="ctr"/>
+            <a:r>
+              <a:rPr kumimoji="0" lang="pt-BR" altLang="pt-BR" sz="3600" b="1" i="1" u="none" strike="noStrike" cap="none" normalizeH="0" baseline="0" dirty="0" smtClean="0">
+                <a:ln>
+                  <a:noFill/>
+                </a:ln>
+                <a:solidFill>
+                  <a:srgbClr val="79610D"/>
+                </a:solidFill>
+                <a:effectLst/>
+                <a:latin typeface="Arial" panose="020B0604020202020204" pitchFamily="34" charset="0"/>
+                <a:ea typeface="Times New Roman" panose="02020603050405020304" pitchFamily="18" charset="0"/>
+                <a:cs typeface="Comic Sans MS" panose="030F0702030302020204" pitchFamily="66" charset="0"/>
+              </a:rPr>
+              <a:t>O que é um ruído nas Redes de Computadores</a:t>
+            </a:r>
+            <a:endParaRPr lang="pt-BR" sz="3600" dirty="0"/>
+          </a:p>
+        </p:txBody>
+      </p:sp>
+      <p:sp>
+        <p:nvSpPr>
+          <p:cNvPr id="3" name="Espaço Reservado para Conteúdo 2"/>
+          <p:cNvSpPr>
+            <a:spLocks noGrp="1"/>
+          </p:cNvSpPr>
+          <p:nvPr>
+            <p:ph idx="1"/>
+          </p:nvPr>
+        </p:nvSpPr>
+        <p:spPr/>
+        <p:txBody>
+          <a:bodyPr/>
+          <a:lstStyle/>
+          <a:p>
+            <a:pPr marL="0" lvl="0" indent="0" eaLnBrk="0" fontAlgn="base" hangingPunct="0">
+              <a:lnSpc>
+                <a:spcPct val="100000"/>
+              </a:lnSpc>
+              <a:spcBef>
+                <a:spcPct val="0"/>
+              </a:spcBef>
+              <a:spcAft>
+                <a:spcPct val="0"/>
+              </a:spcAft>
+              <a:buNone/>
+            </a:pPr>
+            <a:r>
+              <a:rPr kumimoji="0" lang="pt-BR" altLang="pt-BR" b="0" i="0" u="none" strike="noStrike" cap="none" normalizeH="0" baseline="0" dirty="0" smtClean="0">
+                <a:ln>
+                  <a:noFill/>
+                </a:ln>
+                <a:solidFill>
+                  <a:srgbClr val="FFFFFF"/>
+                </a:solidFill>
+                <a:effectLst/>
+                <a:latin typeface="Arial" panose="020B0604020202020204" pitchFamily="34" charset="0"/>
+                <a:ea typeface="Times New Roman" panose="02020603050405020304" pitchFamily="18" charset="0"/>
+                <a:cs typeface="Comic Sans MS" panose="030F0702030302020204" pitchFamily="66" charset="0"/>
+              </a:rPr>
+              <a:t>Todos os sinais elétricos ao propagarem-se por um meio de transmissão  podem sofrer alguns tipos de perturbações ou degradações ,a isso dá-se o nome de ruído. Os ruídos gerados pelas falhas no sistemas </a:t>
+            </a:r>
+          </a:p>
+          <a:p>
+            <a:pPr marL="0" lvl="0" indent="0" eaLnBrk="0" fontAlgn="base" hangingPunct="0">
+              <a:lnSpc>
+                <a:spcPct val="100000"/>
+              </a:lnSpc>
+              <a:spcBef>
+                <a:spcPct val="0"/>
+              </a:spcBef>
+              <a:spcAft>
+                <a:spcPct val="0"/>
+              </a:spcAft>
+              <a:buNone/>
+            </a:pPr>
+            <a:r>
+              <a:rPr kumimoji="0" lang="pt-BR" altLang="pt-BR" b="0" i="0" u="none" strike="noStrike" cap="none" normalizeH="0" baseline="0" dirty="0" smtClean="0">
+                <a:ln>
+                  <a:noFill/>
+                </a:ln>
+                <a:solidFill>
+                  <a:srgbClr val="FFFFFF"/>
+                </a:solidFill>
+                <a:effectLst/>
+                <a:latin typeface="Arial" panose="020B0604020202020204" pitchFamily="34" charset="0"/>
+                <a:ea typeface="Times New Roman" panose="02020603050405020304" pitchFamily="18" charset="0"/>
+                <a:cs typeface="Comic Sans MS" panose="030F0702030302020204" pitchFamily="66" charset="0"/>
+              </a:rPr>
+              <a:t>de energia elétrica são os que causam maiores defeitos em redes de computadores , o que pode resultar de defeitos de </a:t>
+            </a:r>
+            <a:r>
+              <a:rPr kumimoji="0" lang="pt-BR" altLang="pt-BR" b="1" i="1" u="sng" strike="noStrike" cap="none" normalizeH="0" baseline="0" dirty="0" smtClean="0">
+                <a:ln>
+                  <a:noFill/>
+                </a:ln>
+                <a:solidFill>
+                  <a:schemeClr val="bg1"/>
+                </a:solidFill>
+                <a:effectLst/>
+                <a:latin typeface="Arial" panose="020B0604020202020204" pitchFamily="34" charset="0"/>
+                <a:ea typeface="Times New Roman" panose="02020603050405020304" pitchFamily="18" charset="0"/>
+                <a:cs typeface="Comic Sans MS" panose="030F0702030302020204" pitchFamily="66" charset="0"/>
+              </a:rPr>
+              <a:t>hardware</a:t>
+            </a:r>
+            <a:r>
+              <a:rPr kumimoji="0" lang="pt-BR" altLang="pt-BR" b="1" i="1" u="none" strike="noStrike" cap="none" normalizeH="0" baseline="0" dirty="0" smtClean="0">
+                <a:ln>
+                  <a:noFill/>
+                </a:ln>
+                <a:solidFill>
+                  <a:srgbClr val="000000"/>
+                </a:solidFill>
+                <a:effectLst/>
+                <a:latin typeface="Arial" panose="020B0604020202020204" pitchFamily="34" charset="0"/>
+                <a:ea typeface="Times New Roman" panose="02020603050405020304" pitchFamily="18" charset="0"/>
+                <a:cs typeface="Comic Sans MS" panose="030F0702030302020204" pitchFamily="66" charset="0"/>
+              </a:rPr>
+              <a:t> </a:t>
+            </a:r>
+            <a:r>
+              <a:rPr kumimoji="0" lang="pt-BR" altLang="pt-BR" b="0" i="0" u="none" strike="noStrike" cap="none" normalizeH="0" baseline="0" dirty="0" smtClean="0">
+                <a:ln>
+                  <a:noFill/>
+                </a:ln>
+                <a:solidFill>
+                  <a:srgbClr val="FFFFFF"/>
+                </a:solidFill>
+                <a:effectLst/>
+                <a:latin typeface="Arial" panose="020B0604020202020204" pitchFamily="34" charset="0"/>
+                <a:ea typeface="Times New Roman" panose="02020603050405020304" pitchFamily="18" charset="0"/>
+                <a:cs typeface="Comic Sans MS" panose="030F0702030302020204" pitchFamily="66" charset="0"/>
+              </a:rPr>
+              <a:t>e mesmo perda de dados e erros em programas que podem ser executados </a:t>
+            </a:r>
+            <a:r>
+              <a:rPr kumimoji="0" lang="pt-BR" altLang="pt-BR" b="1" i="1" u="sng" strike="noStrike" cap="none" normalizeH="0" baseline="0" dirty="0" smtClean="0">
+                <a:ln>
+                  <a:noFill/>
+                </a:ln>
+                <a:solidFill>
+                  <a:schemeClr val="bg1"/>
+                </a:solidFill>
+                <a:effectLst/>
+                <a:latin typeface="Arial" panose="020B0604020202020204" pitchFamily="34" charset="0"/>
+                <a:ea typeface="Times New Roman" panose="02020603050405020304" pitchFamily="18" charset="0"/>
+                <a:cs typeface="Comic Sans MS" panose="030F0702030302020204" pitchFamily="66" charset="0"/>
+              </a:rPr>
+              <a:t>software</a:t>
+            </a:r>
+            <a:r>
+              <a:rPr kumimoji="0" lang="pt-BR" altLang="pt-BR" sz="700" b="0" i="0" u="none" strike="noStrike" cap="none" normalizeH="0" baseline="0" dirty="0" smtClean="0">
+                <a:ln>
+                  <a:noFill/>
+                </a:ln>
+                <a:solidFill>
+                  <a:schemeClr val="bg1"/>
+                </a:solidFill>
+                <a:effectLst/>
+                <a:latin typeface="Arial" panose="020B0604020202020204" pitchFamily="34" charset="0"/>
+              </a:rPr>
+              <a:t> </a:t>
+            </a:r>
+            <a:endParaRPr kumimoji="0" lang="pt-BR" altLang="pt-BR" b="0" i="0" u="none" strike="noStrike" cap="none" normalizeH="0" baseline="0" dirty="0" smtClean="0">
+              <a:ln>
+                <a:noFill/>
+              </a:ln>
+              <a:solidFill>
+                <a:schemeClr val="bg1"/>
+              </a:solidFill>
+              <a:effectLst/>
+              <a:latin typeface="Arial" panose="020B0604020202020204" pitchFamily="34" charset="0"/>
+            </a:endParaRPr>
+          </a:p>
+          <a:p>
+            <a:endParaRPr lang="pt-BR" dirty="0"/>
+          </a:p>
+        </p:txBody>
+      </p:sp>
+    </p:spTree>
+    <p:extLst>
+      <p:ext uri="{BB962C8B-B14F-4D97-AF65-F5344CB8AC3E}">
+        <p14:creationId xmlns:p14="http://schemas.microsoft.com/office/powerpoint/2010/main" val="2443728980"/>
+      </p:ext>
+    </p:extLst>
+  </p:cSld>
+  <p:clrMapOvr>
+    <a:masterClrMapping/>
+  </p:clrMapOvr>
+  <p:timing>
+    <p:tnLst>
+      <p:par>
+        <p:cTn id="1" dur="indefinite" restart="never" nodeType="tmRoot"/>
+      </p:par>
+    </p:tnLst>
+  </p:timing>
+</p:sld>
+</file>
+
+<file path=ppt/slides/slide3.xml><?xml version="1.0" encoding="utf-8"?>
+<p:sld xmlns:a="http://schemas.openxmlformats.org/drawingml/2006/main" xmlns:r="http://schemas.openxmlformats.org/officeDocument/2006/relationships" xmlns:p="http://schemas.openxmlformats.org/presentationml/2006/main">
+  <p:cSld>
+    <p:spTree>
+      <p:nvGrpSpPr>
+        <p:cNvPr id="1" name=""/>
+        <p:cNvGrpSpPr/>
+        <p:nvPr/>
+      </p:nvGrpSpPr>
+      <p:grpSpPr>
+        <a:xfrm>
+          <a:off x="0" y="0"/>
+          <a:ext cx="0" cy="0"/>
+          <a:chOff x="0" y="0"/>
+          <a:chExt cx="0" cy="0"/>
+        </a:xfrm>
+      </p:grpSpPr>
+      <p:sp>
+        <p:nvSpPr>
+          <p:cNvPr id="2" name="Título 1"/>
+          <p:cNvSpPr>
+            <a:spLocks noGrp="1"/>
+          </p:cNvSpPr>
+          <p:nvPr>
+            <p:ph type="title"/>
+          </p:nvPr>
+        </p:nvSpPr>
+        <p:spPr/>
+        <p:txBody>
+          <a:bodyPr/>
+          <a:lstStyle/>
+          <a:p>
+            <a:pPr lvl="0" algn="ctr"/>
+            <a:r>
+              <a:rPr kumimoji="0" lang="pt-BR" altLang="pt-BR" b="1" i="1" u="none" strike="noStrike" cap="none" normalizeH="0" baseline="0" dirty="0" smtClean="0">
+                <a:ln>
+                  <a:noFill/>
+                </a:ln>
+                <a:solidFill>
+                  <a:srgbClr val="79610D"/>
+                </a:solidFill>
+                <a:effectLst/>
+                <a:latin typeface="Arial" panose="020B0604020202020204" pitchFamily="34" charset="0"/>
+                <a:ea typeface="Times New Roman" panose="02020603050405020304" pitchFamily="18" charset="0"/>
+                <a:cs typeface="Comic Sans MS" panose="030F0702030302020204" pitchFamily="66" charset="0"/>
+              </a:rPr>
+              <a:t>Formas de Ruído</a:t>
+            </a:r>
+            <a:r>
+              <a:rPr kumimoji="0" lang="pt-BR" altLang="pt-BR" sz="700" b="1" i="1" u="none" strike="noStrike" cap="none" normalizeH="0" baseline="0" dirty="0" smtClean="0">
+                <a:ln>
+                  <a:noFill/>
+                </a:ln>
+                <a:solidFill>
+                  <a:schemeClr val="tx1"/>
+                </a:solidFill>
+                <a:effectLst/>
+                <a:latin typeface="Arial" panose="020B0604020202020204" pitchFamily="34" charset="0"/>
+              </a:rPr>
+              <a:t/>
+            </a:r>
+            <a:br>
+              <a:rPr kumimoji="0" lang="pt-BR" altLang="pt-BR" sz="700" b="1" i="1" u="none" strike="noStrike" cap="none" normalizeH="0" baseline="0" dirty="0" smtClean="0">
+                <a:ln>
+                  <a:noFill/>
+                </a:ln>
+                <a:solidFill>
+                  <a:schemeClr val="tx1"/>
+                </a:solidFill>
+                <a:effectLst/>
+                <a:latin typeface="Arial" panose="020B0604020202020204" pitchFamily="34" charset="0"/>
+              </a:rPr>
+            </a:br>
+            <a:endParaRPr lang="pt-BR" b="1" i="1" dirty="0"/>
+          </a:p>
+        </p:txBody>
+      </p:sp>
+      <p:sp>
+        <p:nvSpPr>
+          <p:cNvPr id="3" name="Espaço Reservado para Conteúdo 2"/>
+          <p:cNvSpPr>
+            <a:spLocks noGrp="1"/>
+          </p:cNvSpPr>
+          <p:nvPr>
+            <p:ph idx="1"/>
+          </p:nvPr>
+        </p:nvSpPr>
+        <p:spPr>
+          <a:xfrm>
+            <a:off x="838200" y="1924099"/>
+            <a:ext cx="10515600" cy="4351338"/>
+          </a:xfrm>
+        </p:spPr>
+        <p:txBody>
+          <a:bodyPr/>
+          <a:lstStyle/>
+          <a:p>
+            <a:pPr marL="0" lvl="0" indent="0" eaLnBrk="0" fontAlgn="base" hangingPunct="0">
+              <a:lnSpc>
+                <a:spcPct val="100000"/>
+              </a:lnSpc>
+              <a:spcBef>
+                <a:spcPct val="0"/>
+              </a:spcBef>
+              <a:spcAft>
+                <a:spcPct val="0"/>
+              </a:spcAft>
+              <a:buNone/>
+              <a:tabLst>
+                <a:tab pos="2943225" algn="l"/>
+              </a:tabLst>
+            </a:pPr>
+            <a:r>
+              <a:rPr kumimoji="0" lang="pt-BR" altLang="pt-BR" b="0" i="0" u="none" strike="noStrike" cap="none" normalizeH="0" baseline="0" dirty="0" smtClean="0">
+                <a:ln>
+                  <a:noFill/>
+                </a:ln>
+                <a:solidFill>
+                  <a:schemeClr val="bg1"/>
+                </a:solidFill>
+                <a:effectLst/>
+                <a:latin typeface="Arial" panose="020B0604020202020204" pitchFamily="34" charset="0"/>
+                <a:ea typeface="Times New Roman" panose="02020603050405020304" pitchFamily="18" charset="0"/>
+                <a:cs typeface="Comic Sans MS" panose="030F0702030302020204" pitchFamily="66" charset="0"/>
+              </a:rPr>
+              <a:t>Existem três formatos básicos de ruídos que afetam as redes de comunicação:</a:t>
+            </a:r>
+            <a:endParaRPr kumimoji="0" lang="pt-BR" altLang="pt-BR" sz="3600" b="0" i="0" u="none" strike="noStrike" cap="none" normalizeH="0" baseline="0" dirty="0" smtClean="0">
+              <a:ln>
+                <a:noFill/>
+              </a:ln>
+              <a:solidFill>
+                <a:schemeClr val="bg1"/>
+              </a:solidFill>
+              <a:effectLst/>
+              <a:latin typeface="Arial" panose="020B0604020202020204" pitchFamily="34" charset="0"/>
+              <a:cs typeface="Comic Sans MS" panose="030F0702030302020204" pitchFamily="66" charset="0"/>
+            </a:endParaRPr>
+          </a:p>
+          <a:p>
+            <a:pPr marL="0" lvl="0" indent="0" eaLnBrk="0" fontAlgn="base" hangingPunct="0">
+              <a:lnSpc>
+                <a:spcPct val="100000"/>
+              </a:lnSpc>
+              <a:spcBef>
+                <a:spcPct val="0"/>
+              </a:spcBef>
+              <a:spcAft>
+                <a:spcPct val="0"/>
+              </a:spcAft>
+              <a:buFontTx/>
+              <a:buChar char="•"/>
+              <a:tabLst>
+                <a:tab pos="2943225" algn="l"/>
+              </a:tabLst>
+            </a:pPr>
+            <a:endParaRPr kumimoji="0" lang="pt-BR" altLang="pt-BR" sz="3600" b="0" i="0" u="none" strike="noStrike" cap="none" normalizeH="0" baseline="0" dirty="0" smtClean="0">
+              <a:ln>
+                <a:noFill/>
+              </a:ln>
+              <a:solidFill>
+                <a:schemeClr val="bg1"/>
+              </a:solidFill>
+              <a:effectLst/>
+              <a:latin typeface="Arial" panose="020B0604020202020204" pitchFamily="34" charset="0"/>
+              <a:ea typeface="Times New Roman" panose="02020603050405020304" pitchFamily="18" charset="0"/>
+              <a:cs typeface="Comic Sans MS" panose="030F0702030302020204" pitchFamily="66" charset="0"/>
+            </a:endParaRPr>
+          </a:p>
+          <a:p>
+            <a:pPr marL="0" lvl="0" indent="0" eaLnBrk="0" fontAlgn="base" hangingPunct="0">
+              <a:lnSpc>
+                <a:spcPct val="100000"/>
+              </a:lnSpc>
+              <a:spcBef>
+                <a:spcPct val="0"/>
+              </a:spcBef>
+              <a:spcAft>
+                <a:spcPct val="0"/>
+              </a:spcAft>
+              <a:buFontTx/>
+              <a:buChar char="•"/>
+              <a:tabLst>
+                <a:tab pos="2943225" algn="l"/>
+              </a:tabLst>
+            </a:pPr>
+            <a:r>
+              <a:rPr kumimoji="0" lang="pt-BR" altLang="pt-BR" sz="3600" b="0" i="0" u="none" strike="noStrike" cap="none" normalizeH="0" baseline="0" dirty="0" smtClean="0">
+                <a:ln>
+                  <a:noFill/>
+                </a:ln>
+                <a:solidFill>
+                  <a:schemeClr val="bg1"/>
+                </a:solidFill>
+                <a:effectLst/>
+                <a:latin typeface="Arial" panose="020B0604020202020204" pitchFamily="34" charset="0"/>
+                <a:ea typeface="Times New Roman" panose="02020603050405020304" pitchFamily="18" charset="0"/>
+                <a:cs typeface="Comic Sans MS" panose="030F0702030302020204" pitchFamily="66" charset="0"/>
+              </a:rPr>
+              <a:t>Ruído Impulsivo;</a:t>
+            </a:r>
+            <a:endParaRPr kumimoji="0" lang="pt-BR" altLang="pt-BR" sz="800" b="0" i="0" u="none" strike="noStrike" cap="none" normalizeH="0" baseline="0" dirty="0" smtClean="0">
+              <a:ln>
+                <a:noFill/>
+              </a:ln>
+              <a:solidFill>
+                <a:schemeClr val="bg1"/>
+              </a:solidFill>
+              <a:effectLst/>
+              <a:latin typeface="Arial" panose="020B0604020202020204" pitchFamily="34" charset="0"/>
+            </a:endParaRPr>
+          </a:p>
+          <a:p>
+            <a:pPr marL="0" lvl="0" indent="0" eaLnBrk="0" fontAlgn="base" hangingPunct="0">
+              <a:lnSpc>
+                <a:spcPct val="100000"/>
+              </a:lnSpc>
+              <a:spcBef>
+                <a:spcPct val="0"/>
+              </a:spcBef>
+              <a:spcAft>
+                <a:spcPct val="0"/>
+              </a:spcAft>
+              <a:buFontTx/>
+              <a:buChar char="•"/>
+              <a:tabLst>
+                <a:tab pos="2943225" algn="l"/>
+              </a:tabLst>
+            </a:pPr>
+            <a:r>
+              <a:rPr kumimoji="0" lang="pt-BR" altLang="pt-BR" sz="3600" b="0" i="0" u="none" strike="noStrike" cap="none" normalizeH="0" baseline="0" dirty="0" smtClean="0">
+                <a:ln>
+                  <a:noFill/>
+                </a:ln>
+                <a:solidFill>
+                  <a:schemeClr val="bg1"/>
+                </a:solidFill>
+                <a:effectLst/>
+                <a:latin typeface="Arial" panose="020B0604020202020204" pitchFamily="34" charset="0"/>
+                <a:ea typeface="Times New Roman" panose="02020603050405020304" pitchFamily="18" charset="0"/>
+                <a:cs typeface="Comic Sans MS" panose="030F0702030302020204" pitchFamily="66" charset="0"/>
+              </a:rPr>
+              <a:t>Ruído Térmico;</a:t>
+            </a:r>
+            <a:endParaRPr kumimoji="0" lang="pt-BR" altLang="pt-BR" sz="4800" b="0" i="0" u="none" strike="noStrike" cap="none" normalizeH="0" baseline="0" dirty="0" smtClean="0">
+              <a:ln>
+                <a:noFill/>
+              </a:ln>
+              <a:solidFill>
+                <a:schemeClr val="bg1"/>
+              </a:solidFill>
+              <a:effectLst/>
+              <a:latin typeface="Arial" panose="020B0604020202020204" pitchFamily="34" charset="0"/>
+              <a:ea typeface="Times New Roman" panose="02020603050405020304" pitchFamily="18" charset="0"/>
+              <a:cs typeface="Comic Sans MS" panose="030F0702030302020204" pitchFamily="66" charset="0"/>
+            </a:endParaRPr>
+          </a:p>
+          <a:p>
+            <a:pPr marL="0" lvl="0" indent="0" eaLnBrk="0" fontAlgn="base" hangingPunct="0">
+              <a:lnSpc>
+                <a:spcPct val="100000"/>
+              </a:lnSpc>
+              <a:spcBef>
+                <a:spcPct val="0"/>
+              </a:spcBef>
+              <a:spcAft>
+                <a:spcPct val="0"/>
+              </a:spcAft>
+              <a:buFontTx/>
+              <a:buChar char="•"/>
+              <a:tabLst>
+                <a:tab pos="2943225" algn="l"/>
+              </a:tabLst>
+            </a:pPr>
+            <a:r>
+              <a:rPr kumimoji="0" lang="pt-BR" altLang="pt-BR" sz="3600" b="0" i="0" u="none" strike="noStrike" cap="none" normalizeH="0" baseline="0" dirty="0" smtClean="0">
+                <a:ln>
+                  <a:noFill/>
+                </a:ln>
+                <a:solidFill>
+                  <a:schemeClr val="bg1"/>
+                </a:solidFill>
+                <a:effectLst/>
+                <a:latin typeface="Arial" panose="020B0604020202020204" pitchFamily="34" charset="0"/>
+              </a:rPr>
+              <a:t>Ruído</a:t>
+            </a:r>
+            <a:r>
+              <a:rPr kumimoji="0" lang="pt-BR" altLang="pt-BR" sz="3600" b="0" i="0" u="none" strike="noStrike" cap="none" normalizeH="0" dirty="0" smtClean="0">
+                <a:ln>
+                  <a:noFill/>
+                </a:ln>
+                <a:solidFill>
+                  <a:schemeClr val="bg1"/>
+                </a:solidFill>
+                <a:effectLst/>
+                <a:latin typeface="Arial" panose="020B0604020202020204" pitchFamily="34" charset="0"/>
+              </a:rPr>
+              <a:t> </a:t>
+            </a:r>
+            <a:r>
+              <a:rPr kumimoji="0" lang="pt-BR" altLang="pt-BR" sz="3600" b="0" i="0" u="none" strike="noStrike" cap="none" normalizeH="0" dirty="0" err="1" smtClean="0">
+                <a:ln>
+                  <a:noFill/>
+                </a:ln>
+                <a:solidFill>
+                  <a:schemeClr val="bg1"/>
+                </a:solidFill>
+                <a:effectLst/>
+                <a:latin typeface="Arial" panose="020B0604020202020204" pitchFamily="34" charset="0"/>
+              </a:rPr>
+              <a:t>Crosstalk</a:t>
+            </a:r>
+            <a:r>
+              <a:rPr kumimoji="0" lang="pt-BR" altLang="pt-BR" sz="3600" b="0" i="0" u="none" strike="noStrike" cap="none" normalizeH="0" dirty="0" smtClean="0">
+                <a:ln>
+                  <a:noFill/>
+                </a:ln>
+                <a:solidFill>
+                  <a:schemeClr val="bg1"/>
+                </a:solidFill>
+                <a:effectLst/>
+                <a:latin typeface="Arial" panose="020B0604020202020204" pitchFamily="34" charset="0"/>
+              </a:rPr>
+              <a:t>.</a:t>
+            </a:r>
+            <a:endParaRPr kumimoji="0" lang="pt-BR" altLang="pt-BR" sz="2400" b="0" i="0" u="none" strike="noStrike" cap="none" normalizeH="0" baseline="0" dirty="0" smtClean="0">
+              <a:ln>
+                <a:noFill/>
+              </a:ln>
+              <a:solidFill>
+                <a:schemeClr val="bg1"/>
+              </a:solidFill>
+              <a:effectLst/>
+              <a:latin typeface="Arial" panose="020B0604020202020204" pitchFamily="34" charset="0"/>
+            </a:endParaRPr>
+          </a:p>
+          <a:p>
+            <a:endParaRPr lang="pt-BR" dirty="0"/>
+          </a:p>
+        </p:txBody>
+      </p:sp>
+    </p:spTree>
+    <p:extLst>
+      <p:ext uri="{BB962C8B-B14F-4D97-AF65-F5344CB8AC3E}">
+        <p14:creationId xmlns:p14="http://schemas.microsoft.com/office/powerpoint/2010/main" val="3133153733"/>
+      </p:ext>
+    </p:extLst>
+  </p:cSld>
+  <p:clrMapOvr>
+    <a:masterClrMapping/>
+  </p:clrMapOvr>
+  <p:timing>
+    <p:tnLst>
+      <p:par>
+        <p:cTn id="1" dur="indefinite" restart="never" nodeType="tmRoot"/>
+      </p:par>
+    </p:tnLst>
+  </p:timing>
+</p:sld>
+</file>
+
+<file path=ppt/slides/slide4.xml><?xml version="1.0" encoding="utf-8"?>
+<p:sld xmlns:a="http://schemas.openxmlformats.org/drawingml/2006/main" xmlns:r="http://schemas.openxmlformats.org/officeDocument/2006/relationships" xmlns:p="http://schemas.openxmlformats.org/presentationml/2006/main">
+  <p:cSld>
+    <p:spTree>
+      <p:nvGrpSpPr>
+        <p:cNvPr id="1" name=""/>
+        <p:cNvGrpSpPr/>
+        <p:nvPr/>
+      </p:nvGrpSpPr>
+      <p:grpSpPr>
+        <a:xfrm>
+          <a:off x="0" y="0"/>
+          <a:ext cx="0" cy="0"/>
+          <a:chOff x="0" y="0"/>
+          <a:chExt cx="0" cy="0"/>
+        </a:xfrm>
+      </p:grpSpPr>
+      <p:sp>
+        <p:nvSpPr>
+          <p:cNvPr id="3" name="Espaço Reservado para Conteúdo 2"/>
+          <p:cNvSpPr>
+            <a:spLocks noGrp="1"/>
+          </p:cNvSpPr>
+          <p:nvPr>
+            <p:ph idx="1"/>
+          </p:nvPr>
+        </p:nvSpPr>
+        <p:spPr/>
+        <p:txBody>
+          <a:bodyPr/>
+          <a:lstStyle/>
+          <a:p>
+            <a:endParaRPr lang="pt-BR" dirty="0"/>
+          </a:p>
+        </p:txBody>
+      </p:sp>
+      <p:sp>
+        <p:nvSpPr>
+          <p:cNvPr id="6" name="Título 5"/>
+          <p:cNvSpPr>
+            <a:spLocks noGrp="1"/>
+          </p:cNvSpPr>
+          <p:nvPr>
+            <p:ph type="title"/>
+          </p:nvPr>
+        </p:nvSpPr>
+        <p:spPr/>
+        <p:txBody>
+          <a:bodyPr/>
+          <a:lstStyle/>
+          <a:p>
+            <a:endParaRPr lang="pt-BR"/>
+          </a:p>
+        </p:txBody>
+      </p:sp>
+      <p:sp>
+        <p:nvSpPr>
+          <p:cNvPr id="7" name="Título 1"/>
+          <p:cNvSpPr txBox="1">
+            <a:spLocks/>
+          </p:cNvSpPr>
+          <p:nvPr/>
+        </p:nvSpPr>
+        <p:spPr>
+          <a:xfrm>
+            <a:off x="990600" y="517525"/>
+            <a:ext cx="10515600" cy="1325563"/>
+          </a:xfrm>
+          <a:prstGeom prst="rect">
+            <a:avLst/>
+          </a:prstGeom>
+        </p:spPr>
+        <p:txBody>
+          <a:bodyPr vert="horz" lIns="91440" tIns="45720" rIns="91440" bIns="45720" rtlCol="0" anchor="ctr">
+            <a:normAutofit/>
+          </a:bodyPr>
+          <a:lstStyle>
+            <a:lvl1pPr algn="l" defTabSz="914400" rtl="0" eaLnBrk="1" latinLnBrk="0" hangingPunct="1">
+              <a:lnSpc>
+                <a:spcPct val="90000"/>
+              </a:lnSpc>
+              <a:spcBef>
+                <a:spcPct val="0"/>
+              </a:spcBef>
+              <a:buNone/>
+              <a:defRPr sz="4400" kern="1200">
+                <a:solidFill>
+                  <a:schemeClr val="tx1"/>
+                </a:solidFill>
+                <a:latin typeface="+mj-lt"/>
+                <a:ea typeface="+mj-ea"/>
+                <a:cs typeface="+mj-cs"/>
+              </a:defRPr>
+            </a:lvl1pPr>
+          </a:lstStyle>
+          <a:p>
+            <a:pPr algn="ctr"/>
+            <a:r>
+              <a:rPr lang="pt-BR" altLang="pt-BR" b="1" i="1" dirty="0" smtClean="0">
+                <a:solidFill>
+                  <a:srgbClr val="79610D"/>
+                </a:solidFill>
+                <a:latin typeface="Arial" panose="020B0604020202020204" pitchFamily="34" charset="0"/>
+                <a:ea typeface="Times New Roman" panose="02020603050405020304" pitchFamily="18" charset="0"/>
+                <a:cs typeface="Comic Sans MS" panose="030F0702030302020204" pitchFamily="66" charset="0"/>
+              </a:rPr>
+              <a:t>Ruído Impulsivo</a:t>
+            </a:r>
+            <a:endParaRPr lang="pt-BR" dirty="0"/>
+          </a:p>
+        </p:txBody>
+      </p:sp>
+    </p:spTree>
+    <p:extLst>
+      <p:ext uri="{BB962C8B-B14F-4D97-AF65-F5344CB8AC3E}">
+        <p14:creationId xmlns:p14="http://schemas.microsoft.com/office/powerpoint/2010/main" val="3265108198"/>
+      </p:ext>
+    </p:extLst>
+  </p:cSld>
+  <p:clrMapOvr>
+    <a:masterClrMapping/>
+  </p:clrMapOvr>
+  <p:timing>
+    <p:tnLst>
+      <p:par>
+        <p:cTn id="1" dur="indefinite" restart="never" nodeType="tmRoot"/>
+      </p:par>
+    </p:tnLst>
+  </p:timing>
+</p:sld>
+</file>
+
+<file path=ppt/slides/slide5.xml><?xml version="1.0" encoding="utf-8"?>
+<p:sld xmlns:a="http://schemas.openxmlformats.org/drawingml/2006/main" xmlns:r="http://schemas.openxmlformats.org/officeDocument/2006/relationships" xmlns:p="http://schemas.openxmlformats.org/presentationml/2006/main">
+  <p:cSld>
+    <p:spTree>
+      <p:nvGrpSpPr>
+        <p:cNvPr id="1" name=""/>
+        <p:cNvGrpSpPr/>
+        <p:nvPr/>
+      </p:nvGrpSpPr>
+      <p:grpSpPr>
+        <a:xfrm>
+          <a:off x="0" y="0"/>
+          <a:ext cx="0" cy="0"/>
+          <a:chOff x="0" y="0"/>
+          <a:chExt cx="0" cy="0"/>
+        </a:xfrm>
+      </p:grpSpPr>
+      <p:sp>
+        <p:nvSpPr>
+          <p:cNvPr id="2" name="Título 1"/>
+          <p:cNvSpPr>
+            <a:spLocks noGrp="1"/>
+          </p:cNvSpPr>
+          <p:nvPr>
+            <p:ph type="title"/>
+          </p:nvPr>
+        </p:nvSpPr>
+        <p:spPr/>
+        <p:txBody>
+          <a:bodyPr/>
+          <a:lstStyle/>
+          <a:p>
+            <a:pPr algn="ctr"/>
+            <a:r>
+              <a:rPr kumimoji="0" lang="pt-BR" altLang="pt-BR" b="1" i="1" u="none" strike="noStrike" cap="none" normalizeH="0" baseline="0" dirty="0" smtClean="0">
+                <a:ln>
+                  <a:noFill/>
+                </a:ln>
+                <a:solidFill>
+                  <a:srgbClr val="79610D"/>
+                </a:solidFill>
+                <a:effectLst/>
+                <a:latin typeface="Arial" panose="020B0604020202020204" pitchFamily="34" charset="0"/>
+                <a:ea typeface="Times New Roman" panose="02020603050405020304" pitchFamily="18" charset="0"/>
+                <a:cs typeface="Comic Sans MS" panose="030F0702030302020204" pitchFamily="66" charset="0"/>
+              </a:rPr>
+              <a:t>Ruído Térmico</a:t>
+            </a:r>
+            <a:endParaRPr lang="pt-BR" dirty="0"/>
+          </a:p>
+        </p:txBody>
+      </p:sp>
+      <p:sp>
+        <p:nvSpPr>
+          <p:cNvPr id="3" name="Espaço Reservado para Conteúdo 2"/>
+          <p:cNvSpPr>
+            <a:spLocks noGrp="1"/>
+          </p:cNvSpPr>
+          <p:nvPr>
+            <p:ph idx="1"/>
+          </p:nvPr>
+        </p:nvSpPr>
+        <p:spPr/>
+        <p:txBody>
+          <a:bodyPr/>
+          <a:lstStyle/>
+          <a:p>
+            <a:pPr marL="0" indent="0">
+              <a:buNone/>
+            </a:pPr>
+            <a:r>
+              <a:rPr lang="pt-BR" dirty="0">
+                <a:solidFill>
+                  <a:schemeClr val="bg1"/>
+                </a:solidFill>
+              </a:rPr>
+              <a:t>O ruído aleatório nos elementos passivos é denominado ruído térmico, pois está inteiramente associado a temperatura absoluta. O ruído térmico é uma espécie de ruído branco gerado pela movimentação dos elétrons livres em um meio condutor. Um dos casos mais característicos de ruído térmico é aquele gerado pelos resistores metálicos.</a:t>
+            </a:r>
+          </a:p>
+          <a:p>
+            <a:endParaRPr lang="pt-BR" dirty="0"/>
+          </a:p>
+        </p:txBody>
+      </p:sp>
+    </p:spTree>
+    <p:extLst>
+      <p:ext uri="{BB962C8B-B14F-4D97-AF65-F5344CB8AC3E}">
+        <p14:creationId xmlns:p14="http://schemas.microsoft.com/office/powerpoint/2010/main" val="1114261445"/>
+      </p:ext>
+    </p:extLst>
+  </p:cSld>
+  <p:clrMapOvr>
+    <a:masterClrMapping/>
+  </p:clrMapOvr>
+  <p:timing>
+    <p:tnLst>
+      <p:par>
+        <p:cTn id="1" dur="indefinite" restart="never" nodeType="tmRoot"/>
+      </p:par>
+    </p:tnLst>
+  </p:timing>
+</p:sld>
+</file>
+
+<file path=ppt/slides/slide6.xml><?xml version="1.0" encoding="utf-8"?>
+<p:sld xmlns:a="http://schemas.openxmlformats.org/drawingml/2006/main" xmlns:r="http://schemas.openxmlformats.org/officeDocument/2006/relationships" xmlns:p="http://schemas.openxmlformats.org/presentationml/2006/main">
+  <p:cSld>
+    <p:spTree>
+      <p:nvGrpSpPr>
+        <p:cNvPr id="1" name=""/>
+        <p:cNvGrpSpPr/>
+        <p:nvPr/>
+      </p:nvGrpSpPr>
+      <p:grpSpPr>
+        <a:xfrm>
+          <a:off x="0" y="0"/>
+          <a:ext cx="0" cy="0"/>
+          <a:chOff x="0" y="0"/>
+          <a:chExt cx="0" cy="0"/>
+        </a:xfrm>
+      </p:grpSpPr>
+      <p:sp>
+        <p:nvSpPr>
+          <p:cNvPr id="2" name="Título 1"/>
+          <p:cNvSpPr>
+            <a:spLocks noGrp="1"/>
+          </p:cNvSpPr>
+          <p:nvPr>
+            <p:ph type="title"/>
+          </p:nvPr>
+        </p:nvSpPr>
+        <p:spPr/>
+        <p:txBody>
+          <a:bodyPr/>
+          <a:lstStyle/>
+          <a:p>
+            <a:pPr algn="ctr"/>
+            <a:r>
+              <a:rPr kumimoji="0" lang="pt-BR" altLang="pt-BR" b="1" i="1" u="none" strike="noStrike" cap="none" normalizeH="0" baseline="0" dirty="0" smtClean="0">
+                <a:ln>
+                  <a:noFill/>
+                </a:ln>
+                <a:solidFill>
+                  <a:srgbClr val="79610D"/>
+                </a:solidFill>
+                <a:effectLst/>
+                <a:latin typeface="Arial" panose="020B0604020202020204" pitchFamily="34" charset="0"/>
+                <a:ea typeface="Times New Roman" panose="02020603050405020304" pitchFamily="18" charset="0"/>
+                <a:cs typeface="Comic Sans MS" panose="030F0702030302020204" pitchFamily="66" charset="0"/>
+              </a:rPr>
+              <a:t>Ruído Térmico</a:t>
+            </a:r>
+            <a:endParaRPr lang="pt-BR" dirty="0"/>
+          </a:p>
+        </p:txBody>
+      </p:sp>
+      <p:sp>
+        <p:nvSpPr>
+          <p:cNvPr id="3" name="Espaço Reservado para Conteúdo 2"/>
+          <p:cNvSpPr>
+            <a:spLocks noGrp="1"/>
+          </p:cNvSpPr>
+          <p:nvPr>
+            <p:ph idx="1"/>
+          </p:nvPr>
+        </p:nvSpPr>
+        <p:spPr/>
+        <p:txBody>
+          <a:bodyPr/>
+          <a:lstStyle/>
+          <a:p>
+            <a:pPr marL="0" indent="0">
+              <a:buNone/>
+            </a:pPr>
+            <a:r>
+              <a:rPr lang="pt-BR" dirty="0">
+                <a:solidFill>
+                  <a:schemeClr val="bg1"/>
+                </a:solidFill>
+              </a:rPr>
+              <a:t>As flutuações dos elétrons, em função da agitação térmica, apresentam movimento aleatório, gerando, assim, uma potência de ruído pequena, embora básica. Os elétrons, como um todo, não apresentam direção de deslocamento preferencial, embora, se este for observado em intervalos de tempo muito pequenos, pode-se notar uma pequena força resultante do deslocamento destes elétrons, que produz corrente elétrica </a:t>
+            </a:r>
+            <a:r>
+              <a:rPr lang="pt-BR" dirty="0" err="1">
+                <a:solidFill>
+                  <a:schemeClr val="bg1"/>
+                </a:solidFill>
+              </a:rPr>
+              <a:t>instântanea</a:t>
+            </a:r>
+            <a:r>
+              <a:rPr lang="pt-BR" dirty="0">
+                <a:solidFill>
+                  <a:schemeClr val="bg1"/>
+                </a:solidFill>
+              </a:rPr>
+              <a:t> que apesar de muito pequena, apresenta variações. O ruído térmico apresenta aspecto praticamente constante para extensa faixa espectral para frequências de até 10.000 </a:t>
+            </a:r>
+            <a:r>
+              <a:rPr lang="pt-BR" dirty="0" err="1">
+                <a:solidFill>
+                  <a:schemeClr val="bg1"/>
+                </a:solidFill>
+              </a:rPr>
+              <a:t>Ghz</a:t>
+            </a:r>
+            <a:r>
+              <a:rPr lang="pt-BR" dirty="0">
+                <a:solidFill>
+                  <a:schemeClr val="bg1"/>
+                </a:solidFill>
+              </a:rPr>
+              <a:t>.</a:t>
+            </a:r>
+          </a:p>
+          <a:p>
+            <a:pPr marL="0" indent="0">
+              <a:buNone/>
+            </a:pPr>
+            <a:endParaRPr lang="pt-BR" dirty="0"/>
+          </a:p>
+        </p:txBody>
+      </p:sp>
+    </p:spTree>
+    <p:extLst>
+      <p:ext uri="{BB962C8B-B14F-4D97-AF65-F5344CB8AC3E}">
+        <p14:creationId xmlns:p14="http://schemas.microsoft.com/office/powerpoint/2010/main" val="613519765"/>
+      </p:ext>
+    </p:extLst>
+  </p:cSld>
+  <p:clrMapOvr>
+    <a:masterClrMapping/>
+  </p:clrMapOvr>
+  <p:timing>
+    <p:tnLst>
+      <p:par>
+        <p:cTn id="1" dur="indefinite" restart="never" nodeType="tmRoot"/>
+      </p:par>
+    </p:tnLst>
+  </p:timing>
+</p:sld>
+</file>
+
+<file path=ppt/slides/slide7.xml><?xml version="1.0" encoding="utf-8"?>
+<p:sld xmlns:a="http://schemas.openxmlformats.org/drawingml/2006/main" xmlns:r="http://schemas.openxmlformats.org/officeDocument/2006/relationships" xmlns:p="http://schemas.openxmlformats.org/presentationml/2006/main">
+  <p:cSld>
+    <p:spTree>
+      <p:nvGrpSpPr>
+        <p:cNvPr id="1" name=""/>
+        <p:cNvGrpSpPr/>
+        <p:nvPr/>
+      </p:nvGrpSpPr>
+      <p:grpSpPr>
+        <a:xfrm>
+          <a:off x="0" y="0"/>
+          <a:ext cx="0" cy="0"/>
+          <a:chOff x="0" y="0"/>
+          <a:chExt cx="0" cy="0"/>
+        </a:xfrm>
+      </p:grpSpPr>
+      <p:sp>
+        <p:nvSpPr>
+          <p:cNvPr id="2" name="Título 1"/>
+          <p:cNvSpPr>
+            <a:spLocks noGrp="1"/>
+          </p:cNvSpPr>
+          <p:nvPr>
+            <p:ph type="title"/>
+          </p:nvPr>
+        </p:nvSpPr>
+        <p:spPr/>
+        <p:txBody>
+          <a:bodyPr/>
+          <a:lstStyle/>
+          <a:p>
+            <a:pPr algn="ctr"/>
+            <a:r>
+              <a:rPr kumimoji="0" lang="pt-BR" altLang="pt-BR" b="1" i="1" u="none" strike="noStrike" cap="none" normalizeH="0" baseline="0" dirty="0" smtClean="0">
+                <a:ln>
+                  <a:noFill/>
+                </a:ln>
+                <a:solidFill>
+                  <a:srgbClr val="79610D"/>
+                </a:solidFill>
+                <a:effectLst/>
+                <a:latin typeface="Arial" panose="020B0604020202020204" pitchFamily="34" charset="0"/>
+                <a:ea typeface="Times New Roman" panose="02020603050405020304" pitchFamily="18" charset="0"/>
+                <a:cs typeface="Comic Sans MS" panose="030F0702030302020204" pitchFamily="66" charset="0"/>
+              </a:rPr>
+              <a:t>Ruído Térmico</a:t>
+            </a:r>
+            <a:endParaRPr lang="pt-BR" dirty="0"/>
+          </a:p>
+        </p:txBody>
+      </p:sp>
+      <p:sp>
+        <p:nvSpPr>
+          <p:cNvPr id="3" name="Espaço Reservado para Conteúdo 2"/>
+          <p:cNvSpPr>
+            <a:spLocks noGrp="1"/>
+          </p:cNvSpPr>
+          <p:nvPr>
+            <p:ph idx="1"/>
+          </p:nvPr>
+        </p:nvSpPr>
+        <p:spPr/>
+        <p:txBody>
+          <a:bodyPr/>
+          <a:lstStyle/>
+          <a:p>
+            <a:pPr marL="0" indent="0" eaLnBrk="0" hangingPunct="0">
+              <a:lnSpc>
+                <a:spcPts val="3130"/>
+              </a:lnSpc>
+              <a:spcAft>
+                <a:spcPts val="0"/>
+              </a:spcAft>
+              <a:buNone/>
+            </a:pPr>
+            <a:r>
+              <a:rPr lang="pt-BR" dirty="0">
+                <a:solidFill>
+                  <a:srgbClr val="FFFFFF"/>
+                </a:solidFill>
+                <a:latin typeface="Constantia" panose="02030602050306030303" pitchFamily="18" charset="0"/>
+                <a:ea typeface="Times New Roman" panose="02020603050405020304" pitchFamily="18" charset="0"/>
+                <a:cs typeface="Constantia" panose="02030602050306030303" pitchFamily="18" charset="0"/>
+              </a:rPr>
+              <a:t>É um ruído gerado pela agitação térmica de cargas </a:t>
+            </a:r>
+            <a:r>
+              <a:rPr lang="pt-BR" dirty="0" smtClean="0">
+                <a:solidFill>
+                  <a:srgbClr val="FFFFFF"/>
+                </a:solidFill>
+                <a:latin typeface="Constantia" panose="02030602050306030303" pitchFamily="18" charset="0"/>
+                <a:ea typeface="Times New Roman" panose="02020603050405020304" pitchFamily="18" charset="0"/>
+                <a:cs typeface="Constantia" panose="02030602050306030303" pitchFamily="18" charset="0"/>
+              </a:rPr>
+              <a:t>no</a:t>
+            </a:r>
+            <a:r>
+              <a:rPr lang="pt-BR" dirty="0" smtClean="0">
+                <a:latin typeface="Comic Sans MS" panose="030F0702030302020204" pitchFamily="66" charset="0"/>
+                <a:ea typeface="Times New Roman" panose="02020603050405020304" pitchFamily="18" charset="0"/>
+                <a:cs typeface="Constantia" panose="02030602050306030303" pitchFamily="18" charset="0"/>
+              </a:rPr>
+              <a:t> </a:t>
+            </a:r>
+            <a:r>
+              <a:rPr lang="pt-BR" dirty="0" smtClean="0">
+                <a:solidFill>
+                  <a:srgbClr val="FFFFFF"/>
+                </a:solidFill>
+                <a:latin typeface="Constantia" panose="02030602050306030303" pitchFamily="18" charset="0"/>
+                <a:ea typeface="Times New Roman" panose="02020603050405020304" pitchFamily="18" charset="0"/>
+                <a:cs typeface="Constantia" panose="02030602050306030303" pitchFamily="18" charset="0"/>
+              </a:rPr>
+              <a:t>interior </a:t>
+            </a:r>
+            <a:r>
+              <a:rPr lang="pt-BR" dirty="0">
+                <a:solidFill>
+                  <a:srgbClr val="FFFFFF"/>
+                </a:solidFill>
+                <a:latin typeface="Constantia" panose="02030602050306030303" pitchFamily="18" charset="0"/>
+                <a:ea typeface="Times New Roman" panose="02020603050405020304" pitchFamily="18" charset="0"/>
+                <a:cs typeface="Constantia" panose="02030602050306030303" pitchFamily="18" charset="0"/>
+              </a:rPr>
+              <a:t>de um condutor elétrico em equilíbrio</a:t>
+            </a:r>
+            <a:r>
+              <a:rPr lang="pt-BR" dirty="0" smtClean="0">
+                <a:solidFill>
+                  <a:srgbClr val="FFFFFF"/>
+                </a:solidFill>
+                <a:latin typeface="Constantia" panose="02030602050306030303" pitchFamily="18" charset="0"/>
+                <a:ea typeface="Times New Roman" panose="02020603050405020304" pitchFamily="18" charset="0"/>
+                <a:cs typeface="Constantia" panose="02030602050306030303" pitchFamily="18" charset="0"/>
+              </a:rPr>
+              <a:t>.</a:t>
+            </a:r>
+          </a:p>
+          <a:p>
+            <a:pPr marL="0" indent="0" eaLnBrk="0" hangingPunct="0">
+              <a:lnSpc>
+                <a:spcPts val="3130"/>
+              </a:lnSpc>
+              <a:spcAft>
+                <a:spcPts val="0"/>
+              </a:spcAft>
+              <a:buNone/>
+            </a:pPr>
+            <a:endParaRPr lang="pt-BR" dirty="0">
+              <a:latin typeface="Comic Sans MS" panose="030F0702030302020204" pitchFamily="66" charset="0"/>
+              <a:ea typeface="Times New Roman" panose="02020603050405020304" pitchFamily="18" charset="0"/>
+              <a:cs typeface="Comic Sans MS" panose="030F0702030302020204" pitchFamily="66" charset="0"/>
+            </a:endParaRPr>
+          </a:p>
+          <a:p>
+            <a:pPr marL="139700" indent="0" eaLnBrk="0" hangingPunct="0">
+              <a:lnSpc>
+                <a:spcPct val="97000"/>
+              </a:lnSpc>
+              <a:spcBef>
+                <a:spcPts val="595"/>
+              </a:spcBef>
+              <a:spcAft>
+                <a:spcPts val="0"/>
+              </a:spcAft>
+              <a:buNone/>
+            </a:pPr>
+            <a:r>
+              <a:rPr lang="pt-BR" dirty="0">
+                <a:solidFill>
+                  <a:srgbClr val="FFFFFF"/>
+                </a:solidFill>
+                <a:latin typeface="Constantia" panose="02030602050306030303" pitchFamily="18" charset="0"/>
+                <a:ea typeface="Times New Roman" panose="02020603050405020304" pitchFamily="18" charset="0"/>
+                <a:cs typeface="Constantia" panose="02030602050306030303" pitchFamily="18" charset="0"/>
+              </a:rPr>
+              <a:t>O</a:t>
+            </a:r>
+            <a:r>
+              <a:rPr lang="pt-BR" spc="-55" dirty="0">
+                <a:solidFill>
+                  <a:srgbClr val="FFFFFF"/>
+                </a:solidFill>
+                <a:latin typeface="Constantia" panose="02030602050306030303" pitchFamily="18" charset="0"/>
+                <a:ea typeface="Times New Roman" panose="02020603050405020304" pitchFamily="18" charset="0"/>
+                <a:cs typeface="Constantia" panose="02030602050306030303" pitchFamily="18" charset="0"/>
+              </a:rPr>
+              <a:t> </a:t>
+            </a:r>
+            <a:r>
+              <a:rPr lang="pt-BR" dirty="0">
+                <a:solidFill>
+                  <a:srgbClr val="FFFFFF"/>
+                </a:solidFill>
+                <a:latin typeface="Constantia" panose="02030602050306030303" pitchFamily="18" charset="0"/>
+                <a:ea typeface="Times New Roman" panose="02020603050405020304" pitchFamily="18" charset="0"/>
+                <a:cs typeface="Constantia" panose="02030602050306030303" pitchFamily="18" charset="0"/>
+              </a:rPr>
+              <a:t>ruído</a:t>
+            </a:r>
+            <a:r>
+              <a:rPr lang="pt-BR" spc="-105" dirty="0">
+                <a:solidFill>
+                  <a:srgbClr val="FFFFFF"/>
+                </a:solidFill>
+                <a:latin typeface="Constantia" panose="02030602050306030303" pitchFamily="18" charset="0"/>
+                <a:ea typeface="Times New Roman" panose="02020603050405020304" pitchFamily="18" charset="0"/>
+                <a:cs typeface="Constantia" panose="02030602050306030303" pitchFamily="18" charset="0"/>
+              </a:rPr>
+              <a:t> </a:t>
+            </a:r>
+            <a:r>
+              <a:rPr lang="pt-BR" spc="-20" dirty="0">
+                <a:solidFill>
+                  <a:srgbClr val="FFFFFF"/>
+                </a:solidFill>
+                <a:latin typeface="Constantia" panose="02030602050306030303" pitchFamily="18" charset="0"/>
+                <a:ea typeface="Times New Roman" panose="02020603050405020304" pitchFamily="18" charset="0"/>
+                <a:cs typeface="Constantia" panose="02030602050306030303" pitchFamily="18" charset="0"/>
+              </a:rPr>
+              <a:t>térmico</a:t>
+            </a:r>
+            <a:r>
+              <a:rPr lang="pt-BR" spc="-150" dirty="0">
+                <a:solidFill>
+                  <a:srgbClr val="FFFFFF"/>
+                </a:solidFill>
+                <a:latin typeface="Constantia" panose="02030602050306030303" pitchFamily="18" charset="0"/>
+                <a:ea typeface="Times New Roman" panose="02020603050405020304" pitchFamily="18" charset="0"/>
+                <a:cs typeface="Constantia" panose="02030602050306030303" pitchFamily="18" charset="0"/>
+              </a:rPr>
+              <a:t> </a:t>
+            </a:r>
+            <a:r>
+              <a:rPr lang="pt-BR" dirty="0">
+                <a:solidFill>
+                  <a:srgbClr val="FFFFFF"/>
+                </a:solidFill>
+                <a:latin typeface="Constantia" panose="02030602050306030303" pitchFamily="18" charset="0"/>
+                <a:ea typeface="Times New Roman" panose="02020603050405020304" pitchFamily="18" charset="0"/>
+                <a:cs typeface="Constantia" panose="02030602050306030303" pitchFamily="18" charset="0"/>
+              </a:rPr>
+              <a:t>é</a:t>
+            </a:r>
+            <a:r>
+              <a:rPr lang="pt-BR" spc="-120" dirty="0">
+                <a:solidFill>
+                  <a:srgbClr val="FFFFFF"/>
+                </a:solidFill>
+                <a:latin typeface="Constantia" panose="02030602050306030303" pitchFamily="18" charset="0"/>
+                <a:ea typeface="Times New Roman" panose="02020603050405020304" pitchFamily="18" charset="0"/>
+                <a:cs typeface="Constantia" panose="02030602050306030303" pitchFamily="18" charset="0"/>
+              </a:rPr>
+              <a:t> </a:t>
+            </a:r>
+            <a:r>
+              <a:rPr lang="pt-BR" spc="-15" dirty="0">
+                <a:solidFill>
+                  <a:srgbClr val="FFFFFF"/>
+                </a:solidFill>
+                <a:latin typeface="Constantia" panose="02030602050306030303" pitchFamily="18" charset="0"/>
+                <a:ea typeface="Times New Roman" panose="02020603050405020304" pitchFamily="18" charset="0"/>
+                <a:cs typeface="Constantia" panose="02030602050306030303" pitchFamily="18" charset="0"/>
+              </a:rPr>
+              <a:t>aproximadamente</a:t>
+            </a:r>
+            <a:r>
+              <a:rPr lang="pt-BR" spc="-75" dirty="0">
+                <a:solidFill>
+                  <a:srgbClr val="FFFFFF"/>
+                </a:solidFill>
+                <a:latin typeface="Constantia" panose="02030602050306030303" pitchFamily="18" charset="0"/>
+                <a:ea typeface="Times New Roman" panose="02020603050405020304" pitchFamily="18" charset="0"/>
+                <a:cs typeface="Constantia" panose="02030602050306030303" pitchFamily="18" charset="0"/>
+              </a:rPr>
+              <a:t> </a:t>
+            </a:r>
+            <a:r>
+              <a:rPr lang="pt-BR" dirty="0">
+                <a:solidFill>
+                  <a:srgbClr val="FFFFFF"/>
+                </a:solidFill>
+                <a:latin typeface="Constantia" panose="02030602050306030303" pitchFamily="18" charset="0"/>
+                <a:ea typeface="Times New Roman" panose="02020603050405020304" pitchFamily="18" charset="0"/>
+                <a:cs typeface="Constantia" panose="02030602050306030303" pitchFamily="18" charset="0"/>
+              </a:rPr>
+              <a:t>igual</a:t>
+            </a:r>
+            <a:r>
+              <a:rPr lang="pt-BR" spc="-80" dirty="0">
+                <a:solidFill>
+                  <a:srgbClr val="FFFFFF"/>
+                </a:solidFill>
+                <a:latin typeface="Constantia" panose="02030602050306030303" pitchFamily="18" charset="0"/>
+                <a:ea typeface="Times New Roman" panose="02020603050405020304" pitchFamily="18" charset="0"/>
+                <a:cs typeface="Constantia" panose="02030602050306030303" pitchFamily="18" charset="0"/>
+              </a:rPr>
+              <a:t> </a:t>
+            </a:r>
+            <a:r>
+              <a:rPr lang="pt-BR" dirty="0">
+                <a:solidFill>
+                  <a:srgbClr val="FFFFFF"/>
+                </a:solidFill>
+                <a:latin typeface="Constantia" panose="02030602050306030303" pitchFamily="18" charset="0"/>
+                <a:ea typeface="Times New Roman" panose="02020603050405020304" pitchFamily="18" charset="0"/>
+                <a:cs typeface="Constantia" panose="02030602050306030303" pitchFamily="18" charset="0"/>
+              </a:rPr>
+              <a:t>ao</a:t>
+            </a:r>
+            <a:r>
+              <a:rPr lang="pt-BR" spc="-120" dirty="0">
+                <a:solidFill>
+                  <a:srgbClr val="FFFFFF"/>
+                </a:solidFill>
+                <a:latin typeface="Constantia" panose="02030602050306030303" pitchFamily="18" charset="0"/>
+                <a:ea typeface="Times New Roman" panose="02020603050405020304" pitchFamily="18" charset="0"/>
+                <a:cs typeface="Constantia" panose="02030602050306030303" pitchFamily="18" charset="0"/>
+              </a:rPr>
+              <a:t> </a:t>
+            </a:r>
+            <a:r>
+              <a:rPr lang="pt-BR" dirty="0">
+                <a:solidFill>
+                  <a:srgbClr val="FFFFFF"/>
+                </a:solidFill>
+                <a:latin typeface="Constantia" panose="02030602050306030303" pitchFamily="18" charset="0"/>
+                <a:ea typeface="Times New Roman" panose="02020603050405020304" pitchFamily="18" charset="0"/>
+                <a:cs typeface="Constantia" panose="02030602050306030303" pitchFamily="18" charset="0"/>
+              </a:rPr>
+              <a:t>ruído </a:t>
+            </a:r>
+            <a:r>
+              <a:rPr lang="pt-BR" spc="-30" dirty="0">
+                <a:solidFill>
+                  <a:srgbClr val="FFFFFF"/>
+                </a:solidFill>
+                <a:latin typeface="Constantia" panose="02030602050306030303" pitchFamily="18" charset="0"/>
+                <a:ea typeface="Times New Roman" panose="02020603050405020304" pitchFamily="18" charset="0"/>
+                <a:cs typeface="Constantia" panose="02030602050306030303" pitchFamily="18" charset="0"/>
+              </a:rPr>
+              <a:t>branco.</a:t>
+            </a:r>
+            <a:endParaRPr lang="pt-BR" dirty="0">
+              <a:latin typeface="Comic Sans MS" panose="030F0702030302020204" pitchFamily="66" charset="0"/>
+              <a:ea typeface="Times New Roman" panose="02020603050405020304" pitchFamily="18" charset="0"/>
+              <a:cs typeface="Comic Sans MS" panose="030F0702030302020204" pitchFamily="66" charset="0"/>
+            </a:endParaRPr>
+          </a:p>
+          <a:p>
+            <a:pPr marL="0" indent="0">
+              <a:buNone/>
+            </a:pPr>
+            <a:endParaRPr lang="pt-BR" dirty="0"/>
+          </a:p>
+        </p:txBody>
+      </p:sp>
+      <p:pic>
+        <p:nvPicPr>
+          <p:cNvPr id="4" name="Imagem 3"/>
+          <p:cNvPicPr>
+            <a:picLocks noChangeAspect="1"/>
+          </p:cNvPicPr>
+          <p:nvPr/>
+        </p:nvPicPr>
+        <p:blipFill>
+          <a:blip r:embed="rId2"/>
+          <a:stretch>
+            <a:fillRect/>
+          </a:stretch>
+        </p:blipFill>
+        <p:spPr>
+          <a:xfrm>
+            <a:off x="3878373" y="3805238"/>
+            <a:ext cx="3638550" cy="2371725"/>
+          </a:xfrm>
+          <a:prstGeom prst="rect">
+            <a:avLst/>
+          </a:prstGeom>
+        </p:spPr>
+      </p:pic>
+    </p:spTree>
+    <p:extLst>
+      <p:ext uri="{BB962C8B-B14F-4D97-AF65-F5344CB8AC3E}">
+        <p14:creationId xmlns:p14="http://schemas.microsoft.com/office/powerpoint/2010/main" val="3338944177"/>
+      </p:ext>
+    </p:extLst>
+  </p:cSld>
+  <p:clrMapOvr>
+    <a:masterClrMapping/>
+  </p:clrMapOvr>
+  <p:timing>
+    <p:tnLst>
+      <p:par>
+        <p:cTn id="1" dur="indefinite" restart="never" nodeType="tmRoot"/>
+      </p:par>
+    </p:tnLst>
+  </p:timing>
+</p:sld>
+</file>
+
+<file path=ppt/slides/slide8.xml><?xml version="1.0" encoding="utf-8"?>
+<p:sld xmlns:a="http://schemas.openxmlformats.org/drawingml/2006/main" xmlns:r="http://schemas.openxmlformats.org/officeDocument/2006/relationships" xmlns:p="http://schemas.openxmlformats.org/presentationml/2006/main">
+  <p:cSld>
+    <p:spTree>
+      <p:nvGrpSpPr>
+        <p:cNvPr id="1" name=""/>
+        <p:cNvGrpSpPr/>
+        <p:nvPr/>
+      </p:nvGrpSpPr>
+      <p:grpSpPr>
+        <a:xfrm>
+          <a:off x="0" y="0"/>
+          <a:ext cx="0" cy="0"/>
+          <a:chOff x="0" y="0"/>
+          <a:chExt cx="0" cy="0"/>
+        </a:xfrm>
+      </p:grpSpPr>
+      <p:sp>
+        <p:nvSpPr>
+          <p:cNvPr id="2" name="Título 1"/>
+          <p:cNvSpPr>
+            <a:spLocks noGrp="1"/>
+          </p:cNvSpPr>
+          <p:nvPr>
+            <p:ph type="title"/>
+          </p:nvPr>
+        </p:nvSpPr>
+        <p:spPr/>
+        <p:txBody>
+          <a:bodyPr/>
+          <a:lstStyle/>
+          <a:p>
+            <a:pPr algn="ctr"/>
+            <a:r>
+              <a:rPr kumimoji="0" lang="pt-BR" altLang="pt-BR" b="1" i="1" u="none" strike="noStrike" cap="none" normalizeH="0" baseline="0" dirty="0" smtClean="0">
+                <a:ln>
+                  <a:noFill/>
+                </a:ln>
+                <a:solidFill>
+                  <a:srgbClr val="79610D"/>
+                </a:solidFill>
+                <a:effectLst/>
+                <a:latin typeface="Arial" panose="020B0604020202020204" pitchFamily="34" charset="0"/>
+                <a:ea typeface="Times New Roman" panose="02020603050405020304" pitchFamily="18" charset="0"/>
+                <a:cs typeface="Comic Sans MS" panose="030F0702030302020204" pitchFamily="66" charset="0"/>
+              </a:rPr>
+              <a:t>Ruído </a:t>
+            </a:r>
+            <a:r>
+              <a:rPr kumimoji="0" lang="pt-BR" altLang="pt-BR" b="1" i="1" u="none" strike="noStrike" cap="none" normalizeH="0" baseline="0" dirty="0" err="1" smtClean="0">
+                <a:ln>
+                  <a:noFill/>
+                </a:ln>
+                <a:solidFill>
+                  <a:srgbClr val="79610D"/>
+                </a:solidFill>
+                <a:effectLst/>
+                <a:latin typeface="Arial" panose="020B0604020202020204" pitchFamily="34" charset="0"/>
+                <a:ea typeface="Times New Roman" panose="02020603050405020304" pitchFamily="18" charset="0"/>
+                <a:cs typeface="Comic Sans MS" panose="030F0702030302020204" pitchFamily="66" charset="0"/>
+              </a:rPr>
+              <a:t>Crosstalk</a:t>
+            </a:r>
+            <a:endParaRPr lang="pt-BR" dirty="0"/>
+          </a:p>
+        </p:txBody>
+      </p:sp>
+      <p:sp>
+        <p:nvSpPr>
+          <p:cNvPr id="3" name="Espaço Reservado para Conteúdo 2"/>
+          <p:cNvSpPr>
+            <a:spLocks noGrp="1"/>
+          </p:cNvSpPr>
+          <p:nvPr>
+            <p:ph idx="1"/>
+          </p:nvPr>
+        </p:nvSpPr>
+        <p:spPr/>
+        <p:txBody>
+          <a:bodyPr/>
+          <a:lstStyle/>
+          <a:p>
+            <a:r>
+              <a:rPr lang="pt-BR" sz="3200" b="1" dirty="0" err="1" smtClean="0">
+                <a:solidFill>
+                  <a:schemeClr val="bg1"/>
+                </a:solidFill>
+              </a:rPr>
+              <a:t>Crosstalk</a:t>
+            </a:r>
+            <a:r>
+              <a:rPr lang="pt-BR" sz="3200" dirty="0">
+                <a:solidFill>
+                  <a:schemeClr val="bg1"/>
+                </a:solidFill>
+              </a:rPr>
+              <a:t> ou </a:t>
+            </a:r>
+            <a:r>
+              <a:rPr lang="pt-BR" sz="3200" dirty="0" err="1">
+                <a:solidFill>
+                  <a:schemeClr val="bg1"/>
+                </a:solidFill>
+              </a:rPr>
+              <a:t>diafonia</a:t>
+            </a:r>
+            <a:r>
+              <a:rPr lang="pt-BR" sz="3200" dirty="0">
+                <a:solidFill>
+                  <a:schemeClr val="bg1"/>
+                </a:solidFill>
+              </a:rPr>
+              <a:t> é a </a:t>
+            </a:r>
+            <a:r>
+              <a:rPr lang="pt-BR" sz="3200" dirty="0" smtClean="0">
+                <a:solidFill>
+                  <a:schemeClr val="bg1"/>
+                </a:solidFill>
+              </a:rPr>
+              <a:t>interferência </a:t>
+            </a:r>
+            <a:r>
+              <a:rPr lang="pt-BR" sz="3200" dirty="0">
+                <a:solidFill>
+                  <a:schemeClr val="bg1"/>
+                </a:solidFill>
+              </a:rPr>
+              <a:t> indesejada que um canal de transmissão causa em outro. Foi observado pela primeira vez durante a </a:t>
+            </a:r>
+            <a:r>
+              <a:rPr lang="pt-BR" sz="3200" dirty="0" smtClean="0">
+                <a:solidFill>
+                  <a:schemeClr val="bg1"/>
+                </a:solidFill>
+              </a:rPr>
+              <a:t>Segunda Guerra Mundial, </a:t>
+            </a:r>
+            <a:r>
+              <a:rPr lang="pt-BR" sz="3200" dirty="0">
+                <a:solidFill>
+                  <a:schemeClr val="bg1"/>
+                </a:solidFill>
+              </a:rPr>
+              <a:t>devido à grande quantidade de transmissões que eram feitas na </a:t>
+            </a:r>
+            <a:r>
+              <a:rPr lang="pt-BR" sz="3200" dirty="0" smtClean="0">
+                <a:solidFill>
+                  <a:schemeClr val="bg1"/>
+                </a:solidFill>
+              </a:rPr>
+              <a:t>época. Essa </a:t>
+            </a:r>
+            <a:r>
+              <a:rPr lang="pt-BR" sz="3200" dirty="0">
+                <a:solidFill>
+                  <a:schemeClr val="bg1"/>
+                </a:solidFill>
+              </a:rPr>
+              <a:t>interferência é criada por um </a:t>
+            </a:r>
+            <a:r>
+              <a:rPr lang="pt-BR" sz="3200" dirty="0" smtClean="0">
+                <a:solidFill>
+                  <a:schemeClr val="bg1"/>
+                </a:solidFill>
+              </a:rPr>
+              <a:t>curto-circuito</a:t>
+            </a:r>
+            <a:r>
+              <a:rPr lang="pt-BR" sz="3200" dirty="0">
+                <a:solidFill>
+                  <a:schemeClr val="bg1"/>
+                </a:solidFill>
+              </a:rPr>
+              <a:t> ou a junção indutiva entre essas duas linhas independentes.</a:t>
+            </a:r>
+          </a:p>
+          <a:p>
+            <a:endParaRPr lang="pt-BR" dirty="0"/>
+          </a:p>
+        </p:txBody>
+      </p:sp>
+    </p:spTree>
+    <p:extLst>
+      <p:ext uri="{BB962C8B-B14F-4D97-AF65-F5344CB8AC3E}">
+        <p14:creationId xmlns:p14="http://schemas.microsoft.com/office/powerpoint/2010/main" val="2812375822"/>
+      </p:ext>
+    </p:extLst>
+  </p:cSld>
+  <p:clrMapOvr>
+    <a:masterClrMapping/>
+  </p:clrMapOvr>
+  <p:timing>
+    <p:tnLst>
+      <p:par>
+        <p:cTn id="1" dur="indefinite" restart="never" nodeType="tmRoot"/>
+      </p:par>
+    </p:tnLst>
+  </p:timing>
+</p:sld>
+</file>
+
 <file path=ppt/slides/slide9.xml><?xml version="1.0" encoding="utf-8"?>
 <p:sld xmlns:a="http://schemas.openxmlformats.org/drawingml/2006/main" xmlns:r="http://schemas.openxmlformats.org/officeDocument/2006/relationships" xmlns:p="http://schemas.openxmlformats.org/presentationml/2006/main">
   <p:cSld>
@@ -4484,13 +5013,34 @@
           <a:p>
             <a:pPr algn="ctr"/>
             <a:r>
-              <a:rPr lang="pt-BR" b="1" i="1" dirty="0" smtClean="0">
+              <a:rPr kumimoji="0" lang="pt-BR" altLang="pt-BR" b="1" i="1" u="none" strike="noStrike" cap="none" normalizeH="0" baseline="0" dirty="0" smtClean="0">
+                <a:ln>
+                  <a:noFill/>
+                </a:ln>
                 <a:solidFill>
                   <a:srgbClr val="79610D"/>
                 </a:solidFill>
+                <a:effectLst/>
                 <a:latin typeface="Arial" panose="020B0604020202020204" pitchFamily="34" charset="0"/>
-              </a:rPr>
-              <a:t>Referências</a:t>
+                <a:ea typeface="Times New Roman" panose="02020603050405020304" pitchFamily="18" charset="0"/>
+                <a:cs typeface="Comic Sans MS" panose="030F0702030302020204" pitchFamily="66" charset="0"/>
+              </a:rPr>
+              <a:t>Ruído </a:t>
+            </a:r>
+            <a:r>
+              <a:rPr kumimoji="0" lang="pt-BR" altLang="pt-BR" b="1" i="1" u="none" strike="noStrike" cap="none" normalizeH="0" baseline="0" dirty="0" err="1" smtClean="0">
+                <a:ln>
+                  <a:noFill/>
+                </a:ln>
+                <a:solidFill>
+                  <a:srgbClr val="79610D"/>
+                </a:solidFill>
+                <a:effectLst/>
+                <a:latin typeface="Arial" panose="020B0604020202020204" pitchFamily="34" charset="0"/>
+                <a:ea typeface="Times New Roman" panose="02020603050405020304" pitchFamily="18" charset="0"/>
+                <a:cs typeface="Comic Sans MS" panose="030F0702030302020204" pitchFamily="66" charset="0"/>
+              </a:rPr>
+              <a:t>Crosstalk</a:t>
             </a:r>
             <a:endParaRPr lang="pt-BR" dirty="0"/>
           </a:p>
@@ -4510,6 +5060,64 @@
         <p:txBody>
           <a:bodyPr/>
           <a:lstStyle/>
+          <a:p>
+            <a:r>
+              <a:rPr lang="pt-BR" sz="3600" dirty="0">
+                <a:solidFill>
+                  <a:schemeClr val="bg1"/>
+                </a:solidFill>
+              </a:rPr>
+              <a:t>Em </a:t>
+            </a:r>
+            <a:r>
+              <a:rPr lang="pt-BR" sz="3600" dirty="0" smtClean="0">
+                <a:solidFill>
+                  <a:schemeClr val="bg1"/>
+                </a:solidFill>
+              </a:rPr>
+              <a:t>eletrônica,</a:t>
+            </a:r>
+            <a:r>
+              <a:rPr lang="pt-BR" sz="3600" dirty="0">
+                <a:solidFill>
+                  <a:schemeClr val="bg1"/>
+                </a:solidFill>
+              </a:rPr>
+              <a:t> </a:t>
+            </a:r>
+            <a:r>
+              <a:rPr lang="pt-BR" sz="3600" i="1" dirty="0" err="1">
+                <a:solidFill>
+                  <a:schemeClr val="bg1"/>
+                </a:solidFill>
+              </a:rPr>
+              <a:t>crosstalk</a:t>
+            </a:r>
+            <a:r>
+              <a:rPr lang="pt-BR" sz="3600" dirty="0">
+                <a:solidFill>
+                  <a:schemeClr val="bg1"/>
+                </a:solidFill>
+              </a:rPr>
+              <a:t> é qualquer fenômeno em que um sinal transmitido em um circuito ou canal de um sistema de transmissão cria um efeito indesejado em outro circuito ou canal. </a:t>
+            </a:r>
+            <a:r>
+              <a:rPr lang="pt-BR" sz="3600" i="1" dirty="0" err="1">
+                <a:solidFill>
+                  <a:schemeClr val="bg1"/>
+                </a:solidFill>
+              </a:rPr>
+              <a:t>Crosstalk</a:t>
+            </a:r>
+            <a:r>
+              <a:rPr lang="pt-BR" sz="3600" dirty="0">
+                <a:solidFill>
+                  <a:schemeClr val="bg1"/>
+                </a:solidFill>
+              </a:rPr>
+              <a:t> é normalmente causado por capacitâncias, indutâncias ou conexão condutiva com um circuito ou canal — todas indesejadas.</a:t>
+            </a:r>
+          </a:p>
           <a:p>
             <a:endParaRPr lang="pt-BR" dirty="0"/>
           </a:p>
@@ -4518,7 +5126,7 @@
     </p:spTree>
     <p:extLst>
       <p:ext uri="{BB962C8B-B14F-4D97-AF65-F5344CB8AC3E}">
-        <p14:creationId xmlns:p14="http://schemas.microsoft.com/office/powerpoint/2010/main" val="2269853733"/>
+        <p14:creationId xmlns:p14="http://schemas.microsoft.com/office/powerpoint/2010/main" val="1745089375"/>
       </p:ext>
     </p:extLst>
   </p:cSld>

--- a/Tipos de Ruídos.pptx
+++ b/Tipos de Ruídos.pptx
@@ -9,13 +9,16 @@
     <p:sldId id="257" r:id="rId3"/>
     <p:sldId id="258" r:id="rId4"/>
     <p:sldId id="259" r:id="rId5"/>
-    <p:sldId id="261" r:id="rId6"/>
-    <p:sldId id="267" r:id="rId7"/>
-    <p:sldId id="266" r:id="rId8"/>
-    <p:sldId id="262" r:id="rId9"/>
-    <p:sldId id="264" r:id="rId10"/>
-    <p:sldId id="265" r:id="rId11"/>
-    <p:sldId id="263" r:id="rId12"/>
+    <p:sldId id="268" r:id="rId6"/>
+    <p:sldId id="269" r:id="rId7"/>
+    <p:sldId id="270" r:id="rId8"/>
+    <p:sldId id="261" r:id="rId9"/>
+    <p:sldId id="267" r:id="rId10"/>
+    <p:sldId id="266" r:id="rId11"/>
+    <p:sldId id="262" r:id="rId12"/>
+    <p:sldId id="264" r:id="rId13"/>
+    <p:sldId id="265" r:id="rId14"/>
+    <p:sldId id="263" r:id="rId15"/>
   </p:sldIdLst>
   <p:sldSz cx="12192000" cy="6858000"/>
   <p:notesSz cx="6858000" cy="9144000"/>
@@ -3187,6 +3190,777 @@
                 <a:ea typeface="Times New Roman" panose="02020603050405020304" pitchFamily="18" charset="0"/>
                 <a:cs typeface="Comic Sans MS" panose="030F0702030302020204" pitchFamily="66" charset="0"/>
               </a:rPr>
+              <a:t>Ruído Térmico</a:t>
+            </a:r>
+            <a:endParaRPr lang="pt-BR" dirty="0"/>
+          </a:p>
+        </p:txBody>
+      </p:sp>
+      <p:sp>
+        <p:nvSpPr>
+          <p:cNvPr id="3" name="Espaço Reservado para Conteúdo 2"/>
+          <p:cNvSpPr>
+            <a:spLocks noGrp="1"/>
+          </p:cNvSpPr>
+          <p:nvPr>
+            <p:ph idx="1"/>
+          </p:nvPr>
+        </p:nvSpPr>
+        <p:spPr/>
+        <p:txBody>
+          <a:bodyPr/>
+          <a:lstStyle/>
+          <a:p>
+            <a:pPr marL="0" indent="0" eaLnBrk="0" hangingPunct="0">
+              <a:lnSpc>
+                <a:spcPts val="3130"/>
+              </a:lnSpc>
+              <a:spcAft>
+                <a:spcPts val="0"/>
+              </a:spcAft>
+              <a:buNone/>
+            </a:pPr>
+            <a:r>
+              <a:rPr lang="pt-BR" dirty="0">
+                <a:solidFill>
+                  <a:srgbClr val="FFFFFF"/>
+                </a:solidFill>
+                <a:latin typeface="Constantia" panose="02030602050306030303" pitchFamily="18" charset="0"/>
+                <a:ea typeface="Times New Roman" panose="02020603050405020304" pitchFamily="18" charset="0"/>
+                <a:cs typeface="Constantia" panose="02030602050306030303" pitchFamily="18" charset="0"/>
+              </a:rPr>
+              <a:t>É um ruído gerado pela agitação térmica de cargas </a:t>
+            </a:r>
+            <a:r>
+              <a:rPr lang="pt-BR" dirty="0" smtClean="0">
+                <a:solidFill>
+                  <a:srgbClr val="FFFFFF"/>
+                </a:solidFill>
+                <a:latin typeface="Constantia" panose="02030602050306030303" pitchFamily="18" charset="0"/>
+                <a:ea typeface="Times New Roman" panose="02020603050405020304" pitchFamily="18" charset="0"/>
+                <a:cs typeface="Constantia" panose="02030602050306030303" pitchFamily="18" charset="0"/>
+              </a:rPr>
+              <a:t>no</a:t>
+            </a:r>
+            <a:r>
+              <a:rPr lang="pt-BR" dirty="0" smtClean="0">
+                <a:latin typeface="Comic Sans MS" panose="030F0702030302020204" pitchFamily="66" charset="0"/>
+                <a:ea typeface="Times New Roman" panose="02020603050405020304" pitchFamily="18" charset="0"/>
+                <a:cs typeface="Constantia" panose="02030602050306030303" pitchFamily="18" charset="0"/>
+              </a:rPr>
+              <a:t> </a:t>
+            </a:r>
+            <a:r>
+              <a:rPr lang="pt-BR" dirty="0" smtClean="0">
+                <a:solidFill>
+                  <a:srgbClr val="FFFFFF"/>
+                </a:solidFill>
+                <a:latin typeface="Constantia" panose="02030602050306030303" pitchFamily="18" charset="0"/>
+                <a:ea typeface="Times New Roman" panose="02020603050405020304" pitchFamily="18" charset="0"/>
+                <a:cs typeface="Constantia" panose="02030602050306030303" pitchFamily="18" charset="0"/>
+              </a:rPr>
+              <a:t>interior </a:t>
+            </a:r>
+            <a:r>
+              <a:rPr lang="pt-BR" dirty="0">
+                <a:solidFill>
+                  <a:srgbClr val="FFFFFF"/>
+                </a:solidFill>
+                <a:latin typeface="Constantia" panose="02030602050306030303" pitchFamily="18" charset="0"/>
+                <a:ea typeface="Times New Roman" panose="02020603050405020304" pitchFamily="18" charset="0"/>
+                <a:cs typeface="Constantia" panose="02030602050306030303" pitchFamily="18" charset="0"/>
+              </a:rPr>
+              <a:t>de um condutor elétrico em equilíbrio</a:t>
+            </a:r>
+            <a:r>
+              <a:rPr lang="pt-BR" dirty="0" smtClean="0">
+                <a:solidFill>
+                  <a:srgbClr val="FFFFFF"/>
+                </a:solidFill>
+                <a:latin typeface="Constantia" panose="02030602050306030303" pitchFamily="18" charset="0"/>
+                <a:ea typeface="Times New Roman" panose="02020603050405020304" pitchFamily="18" charset="0"/>
+                <a:cs typeface="Constantia" panose="02030602050306030303" pitchFamily="18" charset="0"/>
+              </a:rPr>
+              <a:t>.</a:t>
+            </a:r>
+          </a:p>
+          <a:p>
+            <a:pPr marL="0" indent="0" eaLnBrk="0" hangingPunct="0">
+              <a:lnSpc>
+                <a:spcPts val="3130"/>
+              </a:lnSpc>
+              <a:spcAft>
+                <a:spcPts val="0"/>
+              </a:spcAft>
+              <a:buNone/>
+            </a:pPr>
+            <a:endParaRPr lang="pt-BR" dirty="0">
+              <a:latin typeface="Comic Sans MS" panose="030F0702030302020204" pitchFamily="66" charset="0"/>
+              <a:ea typeface="Times New Roman" panose="02020603050405020304" pitchFamily="18" charset="0"/>
+              <a:cs typeface="Comic Sans MS" panose="030F0702030302020204" pitchFamily="66" charset="0"/>
+            </a:endParaRPr>
+          </a:p>
+          <a:p>
+            <a:pPr marL="139700" indent="0" eaLnBrk="0" hangingPunct="0">
+              <a:lnSpc>
+                <a:spcPct val="97000"/>
+              </a:lnSpc>
+              <a:spcBef>
+                <a:spcPts val="595"/>
+              </a:spcBef>
+              <a:spcAft>
+                <a:spcPts val="0"/>
+              </a:spcAft>
+              <a:buNone/>
+            </a:pPr>
+            <a:r>
+              <a:rPr lang="pt-BR" dirty="0">
+                <a:solidFill>
+                  <a:srgbClr val="FFFFFF"/>
+                </a:solidFill>
+                <a:latin typeface="Constantia" panose="02030602050306030303" pitchFamily="18" charset="0"/>
+                <a:ea typeface="Times New Roman" panose="02020603050405020304" pitchFamily="18" charset="0"/>
+                <a:cs typeface="Constantia" panose="02030602050306030303" pitchFamily="18" charset="0"/>
+              </a:rPr>
+              <a:t>O</a:t>
+            </a:r>
+            <a:r>
+              <a:rPr lang="pt-BR" spc="-55" dirty="0">
+                <a:solidFill>
+                  <a:srgbClr val="FFFFFF"/>
+                </a:solidFill>
+                <a:latin typeface="Constantia" panose="02030602050306030303" pitchFamily="18" charset="0"/>
+                <a:ea typeface="Times New Roman" panose="02020603050405020304" pitchFamily="18" charset="0"/>
+                <a:cs typeface="Constantia" panose="02030602050306030303" pitchFamily="18" charset="0"/>
+              </a:rPr>
+              <a:t> </a:t>
+            </a:r>
+            <a:r>
+              <a:rPr lang="pt-BR" dirty="0">
+                <a:solidFill>
+                  <a:srgbClr val="FFFFFF"/>
+                </a:solidFill>
+                <a:latin typeface="Constantia" panose="02030602050306030303" pitchFamily="18" charset="0"/>
+                <a:ea typeface="Times New Roman" panose="02020603050405020304" pitchFamily="18" charset="0"/>
+                <a:cs typeface="Constantia" panose="02030602050306030303" pitchFamily="18" charset="0"/>
+              </a:rPr>
+              <a:t>ruído</a:t>
+            </a:r>
+            <a:r>
+              <a:rPr lang="pt-BR" spc="-105" dirty="0">
+                <a:solidFill>
+                  <a:srgbClr val="FFFFFF"/>
+                </a:solidFill>
+                <a:latin typeface="Constantia" panose="02030602050306030303" pitchFamily="18" charset="0"/>
+                <a:ea typeface="Times New Roman" panose="02020603050405020304" pitchFamily="18" charset="0"/>
+                <a:cs typeface="Constantia" panose="02030602050306030303" pitchFamily="18" charset="0"/>
+              </a:rPr>
+              <a:t> </a:t>
+            </a:r>
+            <a:r>
+              <a:rPr lang="pt-BR" spc="-20" dirty="0">
+                <a:solidFill>
+                  <a:srgbClr val="FFFFFF"/>
+                </a:solidFill>
+                <a:latin typeface="Constantia" panose="02030602050306030303" pitchFamily="18" charset="0"/>
+                <a:ea typeface="Times New Roman" panose="02020603050405020304" pitchFamily="18" charset="0"/>
+                <a:cs typeface="Constantia" panose="02030602050306030303" pitchFamily="18" charset="0"/>
+              </a:rPr>
+              <a:t>térmico</a:t>
+            </a:r>
+            <a:r>
+              <a:rPr lang="pt-BR" spc="-150" dirty="0">
+                <a:solidFill>
+                  <a:srgbClr val="FFFFFF"/>
+                </a:solidFill>
+                <a:latin typeface="Constantia" panose="02030602050306030303" pitchFamily="18" charset="0"/>
+                <a:ea typeface="Times New Roman" panose="02020603050405020304" pitchFamily="18" charset="0"/>
+                <a:cs typeface="Constantia" panose="02030602050306030303" pitchFamily="18" charset="0"/>
+              </a:rPr>
+              <a:t> </a:t>
+            </a:r>
+            <a:r>
+              <a:rPr lang="pt-BR" dirty="0">
+                <a:solidFill>
+                  <a:srgbClr val="FFFFFF"/>
+                </a:solidFill>
+                <a:latin typeface="Constantia" panose="02030602050306030303" pitchFamily="18" charset="0"/>
+                <a:ea typeface="Times New Roman" panose="02020603050405020304" pitchFamily="18" charset="0"/>
+                <a:cs typeface="Constantia" panose="02030602050306030303" pitchFamily="18" charset="0"/>
+              </a:rPr>
+              <a:t>é</a:t>
+            </a:r>
+            <a:r>
+              <a:rPr lang="pt-BR" spc="-120" dirty="0">
+                <a:solidFill>
+                  <a:srgbClr val="FFFFFF"/>
+                </a:solidFill>
+                <a:latin typeface="Constantia" panose="02030602050306030303" pitchFamily="18" charset="0"/>
+                <a:ea typeface="Times New Roman" panose="02020603050405020304" pitchFamily="18" charset="0"/>
+                <a:cs typeface="Constantia" panose="02030602050306030303" pitchFamily="18" charset="0"/>
+              </a:rPr>
+              <a:t> </a:t>
+            </a:r>
+            <a:r>
+              <a:rPr lang="pt-BR" spc="-15" dirty="0">
+                <a:solidFill>
+                  <a:srgbClr val="FFFFFF"/>
+                </a:solidFill>
+                <a:latin typeface="Constantia" panose="02030602050306030303" pitchFamily="18" charset="0"/>
+                <a:ea typeface="Times New Roman" panose="02020603050405020304" pitchFamily="18" charset="0"/>
+                <a:cs typeface="Constantia" panose="02030602050306030303" pitchFamily="18" charset="0"/>
+              </a:rPr>
+              <a:t>aproximadamente</a:t>
+            </a:r>
+            <a:r>
+              <a:rPr lang="pt-BR" spc="-75" dirty="0">
+                <a:solidFill>
+                  <a:srgbClr val="FFFFFF"/>
+                </a:solidFill>
+                <a:latin typeface="Constantia" panose="02030602050306030303" pitchFamily="18" charset="0"/>
+                <a:ea typeface="Times New Roman" panose="02020603050405020304" pitchFamily="18" charset="0"/>
+                <a:cs typeface="Constantia" panose="02030602050306030303" pitchFamily="18" charset="0"/>
+              </a:rPr>
+              <a:t> </a:t>
+            </a:r>
+            <a:r>
+              <a:rPr lang="pt-BR" dirty="0">
+                <a:solidFill>
+                  <a:srgbClr val="FFFFFF"/>
+                </a:solidFill>
+                <a:latin typeface="Constantia" panose="02030602050306030303" pitchFamily="18" charset="0"/>
+                <a:ea typeface="Times New Roman" panose="02020603050405020304" pitchFamily="18" charset="0"/>
+                <a:cs typeface="Constantia" panose="02030602050306030303" pitchFamily="18" charset="0"/>
+              </a:rPr>
+              <a:t>igual</a:t>
+            </a:r>
+            <a:r>
+              <a:rPr lang="pt-BR" spc="-80" dirty="0">
+                <a:solidFill>
+                  <a:srgbClr val="FFFFFF"/>
+                </a:solidFill>
+                <a:latin typeface="Constantia" panose="02030602050306030303" pitchFamily="18" charset="0"/>
+                <a:ea typeface="Times New Roman" panose="02020603050405020304" pitchFamily="18" charset="0"/>
+                <a:cs typeface="Constantia" panose="02030602050306030303" pitchFamily="18" charset="0"/>
+              </a:rPr>
+              <a:t> </a:t>
+            </a:r>
+            <a:r>
+              <a:rPr lang="pt-BR" dirty="0">
+                <a:solidFill>
+                  <a:srgbClr val="FFFFFF"/>
+                </a:solidFill>
+                <a:latin typeface="Constantia" panose="02030602050306030303" pitchFamily="18" charset="0"/>
+                <a:ea typeface="Times New Roman" panose="02020603050405020304" pitchFamily="18" charset="0"/>
+                <a:cs typeface="Constantia" panose="02030602050306030303" pitchFamily="18" charset="0"/>
+              </a:rPr>
+              <a:t>ao</a:t>
+            </a:r>
+            <a:r>
+              <a:rPr lang="pt-BR" spc="-120" dirty="0">
+                <a:solidFill>
+                  <a:srgbClr val="FFFFFF"/>
+                </a:solidFill>
+                <a:latin typeface="Constantia" panose="02030602050306030303" pitchFamily="18" charset="0"/>
+                <a:ea typeface="Times New Roman" panose="02020603050405020304" pitchFamily="18" charset="0"/>
+                <a:cs typeface="Constantia" panose="02030602050306030303" pitchFamily="18" charset="0"/>
+              </a:rPr>
+              <a:t> </a:t>
+            </a:r>
+            <a:r>
+              <a:rPr lang="pt-BR" dirty="0">
+                <a:solidFill>
+                  <a:srgbClr val="FFFFFF"/>
+                </a:solidFill>
+                <a:latin typeface="Constantia" panose="02030602050306030303" pitchFamily="18" charset="0"/>
+                <a:ea typeface="Times New Roman" panose="02020603050405020304" pitchFamily="18" charset="0"/>
+                <a:cs typeface="Constantia" panose="02030602050306030303" pitchFamily="18" charset="0"/>
+              </a:rPr>
+              <a:t>ruído </a:t>
+            </a:r>
+            <a:r>
+              <a:rPr lang="pt-BR" spc="-30" dirty="0">
+                <a:solidFill>
+                  <a:srgbClr val="FFFFFF"/>
+                </a:solidFill>
+                <a:latin typeface="Constantia" panose="02030602050306030303" pitchFamily="18" charset="0"/>
+                <a:ea typeface="Times New Roman" panose="02020603050405020304" pitchFamily="18" charset="0"/>
+                <a:cs typeface="Constantia" panose="02030602050306030303" pitchFamily="18" charset="0"/>
+              </a:rPr>
+              <a:t>branco.</a:t>
+            </a:r>
+            <a:endParaRPr lang="pt-BR" dirty="0">
+              <a:latin typeface="Comic Sans MS" panose="030F0702030302020204" pitchFamily="66" charset="0"/>
+              <a:ea typeface="Times New Roman" panose="02020603050405020304" pitchFamily="18" charset="0"/>
+              <a:cs typeface="Comic Sans MS" panose="030F0702030302020204" pitchFamily="66" charset="0"/>
+            </a:endParaRPr>
+          </a:p>
+          <a:p>
+            <a:pPr marL="0" indent="0">
+              <a:buNone/>
+            </a:pPr>
+            <a:endParaRPr lang="pt-BR" dirty="0"/>
+          </a:p>
+        </p:txBody>
+      </p:sp>
+      <p:pic>
+        <p:nvPicPr>
+          <p:cNvPr id="4" name="Imagem 3"/>
+          <p:cNvPicPr>
+            <a:picLocks noChangeAspect="1"/>
+          </p:cNvPicPr>
+          <p:nvPr/>
+        </p:nvPicPr>
+        <p:blipFill>
+          <a:blip r:embed="rId2"/>
+          <a:stretch>
+            <a:fillRect/>
+          </a:stretch>
+        </p:blipFill>
+        <p:spPr>
+          <a:xfrm>
+            <a:off x="3878373" y="3805238"/>
+            <a:ext cx="3638550" cy="2371725"/>
+          </a:xfrm>
+          <a:prstGeom prst="rect">
+            <a:avLst/>
+          </a:prstGeom>
+        </p:spPr>
+      </p:pic>
+    </p:spTree>
+    <p:extLst>
+      <p:ext uri="{BB962C8B-B14F-4D97-AF65-F5344CB8AC3E}">
+        <p14:creationId xmlns:p14="http://schemas.microsoft.com/office/powerpoint/2010/main" val="3338944177"/>
+      </p:ext>
+    </p:extLst>
+  </p:cSld>
+  <p:clrMapOvr>
+    <a:masterClrMapping/>
+  </p:clrMapOvr>
+  <p:timing>
+    <p:tnLst>
+      <p:par>
+        <p:cTn id="1" dur="indefinite" restart="never" nodeType="tmRoot"/>
+      </p:par>
+    </p:tnLst>
+  </p:timing>
+</p:sld>
+</file>
+
+<file path=ppt/slides/slide11.xml><?xml version="1.0" encoding="utf-8"?>
+<p:sld xmlns:a="http://schemas.openxmlformats.org/drawingml/2006/main" xmlns:r="http://schemas.openxmlformats.org/officeDocument/2006/relationships" xmlns:p="http://schemas.openxmlformats.org/presentationml/2006/main">
+  <p:cSld>
+    <p:spTree>
+      <p:nvGrpSpPr>
+        <p:cNvPr id="1" name=""/>
+        <p:cNvGrpSpPr/>
+        <p:nvPr/>
+      </p:nvGrpSpPr>
+      <p:grpSpPr>
+        <a:xfrm>
+          <a:off x="0" y="0"/>
+          <a:ext cx="0" cy="0"/>
+          <a:chOff x="0" y="0"/>
+          <a:chExt cx="0" cy="0"/>
+        </a:xfrm>
+      </p:grpSpPr>
+      <p:sp>
+        <p:nvSpPr>
+          <p:cNvPr id="2" name="Título 1"/>
+          <p:cNvSpPr>
+            <a:spLocks noGrp="1"/>
+          </p:cNvSpPr>
+          <p:nvPr>
+            <p:ph type="title"/>
+          </p:nvPr>
+        </p:nvSpPr>
+        <p:spPr/>
+        <p:txBody>
+          <a:bodyPr/>
+          <a:lstStyle/>
+          <a:p>
+            <a:pPr algn="ctr"/>
+            <a:r>
+              <a:rPr kumimoji="0" lang="pt-BR" altLang="pt-BR" b="1" i="1" u="none" strike="noStrike" cap="none" normalizeH="0" baseline="0" dirty="0" smtClean="0">
+                <a:ln>
+                  <a:noFill/>
+                </a:ln>
+                <a:solidFill>
+                  <a:srgbClr val="79610D"/>
+                </a:solidFill>
+                <a:effectLst/>
+                <a:latin typeface="Arial" panose="020B0604020202020204" pitchFamily="34" charset="0"/>
+                <a:ea typeface="Times New Roman" panose="02020603050405020304" pitchFamily="18" charset="0"/>
+                <a:cs typeface="Comic Sans MS" panose="030F0702030302020204" pitchFamily="66" charset="0"/>
+              </a:rPr>
+              <a:t>Ruído </a:t>
+            </a:r>
+            <a:r>
+              <a:rPr kumimoji="0" lang="pt-BR" altLang="pt-BR" b="1" i="1" u="none" strike="noStrike" cap="none" normalizeH="0" baseline="0" dirty="0" err="1" smtClean="0">
+                <a:ln>
+                  <a:noFill/>
+                </a:ln>
+                <a:solidFill>
+                  <a:srgbClr val="79610D"/>
+                </a:solidFill>
+                <a:effectLst/>
+                <a:latin typeface="Arial" panose="020B0604020202020204" pitchFamily="34" charset="0"/>
+                <a:ea typeface="Times New Roman" panose="02020603050405020304" pitchFamily="18" charset="0"/>
+                <a:cs typeface="Comic Sans MS" panose="030F0702030302020204" pitchFamily="66" charset="0"/>
+              </a:rPr>
+              <a:t>Crosstalk</a:t>
+            </a:r>
+            <a:endParaRPr lang="pt-BR" dirty="0"/>
+          </a:p>
+        </p:txBody>
+      </p:sp>
+      <p:sp>
+        <p:nvSpPr>
+          <p:cNvPr id="3" name="Espaço Reservado para Conteúdo 2"/>
+          <p:cNvSpPr>
+            <a:spLocks noGrp="1"/>
+          </p:cNvSpPr>
+          <p:nvPr>
+            <p:ph idx="1"/>
+          </p:nvPr>
+        </p:nvSpPr>
+        <p:spPr/>
+        <p:txBody>
+          <a:bodyPr/>
+          <a:lstStyle/>
+          <a:p>
+            <a:r>
+              <a:rPr lang="pt-BR" sz="3200" b="1" dirty="0" err="1" smtClean="0">
+                <a:solidFill>
+                  <a:schemeClr val="bg1"/>
+                </a:solidFill>
+              </a:rPr>
+              <a:t>Crosstalk</a:t>
+            </a:r>
+            <a:r>
+              <a:rPr lang="pt-BR" sz="3200" dirty="0">
+                <a:solidFill>
+                  <a:schemeClr val="bg1"/>
+                </a:solidFill>
+              </a:rPr>
+              <a:t> ou </a:t>
+            </a:r>
+            <a:r>
+              <a:rPr lang="pt-BR" sz="3200" dirty="0" err="1">
+                <a:solidFill>
+                  <a:schemeClr val="bg1"/>
+                </a:solidFill>
+              </a:rPr>
+              <a:t>diafonia</a:t>
+            </a:r>
+            <a:r>
+              <a:rPr lang="pt-BR" sz="3200" dirty="0">
+                <a:solidFill>
+                  <a:schemeClr val="bg1"/>
+                </a:solidFill>
+              </a:rPr>
+              <a:t> é a </a:t>
+            </a:r>
+            <a:r>
+              <a:rPr lang="pt-BR" sz="3200" dirty="0" smtClean="0">
+                <a:solidFill>
+                  <a:schemeClr val="bg1"/>
+                </a:solidFill>
+              </a:rPr>
+              <a:t>interferência </a:t>
+            </a:r>
+            <a:r>
+              <a:rPr lang="pt-BR" sz="3200" dirty="0">
+                <a:solidFill>
+                  <a:schemeClr val="bg1"/>
+                </a:solidFill>
+              </a:rPr>
+              <a:t> indesejada que um canal de transmissão causa em outro. Foi observado pela primeira vez durante a </a:t>
+            </a:r>
+            <a:r>
+              <a:rPr lang="pt-BR" sz="3200" dirty="0" smtClean="0">
+                <a:solidFill>
+                  <a:schemeClr val="bg1"/>
+                </a:solidFill>
+              </a:rPr>
+              <a:t>Segunda Guerra Mundial, </a:t>
+            </a:r>
+            <a:r>
+              <a:rPr lang="pt-BR" sz="3200" dirty="0">
+                <a:solidFill>
+                  <a:schemeClr val="bg1"/>
+                </a:solidFill>
+              </a:rPr>
+              <a:t>devido à grande quantidade de transmissões que eram feitas na </a:t>
+            </a:r>
+            <a:r>
+              <a:rPr lang="pt-BR" sz="3200" dirty="0" smtClean="0">
+                <a:solidFill>
+                  <a:schemeClr val="bg1"/>
+                </a:solidFill>
+              </a:rPr>
+              <a:t>época. Essa </a:t>
+            </a:r>
+            <a:r>
+              <a:rPr lang="pt-BR" sz="3200" dirty="0">
+                <a:solidFill>
+                  <a:schemeClr val="bg1"/>
+                </a:solidFill>
+              </a:rPr>
+              <a:t>interferência é criada por um </a:t>
+            </a:r>
+            <a:r>
+              <a:rPr lang="pt-BR" sz="3200" dirty="0" smtClean="0">
+                <a:solidFill>
+                  <a:schemeClr val="bg1"/>
+                </a:solidFill>
+              </a:rPr>
+              <a:t>curto-circuito</a:t>
+            </a:r>
+            <a:r>
+              <a:rPr lang="pt-BR" sz="3200" dirty="0">
+                <a:solidFill>
+                  <a:schemeClr val="bg1"/>
+                </a:solidFill>
+              </a:rPr>
+              <a:t> ou a junção indutiva entre essas duas linhas independentes.</a:t>
+            </a:r>
+          </a:p>
+          <a:p>
+            <a:endParaRPr lang="pt-BR" dirty="0"/>
+          </a:p>
+        </p:txBody>
+      </p:sp>
+    </p:spTree>
+    <p:extLst>
+      <p:ext uri="{BB962C8B-B14F-4D97-AF65-F5344CB8AC3E}">
+        <p14:creationId xmlns:p14="http://schemas.microsoft.com/office/powerpoint/2010/main" val="2812375822"/>
+      </p:ext>
+    </p:extLst>
+  </p:cSld>
+  <p:clrMapOvr>
+    <a:masterClrMapping/>
+  </p:clrMapOvr>
+  <p:timing>
+    <p:tnLst>
+      <p:par>
+        <p:cTn id="1" dur="indefinite" restart="never" nodeType="tmRoot"/>
+      </p:par>
+    </p:tnLst>
+  </p:timing>
+</p:sld>
+</file>
+
+<file path=ppt/slides/slide12.xml><?xml version="1.0" encoding="utf-8"?>
+<p:sld xmlns:a="http://schemas.openxmlformats.org/drawingml/2006/main" xmlns:r="http://schemas.openxmlformats.org/officeDocument/2006/relationships" xmlns:p="http://schemas.openxmlformats.org/presentationml/2006/main">
+  <p:cSld>
+    <p:spTree>
+      <p:nvGrpSpPr>
+        <p:cNvPr id="1" name=""/>
+        <p:cNvGrpSpPr/>
+        <p:nvPr/>
+      </p:nvGrpSpPr>
+      <p:grpSpPr>
+        <a:xfrm>
+          <a:off x="0" y="0"/>
+          <a:ext cx="0" cy="0"/>
+          <a:chOff x="0" y="0"/>
+          <a:chExt cx="0" cy="0"/>
+        </a:xfrm>
+      </p:grpSpPr>
+      <p:sp>
+        <p:nvSpPr>
+          <p:cNvPr id="2" name="Título 1"/>
+          <p:cNvSpPr>
+            <a:spLocks noGrp="1"/>
+          </p:cNvSpPr>
+          <p:nvPr>
+            <p:ph type="title"/>
+          </p:nvPr>
+        </p:nvSpPr>
+        <p:spPr/>
+        <p:txBody>
+          <a:bodyPr/>
+          <a:lstStyle/>
+          <a:p>
+            <a:pPr algn="ctr"/>
+            <a:r>
+              <a:rPr kumimoji="0" lang="pt-BR" altLang="pt-BR" b="1" i="1" u="none" strike="noStrike" cap="none" normalizeH="0" baseline="0" dirty="0" smtClean="0">
+                <a:ln>
+                  <a:noFill/>
+                </a:ln>
+                <a:solidFill>
+                  <a:srgbClr val="79610D"/>
+                </a:solidFill>
+                <a:effectLst/>
+                <a:latin typeface="Arial" panose="020B0604020202020204" pitchFamily="34" charset="0"/>
+                <a:ea typeface="Times New Roman" panose="02020603050405020304" pitchFamily="18" charset="0"/>
+                <a:cs typeface="Comic Sans MS" panose="030F0702030302020204" pitchFamily="66" charset="0"/>
+              </a:rPr>
+              <a:t>Ruído </a:t>
+            </a:r>
+            <a:r>
+              <a:rPr kumimoji="0" lang="pt-BR" altLang="pt-BR" b="1" i="1" u="none" strike="noStrike" cap="none" normalizeH="0" baseline="0" dirty="0" err="1" smtClean="0">
+                <a:ln>
+                  <a:noFill/>
+                </a:ln>
+                <a:solidFill>
+                  <a:srgbClr val="79610D"/>
+                </a:solidFill>
+                <a:effectLst/>
+                <a:latin typeface="Arial" panose="020B0604020202020204" pitchFamily="34" charset="0"/>
+                <a:ea typeface="Times New Roman" panose="02020603050405020304" pitchFamily="18" charset="0"/>
+                <a:cs typeface="Comic Sans MS" panose="030F0702030302020204" pitchFamily="66" charset="0"/>
+              </a:rPr>
+              <a:t>Crosstalk</a:t>
+            </a:r>
+            <a:endParaRPr lang="pt-BR" dirty="0"/>
+          </a:p>
+        </p:txBody>
+      </p:sp>
+      <p:sp>
+        <p:nvSpPr>
+          <p:cNvPr id="3" name="Espaço Reservado para Conteúdo 2"/>
+          <p:cNvSpPr>
+            <a:spLocks noGrp="1"/>
+          </p:cNvSpPr>
+          <p:nvPr>
+            <p:ph idx="1"/>
+          </p:nvPr>
+        </p:nvSpPr>
+        <p:spPr/>
+        <p:txBody>
+          <a:bodyPr/>
+          <a:lstStyle/>
+          <a:p>
+            <a:r>
+              <a:rPr lang="pt-BR" sz="3600" dirty="0">
+                <a:solidFill>
+                  <a:schemeClr val="bg1"/>
+                </a:solidFill>
+              </a:rPr>
+              <a:t>Em </a:t>
+            </a:r>
+            <a:r>
+              <a:rPr lang="pt-BR" sz="3600" dirty="0" smtClean="0">
+                <a:solidFill>
+                  <a:schemeClr val="bg1"/>
+                </a:solidFill>
+              </a:rPr>
+              <a:t>eletrônica,</a:t>
+            </a:r>
+            <a:r>
+              <a:rPr lang="pt-BR" sz="3600" dirty="0">
+                <a:solidFill>
+                  <a:schemeClr val="bg1"/>
+                </a:solidFill>
+              </a:rPr>
+              <a:t> </a:t>
+            </a:r>
+            <a:r>
+              <a:rPr lang="pt-BR" sz="3600" i="1" dirty="0" err="1">
+                <a:solidFill>
+                  <a:schemeClr val="bg1"/>
+                </a:solidFill>
+              </a:rPr>
+              <a:t>crosstalk</a:t>
+            </a:r>
+            <a:r>
+              <a:rPr lang="pt-BR" sz="3600" dirty="0">
+                <a:solidFill>
+                  <a:schemeClr val="bg1"/>
+                </a:solidFill>
+              </a:rPr>
+              <a:t> é qualquer fenômeno em que um sinal transmitido em um circuito ou canal de um sistema de transmissão cria um efeito indesejado em outro circuito ou canal. </a:t>
+            </a:r>
+            <a:r>
+              <a:rPr lang="pt-BR" sz="3600" i="1" dirty="0" err="1">
+                <a:solidFill>
+                  <a:schemeClr val="bg1"/>
+                </a:solidFill>
+              </a:rPr>
+              <a:t>Crosstalk</a:t>
+            </a:r>
+            <a:r>
+              <a:rPr lang="pt-BR" sz="3600" dirty="0">
+                <a:solidFill>
+                  <a:schemeClr val="bg1"/>
+                </a:solidFill>
+              </a:rPr>
+              <a:t> é normalmente causado por capacitâncias, indutâncias ou conexão condutiva com um circuito ou canal — todas indesejadas.</a:t>
+            </a:r>
+          </a:p>
+          <a:p>
+            <a:endParaRPr lang="pt-BR" dirty="0"/>
+          </a:p>
+        </p:txBody>
+      </p:sp>
+    </p:spTree>
+    <p:extLst>
+      <p:ext uri="{BB962C8B-B14F-4D97-AF65-F5344CB8AC3E}">
+        <p14:creationId xmlns:p14="http://schemas.microsoft.com/office/powerpoint/2010/main" val="1745089375"/>
+      </p:ext>
+    </p:extLst>
+  </p:cSld>
+  <p:clrMapOvr>
+    <a:masterClrMapping/>
+  </p:clrMapOvr>
+  <p:timing>
+    <p:tnLst>
+      <p:par>
+        <p:cTn id="1" dur="indefinite" restart="never" nodeType="tmRoot"/>
+      </p:par>
+    </p:tnLst>
+  </p:timing>
+</p:sld>
+</file>
+
+<file path=ppt/slides/slide13.xml><?xml version="1.0" encoding="utf-8"?>
+<p:sld xmlns:a="http://schemas.openxmlformats.org/drawingml/2006/main" xmlns:r="http://schemas.openxmlformats.org/officeDocument/2006/relationships" xmlns:p="http://schemas.openxmlformats.org/presentationml/2006/main">
+  <p:cSld>
+    <p:spTree>
+      <p:nvGrpSpPr>
+        <p:cNvPr id="1" name=""/>
+        <p:cNvGrpSpPr/>
+        <p:nvPr/>
+      </p:nvGrpSpPr>
+      <p:grpSpPr>
+        <a:xfrm>
+          <a:off x="0" y="0"/>
+          <a:ext cx="0" cy="0"/>
+          <a:chOff x="0" y="0"/>
+          <a:chExt cx="0" cy="0"/>
+        </a:xfrm>
+      </p:grpSpPr>
+      <p:sp>
+        <p:nvSpPr>
+          <p:cNvPr id="2" name="Título 1"/>
+          <p:cNvSpPr>
+            <a:spLocks noGrp="1"/>
+          </p:cNvSpPr>
+          <p:nvPr>
+            <p:ph type="title"/>
+          </p:nvPr>
+        </p:nvSpPr>
+        <p:spPr/>
+        <p:txBody>
+          <a:bodyPr/>
+          <a:lstStyle/>
+          <a:p>
+            <a:pPr algn="ctr"/>
+            <a:r>
+              <a:rPr kumimoji="0" lang="pt-BR" altLang="pt-BR" b="1" i="1" u="none" strike="noStrike" cap="none" normalizeH="0" baseline="0" dirty="0" smtClean="0">
+                <a:ln>
+                  <a:noFill/>
+                </a:ln>
+                <a:solidFill>
+                  <a:srgbClr val="79610D"/>
+                </a:solidFill>
+                <a:effectLst/>
+                <a:latin typeface="Arial" panose="020B0604020202020204" pitchFamily="34" charset="0"/>
+                <a:ea typeface="Times New Roman" panose="02020603050405020304" pitchFamily="18" charset="0"/>
+                <a:cs typeface="Comic Sans MS" panose="030F0702030302020204" pitchFamily="66" charset="0"/>
+              </a:rPr>
               <a:t>Ruído </a:t>
             </a:r>
             <a:r>
@@ -3265,7 +4039,7 @@
 </p:sld>
 </file>
 
-<file path=ppt/slides/slide11.xml><?xml version="1.0" encoding="utf-8"?>
+<file path=ppt/slides/slide14.xml><?xml version="1.0" encoding="utf-8"?>
 <p:sld xmlns:a="http://schemas.openxmlformats.org/drawingml/2006/main" xmlns:r="http://schemas.openxmlformats.org/officeDocument/2006/relationships" xmlns:p="http://schemas.openxmlformats.org/presentationml/2006/main">
   <p:cSld>
     <p:spTree>
@@ -3321,7 +4095,12 @@
             <p:ph idx="1"/>
           </p:nvPr>
         </p:nvSpPr>
-        <p:spPr/>
+        <p:spPr>
+          <a:xfrm>
+            <a:off x="1676400" y="2124390"/>
+            <a:ext cx="10515600" cy="4351338"/>
+          </a:xfrm>
+        </p:spPr>
         <p:txBody>
           <a:bodyPr/>
           <a:lstStyle/>
@@ -4029,6 +4808,22 @@
           <a:bodyPr/>
           <a:lstStyle/>
           <a:p>
+            <a:pPr marL="0" indent="0">
+              <a:buNone/>
+            </a:pPr>
+            <a:r>
+              <a:rPr lang="pt-BR" dirty="0">
+                <a:solidFill>
+                  <a:schemeClr val="bg1"/>
+                </a:solidFill>
+              </a:rPr>
+              <a:t>O ruído impulsivo pode ser descrito como um processo caracterizado por rajadas de um ou vários pequenos pulsos sendo que a amplitude, a duração e o intervalo de tempo ocorrem aleatoriamente.</a:t>
+            </a:r>
+          </a:p>
+          <a:p>
+            <a:pPr marL="0" indent="0">
+              <a:buNone/>
+            </a:pPr>
             <a:endParaRPr lang="pt-BR" dirty="0"/>
           </a:p>
         </p:txBody>
@@ -4148,7 +4943,42 @@
       </p:grpSpPr>
       <p:sp>
         <p:nvSpPr>
-          <p:cNvPr id="2" name="Título 1"/>
+          <p:cNvPr id="3" name="Espaço Reservado para Conteúdo 2"/>
+          <p:cNvSpPr>
+            <a:spLocks noGrp="1"/>
+          </p:cNvSpPr>
+          <p:nvPr>
+            <p:ph idx="1"/>
+          </p:nvPr>
+        </p:nvSpPr>
+        <p:spPr/>
+        <p:txBody>
+          <a:bodyPr/>
+          <a:lstStyle/>
+          <a:p>
+            <a:pPr marL="0" indent="0">
+              <a:buNone/>
+            </a:pPr>
+            <a:r>
+              <a:rPr lang="pt-BR" dirty="0">
+                <a:solidFill>
+                  <a:schemeClr val="bg1"/>
+                </a:solidFill>
+              </a:rPr>
+              <a:t>Funciona em forma de impulsos irregulares de grande amplitude, o que torna difícil a prevenção. A duração desses impulsos pode variar de alguns até centenas de mil segundos. É provocado por distúrbios elétricos externos ou por falhas em equipamentos. </a:t>
+            </a:r>
+          </a:p>
+          <a:p>
+            <a:pPr marL="0" indent="0">
+              <a:buNone/>
+            </a:pPr>
+            <a:endParaRPr lang="pt-BR" dirty="0"/>
+          </a:p>
+        </p:txBody>
+      </p:sp>
+      <p:sp>
+        <p:nvSpPr>
+          <p:cNvPr id="6" name="Título 5"/>
           <p:cNvSpPr>
             <a:spLocks noGrp="1"/>
           </p:cNvSpPr>
@@ -4161,54 +4991,63 @@
           <a:bodyPr/>
           <a:lstStyle/>
           <a:p>
+            <a:endParaRPr lang="pt-BR"/>
+          </a:p>
+        </p:txBody>
+      </p:sp>
+      <p:sp>
+        <p:nvSpPr>
+          <p:cNvPr id="7" name="Título 1"/>
+          <p:cNvSpPr txBox="1">
+            <a:spLocks/>
+          </p:cNvSpPr>
+          <p:nvPr/>
+        </p:nvSpPr>
+        <p:spPr>
+          <a:xfrm>
+            <a:off x="990600" y="517525"/>
+            <a:ext cx="10515600" cy="1325563"/>
+          </a:xfrm>
+          <a:prstGeom prst="rect">
+            <a:avLst/>
+          </a:prstGeom>
+        </p:spPr>
+        <p:txBody>
+          <a:bodyPr vert="horz" lIns="91440" tIns="45720" rIns="91440" bIns="45720" rtlCol="0" anchor="ctr">
+            <a:normAutofit/>
+          </a:bodyPr>
+          <a:lstStyle>
+            <a:lvl1pPr algn="l" defTabSz="914400" rtl="0" eaLnBrk="1" latinLnBrk="0" hangingPunct="1">
+              <a:lnSpc>
+                <a:spcPct val="90000"/>
+              </a:lnSpc>
+              <a:spcBef>
+                <a:spcPct val="0"/>
+              </a:spcBef>
+              <a:buNone/>
+              <a:defRPr sz="4400" kern="1200">
+                <a:solidFill>
+                  <a:schemeClr val="tx1"/>
+                </a:solidFill>
+                <a:latin typeface="+mj-lt"/>
+                <a:ea typeface="+mj-ea"/>
+                <a:cs typeface="+mj-cs"/>
+              </a:defRPr>
+            </a:lvl1pPr>
+          </a:lstStyle>
+          <a:p>
             <a:pPr algn="ctr"/>
             <a:r>
-              <a:rPr kumimoji="0" lang="pt-BR" altLang="pt-BR" b="1" i="1" u="none" strike="noStrike" cap="none" normalizeH="0" baseline="0" dirty="0" smtClean="0">
-                <a:ln>
-                  <a:noFill/>
-                </a:ln>
+              <a:rPr lang="pt-BR" altLang="pt-BR" b="1" i="1" dirty="0" smtClean="0">
                 <a:solidFill>
                   <a:srgbClr val="79610D"/>
                 </a:solidFill>
-                <a:effectLst/>
                 <a:latin typeface="Arial" panose="020B0604020202020204" pitchFamily="34" charset="0"/>
                 <a:ea typeface="Times New Roman" panose="02020603050405020304" pitchFamily="18" charset="0"/>
                 <a:cs typeface="Comic Sans MS" panose="030F0702030302020204" pitchFamily="66" charset="0"/>
               </a:rPr>
-              <a:t>Ruído Térmico</a:t>
-            </a:r>
-            <a:endParaRPr lang="pt-BR" dirty="0"/>
-          </a:p>
-        </p:txBody>
-      </p:sp>
-      <p:sp>
-        <p:nvSpPr>
-          <p:cNvPr id="3" name="Espaço Reservado para Conteúdo 2"/>
-          <p:cNvSpPr>
-            <a:spLocks noGrp="1"/>
-          </p:cNvSpPr>
-          <p:nvPr>
-            <p:ph idx="1"/>
-          </p:nvPr>
-        </p:nvSpPr>
-        <p:spPr/>
-        <p:txBody>
-          <a:bodyPr/>
-          <a:lstStyle/>
-          <a:p>
-            <a:pPr marL="0" indent="0">
-              <a:buNone/>
-            </a:pPr>
-            <a:r>
-              <a:rPr lang="pt-BR" dirty="0">
-                <a:solidFill>
-                  <a:schemeClr val="bg1"/>
-                </a:solidFill>
-              </a:rPr>
-              <a:t>O ruído aleatório nos elementos passivos é denominado ruído térmico, pois está inteiramente associado a temperatura absoluta. O ruído térmico é uma espécie de ruído branco gerado pela movimentação dos elétrons livres em um meio condutor. Um dos casos mais característicos de ruído térmico é aquele gerado pelos resistores metálicos.</a:t>
-            </a:r>
-          </a:p>
-          <a:p>
+              <a:t>Ruído Impulsivo</a:t>
+            </a:r>
             <a:endParaRPr lang="pt-BR" dirty="0"/>
           </a:p>
         </p:txBody>
@@ -4216,7 +5055,7 @@
     </p:spTree>
     <p:extLst>
       <p:ext uri="{BB962C8B-B14F-4D97-AF65-F5344CB8AC3E}">
-        <p14:creationId xmlns:p14="http://schemas.microsoft.com/office/powerpoint/2010/main" val="1114261445"/>
+        <p14:creationId xmlns:p14="http://schemas.microsoft.com/office/powerpoint/2010/main" val="277862129"/>
       </p:ext>
     </p:extLst>
   </p:cSld>
@@ -4252,7 +5091,39 @@
       </p:grpSpPr>
       <p:sp>
         <p:nvSpPr>
-          <p:cNvPr id="2" name="Título 1"/>
+          <p:cNvPr id="3" name="Espaço Reservado para Conteúdo 2"/>
+          <p:cNvSpPr>
+            <a:spLocks noGrp="1"/>
+          </p:cNvSpPr>
+          <p:nvPr>
+            <p:ph idx="1"/>
+          </p:nvPr>
+        </p:nvSpPr>
+        <p:spPr/>
+        <p:txBody>
+          <a:bodyPr>
+            <a:normAutofit/>
+          </a:bodyPr>
+          <a:lstStyle/>
+          <a:p>
+            <a:pPr marL="0" indent="0">
+              <a:buNone/>
+            </a:pPr>
+            <a:r>
+              <a:rPr lang="pt-BR" dirty="0">
+                <a:solidFill>
+                  <a:schemeClr val="bg1"/>
+                </a:solidFill>
+              </a:rPr>
+              <a:t>Os efeitos do ruído impulsivo podem afetar consideravelmente o desempenho dos sistemas de comunicações e seu comportamento não estacionário faz com que seja mais difícil analisa-lo. As fontes geradoras desse tipo de ruído são numerosas e diferem de uma situação para outra. O ruído impulsivo pode ser natural, devido a fenômenos atmosféricos, como descargas de raios, ou artificial. </a:t>
+            </a:r>
+            <a:endParaRPr lang="pt-BR" dirty="0"/>
+          </a:p>
+        </p:txBody>
+      </p:sp>
+      <p:sp>
+        <p:nvSpPr>
+          <p:cNvPr id="6" name="Título 5"/>
           <p:cNvSpPr>
             <a:spLocks noGrp="1"/>
           </p:cNvSpPr>
@@ -4265,89 +5136,63 @@
           <a:bodyPr/>
           <a:lstStyle/>
           <a:p>
+            <a:endParaRPr lang="pt-BR"/>
+          </a:p>
+        </p:txBody>
+      </p:sp>
+      <p:sp>
+        <p:nvSpPr>
+          <p:cNvPr id="7" name="Título 1"/>
+          <p:cNvSpPr txBox="1">
+            <a:spLocks/>
+          </p:cNvSpPr>
+          <p:nvPr/>
+        </p:nvSpPr>
+        <p:spPr>
+          <a:xfrm>
+            <a:off x="990600" y="517525"/>
+            <a:ext cx="10515600" cy="1325563"/>
+          </a:xfrm>
+          <a:prstGeom prst="rect">
+            <a:avLst/>
+          </a:prstGeom>
+        </p:spPr>
+        <p:txBody>
+          <a:bodyPr vert="horz" lIns="91440" tIns="45720" rIns="91440" bIns="45720" rtlCol="0" anchor="ctr">
+            <a:normAutofit/>
+          </a:bodyPr>
+          <a:lstStyle>
+            <a:lvl1pPr algn="l" defTabSz="914400" rtl="0" eaLnBrk="1" latinLnBrk="0" hangingPunct="1">
+              <a:lnSpc>
+                <a:spcPct val="90000"/>
+              </a:lnSpc>
+              <a:spcBef>
+                <a:spcPct val="0"/>
+              </a:spcBef>
+              <a:buNone/>
+              <a:defRPr sz="4400" kern="1200">
+                <a:solidFill>
+                  <a:schemeClr val="tx1"/>
+                </a:solidFill>
+                <a:latin typeface="+mj-lt"/>
+                <a:ea typeface="+mj-ea"/>
+                <a:cs typeface="+mj-cs"/>
+              </a:defRPr>
+            </a:lvl1pPr>
+          </a:lstStyle>
+          <a:p>
             <a:pPr algn="ctr"/>
             <a:r>
-              <a:rPr kumimoji="0" lang="pt-BR" altLang="pt-BR" b="1" i="1" u="none" strike="noStrike" cap="none" normalizeH="0" baseline="0" dirty="0" smtClean="0">
-                <a:ln>
-                  <a:noFill/>
-                </a:ln>
+              <a:rPr lang="pt-BR" altLang="pt-BR" b="1" i="1" dirty="0" smtClean="0">
                 <a:solidFill>
                   <a:srgbClr val="79610D"/>
                 </a:solidFill>
-                <a:effectLst/>
                 <a:latin typeface="Arial" panose="020B0604020202020204" pitchFamily="34" charset="0"/>
                 <a:ea typeface="Times New Roman" panose="02020603050405020304" pitchFamily="18" charset="0"/>
                 <a:cs typeface="Comic Sans MS" panose="030F0702030302020204" pitchFamily="66" charset="0"/>
               </a:rPr>
-              <a:t>Ruído Térmico</a:t>
-            </a:r>
-            <a:endParaRPr lang="pt-BR" dirty="0"/>
-          </a:p>
-        </p:txBody>
-      </p:sp>
-      <p:sp>
-        <p:nvSpPr>
-          <p:cNvPr id="3" name="Espaço Reservado para Conteúdo 2"/>
-          <p:cNvSpPr>
-            <a:spLocks noGrp="1"/>
-          </p:cNvSpPr>
-          <p:nvPr>
-            <p:ph idx="1"/>
-          </p:nvPr>
-        </p:nvSpPr>
-        <p:spPr/>
-        <p:txBody>
-          <a:bodyPr/>
-          <a:lstStyle/>
-          <a:p>
-            <a:pPr marL="0" indent="0">
-              <a:buNone/>
-            </a:pPr>
-            <a:r>
-              <a:rPr lang="pt-BR" dirty="0">
-                <a:solidFill>
-                  <a:schemeClr val="bg1"/>
-                </a:solidFill>
-              </a:rPr>
-              <a:t>As flutuações dos elétrons, em função da agitação térmica, apresentam movimento aleatório, gerando, assim, uma potência de ruído pequena, embora básica. Os elétrons, como um todo, não apresentam direção de deslocamento preferencial, embora, se este for observado em intervalos de tempo muito pequenos, pode-se notar uma pequena força resultante do deslocamento destes elétrons, que produz corrente elétrica </a:t>
-            </a:r>
-            <a:r>
-              <a:rPr lang="pt-BR" dirty="0" err="1">
-                <a:solidFill>
-                  <a:schemeClr val="bg1"/>
-                </a:solidFill>
-              </a:rPr>
-              <a:t>instântanea</a:t>
-            </a:r>
-            <a:r>
-              <a:rPr lang="pt-BR" dirty="0">
-                <a:solidFill>
-                  <a:schemeClr val="bg1"/>
-                </a:solidFill>
-              </a:rPr>
-              <a:t> que apesar de muito pequena, apresenta variações. O ruído térmico apresenta aspecto praticamente constante para extensa faixa espectral para frequências de até 10.000 </a:t>
-            </a:r>
-            <a:r>
-              <a:rPr lang="pt-BR" dirty="0" err="1">
-                <a:solidFill>
-                  <a:schemeClr val="bg1"/>
-                </a:solidFill>
-              </a:rPr>
-              <a:t>Ghz</a:t>
-            </a:r>
-            <a:r>
-              <a:rPr lang="pt-BR" dirty="0">
-                <a:solidFill>
-                  <a:schemeClr val="bg1"/>
-                </a:solidFill>
-              </a:rPr>
-              <a:t>.</a:t>
-            </a:r>
-          </a:p>
-          <a:p>
-            <a:pPr marL="0" indent="0">
-              <a:buNone/>
-            </a:pPr>
+              <a:t>Ruído Impulsivo</a:t>
+            </a:r>
             <a:endParaRPr lang="pt-BR" dirty="0"/>
           </a:p>
         </p:txBody>
@@ -4355,7 +5200,7 @@
     </p:spTree>
     <p:extLst>
       <p:ext uri="{BB962C8B-B14F-4D97-AF65-F5344CB8AC3E}">
-        <p14:creationId xmlns:p14="http://schemas.microsoft.com/office/powerpoint/2010/main" val="613519765"/>
+        <p14:creationId xmlns:p14="http://schemas.microsoft.com/office/powerpoint/2010/main" val="3050985032"/>
       </p:ext>
     </p:extLst>
   </p:cSld>
@@ -4391,7 +5236,43 @@
       </p:grpSpPr>
       <p:sp>
         <p:nvSpPr>
-          <p:cNvPr id="2" name="Título 1"/>
+          <p:cNvPr id="3" name="Espaço Reservado para Conteúdo 2"/>
+          <p:cNvSpPr>
+            <a:spLocks noGrp="1"/>
+          </p:cNvSpPr>
+          <p:nvPr>
+            <p:ph idx="1"/>
+          </p:nvPr>
+        </p:nvSpPr>
+        <p:spPr/>
+        <p:txBody>
+          <a:bodyPr>
+            <a:normAutofit/>
+          </a:bodyPr>
+          <a:lstStyle/>
+          <a:p>
+            <a:pPr marL="0" indent="0">
+              <a:buNone/>
+            </a:pPr>
+            <a:r>
+              <a:rPr lang="pt-BR" dirty="0">
+                <a:solidFill>
+                  <a:schemeClr val="bg1"/>
+                </a:solidFill>
+              </a:rPr>
+              <a:t>Ruídos ocasionados por equipamentos elétricos em ambientes fabris, lâmpadas fluorescentes e incandescentes, interruptores sendo acionados, ruídos de sistemas de ignição de automóveis, descargas eletrostáticas e transientes geradas pelas operações de comutação causados por reles analógicos em redes telefônicas, por exemplo, são de natureza impulsiva. </a:t>
+            </a:r>
+            <a:endParaRPr lang="pt-BR" dirty="0">
+              <a:solidFill>
+                <a:schemeClr val="bg1"/>
+              </a:solidFill>
+            </a:endParaRPr>
+          </a:p>
+        </p:txBody>
+      </p:sp>
+      <p:sp>
+        <p:nvSpPr>
+          <p:cNvPr id="6" name="Título 5"/>
           <p:cNvSpPr>
             <a:spLocks noGrp="1"/>
           </p:cNvSpPr>
@@ -4404,361 +5285,71 @@
           <a:bodyPr/>
           <a:lstStyle/>
           <a:p>
-            <a:pPr algn="ctr"/>
-            <a:r>
-              <a:rPr kumimoji="0" lang="pt-BR" altLang="pt-BR" b="1" i="1" u="none" strike="noStrike" cap="none" normalizeH="0" baseline="0" dirty="0" smtClean="0">
-                <a:ln>
-                  <a:noFill/>
-                </a:ln>
-                <a:solidFill>
-                  <a:srgbClr val="79610D"/>
-                </a:solidFill>
-                <a:effectLst/>
-                <a:latin typeface="Arial" panose="020B0604020202020204" pitchFamily="34" charset="0"/>
-                <a:ea typeface="Times New Roman" panose="02020603050405020304" pitchFamily="18" charset="0"/>
-                <a:cs typeface="Comic Sans MS" panose="030F0702030302020204" pitchFamily="66" charset="0"/>
-              </a:rPr>
-              <a:t>Ruído Térmico</a:t>
-            </a:r>
-            <a:endParaRPr lang="pt-BR" dirty="0"/>
-          </a:p>
-        </p:txBody>
-      </p:sp>
-      <p:sp>
-        <p:nvSpPr>
-          <p:cNvPr id="3" name="Espaço Reservado para Conteúdo 2"/>
-          <p:cNvSpPr>
-            <a:spLocks noGrp="1"/>
-          </p:cNvSpPr>
-          <p:nvPr>
-            <p:ph idx="1"/>
-          </p:nvPr>
-        </p:nvSpPr>
-        <p:spPr/>
-        <p:txBody>
-          <a:bodyPr/>
-          <a:lstStyle/>
-          <a:p>
-            <a:pPr marL="0" indent="0" eaLnBrk="0" hangingPunct="0">
-              <a:lnSpc>
-                <a:spcPts val="3130"/>
-              </a:lnSpc>
-              <a:spcAft>
-                <a:spcPts val="0"/>
-              </a:spcAft>
-              <a:buNone/>
-            </a:pPr>
-            <a:r>
-              <a:rPr lang="pt-BR" dirty="0">
-                <a:solidFill>
-                  <a:srgbClr val="FFFFFF"/>
-                </a:solidFill>
-                <a:latin typeface="Constantia" panose="02030602050306030303" pitchFamily="18" charset="0"/>
-                <a:ea typeface="Times New Roman" panose="02020603050405020304" pitchFamily="18" charset="0"/>
-                <a:cs typeface="Constantia" panose="02030602050306030303" pitchFamily="18" charset="0"/>
-              </a:rPr>
-              <a:t>É um ruído gerado pela agitação térmica de cargas </a:t>
-            </a:r>
-            <a:r>
-              <a:rPr lang="pt-BR" dirty="0" smtClean="0">
-                <a:solidFill>
-                  <a:srgbClr val="FFFFFF"/>
-                </a:solidFill>
-                <a:latin typeface="Constantia" panose="02030602050306030303" pitchFamily="18" charset="0"/>
-                <a:ea typeface="Times New Roman" panose="02020603050405020304" pitchFamily="18" charset="0"/>
-                <a:cs typeface="Constantia" panose="02030602050306030303" pitchFamily="18" charset="0"/>
-              </a:rPr>
-              <a:t>no</a:t>
-            </a:r>
-            <a:r>
-              <a:rPr lang="pt-BR" dirty="0" smtClean="0">
-                <a:latin typeface="Comic Sans MS" panose="030F0702030302020204" pitchFamily="66" charset="0"/>
-                <a:ea typeface="Times New Roman" panose="02020603050405020304" pitchFamily="18" charset="0"/>
-                <a:cs typeface="Constantia" panose="02030602050306030303" pitchFamily="18" charset="0"/>
-              </a:rPr>
-              <a:t> </a:t>
-            </a:r>
-            <a:r>
-              <a:rPr lang="pt-BR" dirty="0" smtClean="0">
-                <a:solidFill>
-                  <a:srgbClr val="FFFFFF"/>
-                </a:solidFill>
-                <a:latin typeface="Constantia" panose="02030602050306030303" pitchFamily="18" charset="0"/>
-                <a:ea typeface="Times New Roman" panose="02020603050405020304" pitchFamily="18" charset="0"/>
-                <a:cs typeface="Constantia" panose="02030602050306030303" pitchFamily="18" charset="0"/>
-              </a:rPr>
-              <a:t>interior </a:t>
-            </a:r>
-            <a:r>
-              <a:rPr lang="pt-BR" dirty="0">
-                <a:solidFill>
-                  <a:srgbClr val="FFFFFF"/>
-                </a:solidFill>
-                <a:latin typeface="Constantia" panose="02030602050306030303" pitchFamily="18" charset="0"/>
-                <a:ea typeface="Times New Roman" panose="02020603050405020304" pitchFamily="18" charset="0"/>
-                <a:cs typeface="Constantia" panose="02030602050306030303" pitchFamily="18" charset="0"/>
-              </a:rPr>
-              <a:t>de um condutor elétrico em equilíbrio</a:t>
-            </a:r>
-            <a:r>
-              <a:rPr lang="pt-BR" dirty="0" smtClean="0">
-                <a:solidFill>
-                  <a:srgbClr val="FFFFFF"/>
-                </a:solidFill>
-                <a:latin typeface="Constantia" panose="02030602050306030303" pitchFamily="18" charset="0"/>
-                <a:ea typeface="Times New Roman" panose="02020603050405020304" pitchFamily="18" charset="0"/>
-                <a:cs typeface="Constantia" panose="02030602050306030303" pitchFamily="18" charset="0"/>
-              </a:rPr>
-              <a:t>.</a:t>
-            </a:r>
-          </a:p>
-          <a:p>
-            <a:pPr marL="0" indent="0" eaLnBrk="0" hangingPunct="0">
-              <a:lnSpc>
-                <a:spcPts val="3130"/>
-              </a:lnSpc>
-              <a:spcAft>
-                <a:spcPts val="0"/>
-              </a:spcAft>
-              <a:buNone/>
-            </a:pPr>
-            <a:endParaRPr lang="pt-BR" dirty="0">
-              <a:latin typeface="Comic Sans MS" panose="030F0702030302020204" pitchFamily="66" charset="0"/>
-              <a:ea typeface="Times New Roman" panose="02020603050405020304" pitchFamily="18" charset="0"/>
-              <a:cs typeface="Comic Sans MS" panose="030F0702030302020204" pitchFamily="66" charset="0"/>
-            </a:endParaRPr>
-          </a:p>
-          <a:p>
-            <a:pPr marL="139700" indent="0" eaLnBrk="0" hangingPunct="0">
-              <a:lnSpc>
-                <a:spcPct val="97000"/>
-              </a:lnSpc>
-              <a:spcBef>
-                <a:spcPts val="595"/>
-              </a:spcBef>
-              <a:spcAft>
-                <a:spcPts val="0"/>
-              </a:spcAft>
-              <a:buNone/>
-            </a:pPr>
-            <a:r>
-              <a:rPr lang="pt-BR" dirty="0">
-                <a:solidFill>
-                  <a:srgbClr val="FFFFFF"/>
-                </a:solidFill>
-                <a:latin typeface="Constantia" panose="02030602050306030303" pitchFamily="18" charset="0"/>
-                <a:ea typeface="Times New Roman" panose="02020603050405020304" pitchFamily="18" charset="0"/>
-                <a:cs typeface="Constantia" panose="02030602050306030303" pitchFamily="18" charset="0"/>
-              </a:rPr>
-              <a:t>O</a:t>
-            </a:r>
-            <a:r>
-              <a:rPr lang="pt-BR" spc="-55" dirty="0">
-                <a:solidFill>
-                  <a:srgbClr val="FFFFFF"/>
-                </a:solidFill>
-                <a:latin typeface="Constantia" panose="02030602050306030303" pitchFamily="18" charset="0"/>
-                <a:ea typeface="Times New Roman" panose="02020603050405020304" pitchFamily="18" charset="0"/>
-                <a:cs typeface="Constantia" panose="02030602050306030303" pitchFamily="18" charset="0"/>
-              </a:rPr>
-              <a:t> </a:t>
-            </a:r>
-            <a:r>
-              <a:rPr lang="pt-BR" dirty="0">
-                <a:solidFill>
-                  <a:srgbClr val="FFFFFF"/>
-                </a:solidFill>
-                <a:latin typeface="Constantia" panose="02030602050306030303" pitchFamily="18" charset="0"/>
-                <a:ea typeface="Times New Roman" panose="02020603050405020304" pitchFamily="18" charset="0"/>
-                <a:cs typeface="Constantia" panose="02030602050306030303" pitchFamily="18" charset="0"/>
-              </a:rPr>
-              <a:t>ruído</a:t>
-            </a:r>
-            <a:r>
-              <a:rPr lang="pt-BR" spc="-105" dirty="0">
-                <a:solidFill>
-                  <a:srgbClr val="FFFFFF"/>
-                </a:solidFill>
-                <a:latin typeface="Constantia" panose="02030602050306030303" pitchFamily="18" charset="0"/>
-                <a:ea typeface="Times New Roman" panose="02020603050405020304" pitchFamily="18" charset="0"/>
-                <a:cs typeface="Constantia" panose="02030602050306030303" pitchFamily="18" charset="0"/>
-              </a:rPr>
-              <a:t> </a:t>
-            </a:r>
-            <a:r>
-              <a:rPr lang="pt-BR" spc="-20" dirty="0">
-                <a:solidFill>
-                  <a:srgbClr val="FFFFFF"/>
-                </a:solidFill>
-                <a:latin typeface="Constantia" panose="02030602050306030303" pitchFamily="18" charset="0"/>
-                <a:ea typeface="Times New Roman" panose="02020603050405020304" pitchFamily="18" charset="0"/>
-                <a:cs typeface="Constantia" panose="02030602050306030303" pitchFamily="18" charset="0"/>
-              </a:rPr>
-              <a:t>térmico</a:t>
-            </a:r>
-            <a:r>
-              <a:rPr lang="pt-BR" spc="-150" dirty="0">
-                <a:solidFill>
-                  <a:srgbClr val="FFFFFF"/>
-                </a:solidFill>
-                <a:latin typeface="Constantia" panose="02030602050306030303" pitchFamily="18" charset="0"/>
-                <a:ea typeface="Times New Roman" panose="02020603050405020304" pitchFamily="18" charset="0"/>
-                <a:cs typeface="Constantia" panose="02030602050306030303" pitchFamily="18" charset="0"/>
-              </a:rPr>
-              <a:t> </a:t>
-            </a:r>
-            <a:r>
-              <a:rPr lang="pt-BR" dirty="0">
-                <a:solidFill>
-                  <a:srgbClr val="FFFFFF"/>
-                </a:solidFill>
-                <a:latin typeface="Constantia" panose="02030602050306030303" pitchFamily="18" charset="0"/>
-                <a:ea typeface="Times New Roman" panose="02020603050405020304" pitchFamily="18" charset="0"/>
-                <a:cs typeface="Constantia" panose="02030602050306030303" pitchFamily="18" charset="0"/>
-              </a:rPr>
-              <a:t>é</a:t>
-            </a:r>
-            <a:r>
-              <a:rPr lang="pt-BR" spc="-120" dirty="0">
-                <a:solidFill>
-                  <a:srgbClr val="FFFFFF"/>
-                </a:solidFill>
-                <a:latin typeface="Constantia" panose="02030602050306030303" pitchFamily="18" charset="0"/>
-                <a:ea typeface="Times New Roman" panose="02020603050405020304" pitchFamily="18" charset="0"/>
-                <a:cs typeface="Constantia" panose="02030602050306030303" pitchFamily="18" charset="0"/>
-              </a:rPr>
-              <a:t> </a:t>
-            </a:r>
-            <a:r>
-              <a:rPr lang="pt-BR" spc="-15" dirty="0">
-                <a:solidFill>
-                  <a:srgbClr val="FFFFFF"/>
-                </a:solidFill>
-                <a:latin typeface="Constantia" panose="02030602050306030303" pitchFamily="18" charset="0"/>
-                <a:ea typeface="Times New Roman" panose="02020603050405020304" pitchFamily="18" charset="0"/>
-                <a:cs typeface="Constantia" panose="02030602050306030303" pitchFamily="18" charset="0"/>
-              </a:rPr>
-              <a:t>aproximadamente</a:t>
-            </a:r>
-            <a:r>
-              <a:rPr lang="pt-BR" spc="-75" dirty="0">
-                <a:solidFill>
-                  <a:srgbClr val="FFFFFF"/>
-                </a:solidFill>
-                <a:latin typeface="Constantia" panose="02030602050306030303" pitchFamily="18" charset="0"/>
-                <a:ea typeface="Times New Roman" panose="02020603050405020304" pitchFamily="18" charset="0"/>
-                <a:cs typeface="Constantia" panose="02030602050306030303" pitchFamily="18" charset="0"/>
-              </a:rPr>
-              <a:t> </a:t>
-            </a:r>
-            <a:r>
-              <a:rPr lang="pt-BR" dirty="0">
-                <a:solidFill>
-                  <a:srgbClr val="FFFFFF"/>
-                </a:solidFill>
-                <a:latin typeface="Constantia" panose="02030602050306030303" pitchFamily="18" charset="0"/>
-                <a:ea typeface="Times New Roman" panose="02020603050405020304" pitchFamily="18" charset="0"/>
-                <a:cs typeface="Constantia" panose="02030602050306030303" pitchFamily="18" charset="0"/>
-              </a:rPr>
-              <a:t>igual</a:t>
-            </a:r>
-            <a:r>
-              <a:rPr lang="pt-BR" spc="-80" dirty="0">
-                <a:solidFill>
-                  <a:srgbClr val="FFFFFF"/>
-                </a:solidFill>
-                <a:latin typeface="Constantia" panose="02030602050306030303" pitchFamily="18" charset="0"/>
-                <a:ea typeface="Times New Roman" panose="02020603050405020304" pitchFamily="18" charset="0"/>
-                <a:cs typeface="Constantia" panose="02030602050306030303" pitchFamily="18" charset="0"/>
-              </a:rPr>
-              <a:t> </a:t>
-            </a:r>
-            <a:r>
-              <a:rPr lang="pt-BR" dirty="0">
-                <a:solidFill>
-                  <a:srgbClr val="FFFFFF"/>
-                </a:solidFill>
-                <a:latin typeface="Constantia" panose="02030602050306030303" pitchFamily="18" charset="0"/>
-                <a:ea typeface="Times New Roman" panose="02020603050405020304" pitchFamily="18" charset="0"/>
-                <a:cs typeface="Constantia" panose="02030602050306030303" pitchFamily="18" charset="0"/>
-              </a:rPr>
-              <a:t>ao</a:t>
-            </a:r>
-            <a:r>
-              <a:rPr lang="pt-BR" spc="-120" dirty="0">
-                <a:solidFill>
-                  <a:srgbClr val="FFFFFF"/>
-                </a:solidFill>
-                <a:latin typeface="Constantia" panose="02030602050306030303" pitchFamily="18" charset="0"/>
-                <a:ea typeface="Times New Roman" panose="02020603050405020304" pitchFamily="18" charset="0"/>
-                <a:cs typeface="Constantia" panose="02030602050306030303" pitchFamily="18" charset="0"/>
-              </a:rPr>
-              <a:t> </a:t>
-            </a:r>
-            <a:r>
-              <a:rPr lang="pt-BR" dirty="0">
-                <a:solidFill>
-                  <a:srgbClr val="FFFFFF"/>
-                </a:solidFill>
-                <a:latin typeface="Constantia" panose="02030602050306030303" pitchFamily="18" charset="0"/>
-                <a:ea typeface="Times New Roman" panose="02020603050405020304" pitchFamily="18" charset="0"/>
-                <a:cs typeface="Constantia" panose="02030602050306030303" pitchFamily="18" charset="0"/>
-              </a:rPr>
-              <a:t>ruído </a:t>
-            </a:r>
-            <a:r>
-              <a:rPr lang="pt-BR" spc="-30" dirty="0">
-                <a:solidFill>
-                  <a:srgbClr val="FFFFFF"/>
-                </a:solidFill>
-                <a:latin typeface="Constantia" panose="02030602050306030303" pitchFamily="18" charset="0"/>
-                <a:ea typeface="Times New Roman" panose="02020603050405020304" pitchFamily="18" charset="0"/>
-                <a:cs typeface="Constantia" panose="02030602050306030303" pitchFamily="18" charset="0"/>
-              </a:rPr>
-              <a:t>branco.</a:t>
-            </a:r>
-            <a:endParaRPr lang="pt-BR" dirty="0">
-              <a:latin typeface="Comic Sans MS" panose="030F0702030302020204" pitchFamily="66" charset="0"/>
-              <a:ea typeface="Times New Roman" panose="02020603050405020304" pitchFamily="18" charset="0"/>
-              <a:cs typeface="Comic Sans MS" panose="030F0702030302020204" pitchFamily="66" charset="0"/>
-            </a:endParaRPr>
-          </a:p>
-          <a:p>
-            <a:pPr marL="0" indent="0">
-              <a:buNone/>
-            </a:pPr>
-            <a:endParaRPr lang="pt-BR" dirty="0"/>
-          </a:p>
-        </p:txBody>
-      </p:sp>
-      <p:pic>
-        <p:nvPicPr>
-          <p:cNvPr id="4" name="Imagem 3"/>
-          <p:cNvPicPr>
-            <a:picLocks noChangeAspect="1"/>
-          </p:cNvPicPr>
+            <a:endParaRPr lang="pt-BR"/>
+          </a:p>
+        </p:txBody>
+      </p:sp>
+      <p:sp>
+        <p:nvSpPr>
+          <p:cNvPr id="7" name="Título 1"/>
+          <p:cNvSpPr txBox="1">
+            <a:spLocks/>
+          </p:cNvSpPr>
           <p:nvPr/>
-        </p:nvPicPr>
-        <p:blipFill>
-          <a:blip r:embed="rId2"/>
-          <a:stretch>
-            <a:fillRect/>
-          </a:stretch>
-        </p:blipFill>
+        </p:nvSpPr>
         <p:spPr>
           <a:xfrm>
-            <a:off x="3878373" y="3805238"/>
-            <a:ext cx="3638550" cy="2371725"/>
+            <a:off x="990600" y="517525"/>
+            <a:ext cx="10515600" cy="1325563"/>
           </a:xfrm>
           <a:prstGeom prst="rect">
             <a:avLst/>
           </a:prstGeom>
         </p:spPr>
-      </p:pic>
+        <p:txBody>
+          <a:bodyPr vert="horz" lIns="91440" tIns="45720" rIns="91440" bIns="45720" rtlCol="0" anchor="ctr">
+            <a:normAutofit/>
+          </a:bodyPr>
+          <a:lstStyle>
+            <a:lvl1pPr algn="l" defTabSz="914400" rtl="0" eaLnBrk="1" latinLnBrk="0" hangingPunct="1">
+              <a:lnSpc>
+                <a:spcPct val="90000"/>
+              </a:lnSpc>
+              <a:spcBef>
+                <a:spcPct val="0"/>
+              </a:spcBef>
+              <a:buNone/>
+              <a:defRPr sz="4400" kern="1200">
+                <a:solidFill>
+                  <a:schemeClr val="tx1"/>
+                </a:solidFill>
+                <a:latin typeface="+mj-lt"/>
+                <a:ea typeface="+mj-ea"/>
+                <a:cs typeface="+mj-cs"/>
+              </a:defRPr>
+            </a:lvl1pPr>
+          </a:lstStyle>
+          <a:p>
+            <a:pPr algn="ctr"/>
+            <a:r>
+              <a:rPr lang="pt-BR" altLang="pt-BR" b="1" i="1" dirty="0" smtClean="0">
+                <a:solidFill>
+                  <a:srgbClr val="79610D"/>
+                </a:solidFill>
+                <a:latin typeface="Arial" panose="020B0604020202020204" pitchFamily="34" charset="0"/>
+                <a:ea typeface="Times New Roman" panose="02020603050405020304" pitchFamily="18" charset="0"/>
+                <a:cs typeface="Comic Sans MS" panose="030F0702030302020204" pitchFamily="66" charset="0"/>
+              </a:rPr>
+              <a:t>Ruído Impulsivo</a:t>
+            </a:r>
+            <a:endParaRPr lang="pt-BR" dirty="0"/>
+          </a:p>
+        </p:txBody>
+      </p:sp>
     </p:spTree>
     <p:extLst>
       <p:ext uri="{BB962C8B-B14F-4D97-AF65-F5344CB8AC3E}">
-        <p14:creationId xmlns:p14="http://schemas.microsoft.com/office/powerpoint/2010/main" val="3338944177"/>
+        <p14:creationId xmlns:p14="http://schemas.microsoft.com/office/powerpoint/2010/main" val="2874600727"/>
       </p:ext>
     </p:extLst>
   </p:cSld>
@@ -4821,22 +5412,7 @@
                 <a:ea typeface="Times New Roman" panose="02020603050405020304" pitchFamily="18" charset="0"/>
                 <a:cs typeface="Comic Sans MS" panose="030F0702030302020204" pitchFamily="66" charset="0"/>
               </a:rPr>
-              <a:t>Ruído </a:t>
-            </a:r>
-            <a:r>
-              <a:rPr kumimoji="0" lang="pt-BR" altLang="pt-BR" b="1" i="1" u="none" strike="noStrike" cap="none" normalizeH="0" baseline="0" dirty="0" err="1" smtClean="0">
-                <a:ln>
-                  <a:noFill/>
-                </a:ln>
-                <a:solidFill>
-                  <a:srgbClr val="79610D"/>
-                </a:solidFill>
-                <a:effectLst/>
-                <a:latin typeface="Arial" panose="020B0604020202020204" pitchFamily="34" charset="0"/>
-                <a:ea typeface="Times New Roman" panose="02020603050405020304" pitchFamily="18" charset="0"/>
-                <a:cs typeface="Comic Sans MS" panose="030F0702030302020204" pitchFamily="66" charset="0"/>
-              </a:rPr>
-              <a:t>Crosstalk</a:t>
+              <a:t>Ruído Térmico</a:t>
             </a:r>
             <a:endParaRPr lang="pt-BR" dirty="0"/>
           </a:p>
@@ -4857,101 +5433,16 @@
           <a:bodyPr/>
           <a:lstStyle/>
           <a:p>
-            <a:r>
-              <a:rPr lang="pt-BR" sz="3200" b="1" dirty="0" err="1" smtClean="0">
+            <a:pPr marL="0" indent="0">
+              <a:buNone/>
+            </a:pPr>
+            <a:r>
+              <a:rPr lang="pt-BR" dirty="0">
                 <a:solidFill>
                   <a:schemeClr val="bg1"/>
                 </a:solidFill>
               </a:rPr>
-              <a:t>Crosstalk</a:t>
-            </a:r>
-            <a:r>
-              <a:rPr lang="pt-BR" sz="3200" dirty="0">
-                <a:solidFill>
-                  <a:schemeClr val="bg1"/>
-                </a:solidFill>
-              </a:rPr>
-              <a:t> ou </a:t>
-            </a:r>
-            <a:r>
-              <a:rPr lang="pt-BR" sz="3200" dirty="0" err="1">
-                <a:solidFill>
-                  <a:schemeClr val="bg1"/>
-                </a:solidFill>
-              </a:rPr>
-              <a:t>diafonia</a:t>
-            </a:r>
-            <a:r>
-              <a:rPr lang="pt-BR" sz="3200" dirty="0">
-                <a:solidFill>
-                  <a:schemeClr val="bg1"/>
-                </a:solidFill>
-              </a:rPr>
-              <a:t> é a </a:t>
-            </a:r>
-            <a:r>
-              <a:rPr lang="pt-BR" sz="3200" dirty="0" smtClean="0">
-                <a:solidFill>
-                  <a:schemeClr val="bg1"/>
-                </a:solidFill>
-              </a:rPr>
-              <a:t>interferência </a:t>
-            </a:r>
-            <a:r>
-              <a:rPr lang="pt-BR" sz="3200" dirty="0">
-                <a:solidFill>
-                  <a:schemeClr val="bg1"/>
-                </a:solidFill>
-              </a:rPr>
-              <a:t> indesejada que um canal de transmissão causa em outro. Foi observado pela primeira vez durante a </a:t>
-            </a:r>
-            <a:r>
-              <a:rPr lang="pt-BR" sz="3200" dirty="0" smtClean="0">
-                <a:solidFill>
-                  <a:schemeClr val="bg1"/>
-                </a:solidFill>
-              </a:rPr>
-              <a:t>Segunda Guerra Mundial, </a:t>
-            </a:r>
-            <a:r>
-              <a:rPr lang="pt-BR" sz="3200" dirty="0">
-                <a:solidFill>
-                  <a:schemeClr val="bg1"/>
-                </a:solidFill>
-              </a:rPr>
-              <a:t>devido à grande quantidade de transmissões que eram feitas na </a:t>
-            </a:r>
-            <a:r>
-              <a:rPr lang="pt-BR" sz="3200" dirty="0" smtClean="0">
-                <a:solidFill>
-                  <a:schemeClr val="bg1"/>
-                </a:solidFill>
-              </a:rPr>
-              <a:t>época. Essa </a:t>
-            </a:r>
-            <a:r>
-              <a:rPr lang="pt-BR" sz="3200" dirty="0">
-                <a:solidFill>
-                  <a:schemeClr val="bg1"/>
-                </a:solidFill>
-              </a:rPr>
-              <a:t>interferência é criada por um </a:t>
-            </a:r>
-            <a:r>
-              <a:rPr lang="pt-BR" sz="3200" dirty="0" smtClean="0">
-                <a:solidFill>
-                  <a:schemeClr val="bg1"/>
-                </a:solidFill>
-              </a:rPr>
-              <a:t>curto-circuito</a:t>
-            </a:r>
-            <a:r>
-              <a:rPr lang="pt-BR" sz="3200" dirty="0">
-                <a:solidFill>
-                  <a:schemeClr val="bg1"/>
-                </a:solidFill>
-              </a:rPr>
-              <a:t> ou a junção indutiva entre essas duas linhas independentes.</a:t>
+              <a:t>O ruído aleatório nos elementos passivos é denominado ruído térmico, pois está inteiramente associado a temperatura absoluta. O ruído térmico é uma espécie de ruído branco gerado pela movimentação dos elétrons livres em um meio condutor. Um dos casos mais característicos de ruído térmico é aquele gerado pelos resistores metálicos.</a:t>
             </a:r>
           </a:p>
           <a:p>
@@ -4962,7 +5453,7 @@
     </p:spTree>
     <p:extLst>
       <p:ext uri="{BB962C8B-B14F-4D97-AF65-F5344CB8AC3E}">
-        <p14:creationId xmlns:p14="http://schemas.microsoft.com/office/powerpoint/2010/main" val="2812375822"/>
+        <p14:creationId xmlns:p14="http://schemas.microsoft.com/office/powerpoint/2010/main" val="1114261445"/>
       </p:ext>
     </p:extLst>
   </p:cSld>
@@ -5025,22 +5516,7 @@
                 <a:ea typeface="Times New Roman" panose="02020603050405020304" pitchFamily="18" charset="0"/>
                 <a:cs typeface="Comic Sans MS" panose="030F0702030302020204" pitchFamily="66" charset="0"/>
               </a:rPr>
-              <a:t>Ruído </a:t>
-            </a:r>
-            <a:r>
-              <a:rPr kumimoji="0" lang="pt-BR" altLang="pt-BR" b="1" i="1" u="none" strike="noStrike" cap="none" normalizeH="0" baseline="0" dirty="0" err="1" smtClean="0">
-                <a:ln>
-                  <a:noFill/>
-                </a:ln>
-                <a:solidFill>
-                  <a:srgbClr val="79610D"/>
-                </a:solidFill>
-                <a:effectLst/>
-                <a:latin typeface="Arial" panose="020B0604020202020204" pitchFamily="34" charset="0"/>
-                <a:ea typeface="Times New Roman" panose="02020603050405020304" pitchFamily="18" charset="0"/>
-                <a:cs typeface="Comic Sans MS" panose="030F0702030302020204" pitchFamily="66" charset="0"/>
-              </a:rPr>
-              <a:t>Crosstalk</a:t>
+              <a:t>Ruído Térmico</a:t>
             </a:r>
             <a:endParaRPr lang="pt-BR" dirty="0"/>
           </a:p>
@@ -5061,64 +5537,54 @@
           <a:bodyPr/>
           <a:lstStyle/>
           <a:p>
-            <a:r>
-              <a:rPr lang="pt-BR" sz="3600" dirty="0">
+            <a:pPr marL="0" indent="0">
+              <a:buNone/>
+            </a:pPr>
+            <a:r>
+              <a:rPr lang="pt-BR" dirty="0">
                 <a:solidFill>
                   <a:schemeClr val="bg1"/>
                 </a:solidFill>
               </a:rPr>
-              <a:t>Em </a:t>
-            </a:r>
-            <a:r>
-              <a:rPr lang="pt-BR" sz="3600" dirty="0" smtClean="0">
+              <a:t>As flutuações dos elétrons, em função da agitação térmica, apresentam movimento aleatório, gerando, assim, uma potência de ruído pequena, embora básica. Os elétrons, como um todo, não apresentam direção de deslocamento preferencial, embora, se este for observado em intervalos de tempo muito pequenos, pode-se notar uma pequena força resultante do deslocamento destes elétrons, que produz corrente elétrica </a:t>
+            </a:r>
+            <a:r>
+              <a:rPr lang="pt-BR" dirty="0" err="1">
                 <a:solidFill>
                   <a:schemeClr val="bg1"/>
                 </a:solidFill>
               </a:rPr>
-              <a:t>eletrônica,</a:t>
-            </a:r>
-            <a:r>
-              <a:rPr lang="pt-BR" sz="3600" dirty="0">
+              <a:t>instântanea</a:t>
+            </a:r>
+            <a:r>
+              <a:rPr lang="pt-BR" dirty="0">
                 <a:solidFill>
                   <a:schemeClr val="bg1"/>
                 </a:solidFill>
               </a:rPr>
-              <a:t> </a:t>
-            </a:r>
-            <a:r>
-              <a:rPr lang="pt-BR" sz="3600" i="1" dirty="0" err="1">
+              <a:t> que apesar de muito pequena, apresenta variações. O ruído térmico apresenta aspecto praticamente constante para extensa faixa espectral para frequências de até 10.000 </a:t>
+            </a:r>
+            <a:r>
+              <a:rPr lang="pt-BR" dirty="0" err="1">
                 <a:solidFill>
                   <a:schemeClr val="bg1"/>
                 </a:solidFill>
               </a:rPr>
-              <a:t>crosstalk</a:t>
-            </a:r>
-            <a:r>
-              <a:rPr lang="pt-BR" sz="3600" dirty="0">
+              <a:t>Ghz</a:t>
+            </a:r>
+            <a:r>
+              <a:rPr lang="pt-BR" dirty="0">
                 <a:solidFill>
                   <a:schemeClr val="bg1"/>
                 </a:solidFill>
               </a:rPr>
-              <a:t> é qualquer fenômeno em que um sinal transmitido em um circuito ou canal de um sistema de transmissão cria um efeito indesejado em outro circuito ou canal. </a:t>
-            </a:r>
-            <a:r>
-              <a:rPr lang="pt-BR" sz="3600" i="1" dirty="0" err="1">
-                <a:solidFill>
-                  <a:schemeClr val="bg1"/>
-                </a:solidFill>
-              </a:rPr>
-              <a:t>Crosstalk</a:t>
-            </a:r>
-            <a:r>
-              <a:rPr lang="pt-BR" sz="3600" dirty="0">
-                <a:solidFill>
-                  <a:schemeClr val="bg1"/>
-                </a:solidFill>
-              </a:rPr>
-              <a:t> é normalmente causado por capacitâncias, indutâncias ou conexão condutiva com um circuito ou canal — todas indesejadas.</a:t>
-            </a:r>
-          </a:p>
-          <a:p>
+              <a:t>.</a:t>
+            </a:r>
+          </a:p>
+          <a:p>
+            <a:pPr marL="0" indent="0">
+              <a:buNone/>
+            </a:pPr>
             <a:endParaRPr lang="pt-BR" dirty="0"/>
           </a:p>
         </p:txBody>
@@ -5126,7 +5592,7 @@
     </p:spTree>
     <p:extLst>
       <p:ext uri="{BB962C8B-B14F-4D97-AF65-F5344CB8AC3E}">
-        <p14:creationId xmlns:p14="http://schemas.microsoft.com/office/powerpoint/2010/main" val="1745089375"/>
+        <p14:creationId xmlns:p14="http://schemas.microsoft.com/office/powerpoint/2010/main" val="613519765"/>
       </p:ext>
     </p:extLst>
   </p:cSld>

--- a/Tipos de Ruídos.pptx
+++ b/Tipos de Ruídos.pptx
@@ -10,15 +10,14 @@
     <p:sldId id="258" r:id="rId4"/>
     <p:sldId id="259" r:id="rId5"/>
     <p:sldId id="268" r:id="rId6"/>
-    <p:sldId id="269" r:id="rId7"/>
-    <p:sldId id="270" r:id="rId8"/>
-    <p:sldId id="261" r:id="rId9"/>
-    <p:sldId id="267" r:id="rId10"/>
-    <p:sldId id="266" r:id="rId11"/>
-    <p:sldId id="262" r:id="rId12"/>
-    <p:sldId id="264" r:id="rId13"/>
-    <p:sldId id="265" r:id="rId14"/>
-    <p:sldId id="263" r:id="rId15"/>
+    <p:sldId id="261" r:id="rId7"/>
+    <p:sldId id="267" r:id="rId8"/>
+    <p:sldId id="266" r:id="rId9"/>
+    <p:sldId id="269" r:id="rId10"/>
+    <p:sldId id="262" r:id="rId11"/>
+    <p:sldId id="264" r:id="rId12"/>
+    <p:sldId id="265" r:id="rId13"/>
+    <p:sldId id="263" r:id="rId14"/>
   </p:sldIdLst>
   <p:sldSz cx="12192000" cy="6858000"/>
   <p:notesSz cx="6858000" cy="9144000"/>
@@ -256,7 +255,7 @@
           <a:p>
             <a:fld id="{FD832175-C0F1-4C3D-89AD-A6EE219BD78A}" type="datetimeFigureOut">
               <a:rPr lang="pt-BR" smtClean="0"/>
-              <a:t>22/04/2018</a:t>
+              <a:t>24/04/2018</a:t>
             </a:fld>
             <a:endParaRPr lang="pt-BR"/>
           </a:p>
@@ -426,7 +425,7 @@
           <a:p>
             <a:fld id="{FD832175-C0F1-4C3D-89AD-A6EE219BD78A}" type="datetimeFigureOut">
               <a:rPr lang="pt-BR" smtClean="0"/>
-              <a:t>22/04/2018</a:t>
+              <a:t>24/04/2018</a:t>
             </a:fld>
             <a:endParaRPr lang="pt-BR"/>
           </a:p>
@@ -606,7 +605,7 @@
           <a:p>
             <a:fld id="{FD832175-C0F1-4C3D-89AD-A6EE219BD78A}" type="datetimeFigureOut">
               <a:rPr lang="pt-BR" smtClean="0"/>
-              <a:t>22/04/2018</a:t>
+              <a:t>24/04/2018</a:t>
             </a:fld>
             <a:endParaRPr lang="pt-BR"/>
           </a:p>
@@ -776,7 +775,7 @@
           <a:p>
             <a:fld id="{FD832175-C0F1-4C3D-89AD-A6EE219BD78A}" type="datetimeFigureOut">
               <a:rPr lang="pt-BR" smtClean="0"/>
-              <a:t>22/04/2018</a:t>
+              <a:t>24/04/2018</a:t>
             </a:fld>
             <a:endParaRPr lang="pt-BR"/>
           </a:p>
@@ -1022,7 +1021,7 @@
           <a:p>
             <a:fld id="{FD832175-C0F1-4C3D-89AD-A6EE219BD78A}" type="datetimeFigureOut">
               <a:rPr lang="pt-BR" smtClean="0"/>
-              <a:t>22/04/2018</a:t>
+              <a:t>24/04/2018</a:t>
             </a:fld>
             <a:endParaRPr lang="pt-BR"/>
           </a:p>
@@ -1254,7 +1253,7 @@
           <a:p>
             <a:fld id="{FD832175-C0F1-4C3D-89AD-A6EE219BD78A}" type="datetimeFigureOut">
               <a:rPr lang="pt-BR" smtClean="0"/>
-              <a:t>22/04/2018</a:t>
+              <a:t>24/04/2018</a:t>
             </a:fld>
             <a:endParaRPr lang="pt-BR"/>
           </a:p>
@@ -1621,7 +1620,7 @@
           <a:p>
             <a:fld id="{FD832175-C0F1-4C3D-89AD-A6EE219BD78A}" type="datetimeFigureOut">
               <a:rPr lang="pt-BR" smtClean="0"/>
-              <a:t>22/04/2018</a:t>
+              <a:t>24/04/2018</a:t>
             </a:fld>
             <a:endParaRPr lang="pt-BR"/>
           </a:p>
@@ -1739,7 +1738,7 @@
           <a:p>
             <a:fld id="{FD832175-C0F1-4C3D-89AD-A6EE219BD78A}" type="datetimeFigureOut">
               <a:rPr lang="pt-BR" smtClean="0"/>
-              <a:t>22/04/2018</a:t>
+              <a:t>24/04/2018</a:t>
             </a:fld>
             <a:endParaRPr lang="pt-BR"/>
           </a:p>
@@ -1834,7 +1833,7 @@
           <a:p>
             <a:fld id="{FD832175-C0F1-4C3D-89AD-A6EE219BD78A}" type="datetimeFigureOut">
               <a:rPr lang="pt-BR" smtClean="0"/>
-              <a:t>22/04/2018</a:t>
+              <a:t>24/04/2018</a:t>
             </a:fld>
             <a:endParaRPr lang="pt-BR"/>
           </a:p>
@@ -2111,7 +2110,7 @@
           <a:p>
             <a:fld id="{FD832175-C0F1-4C3D-89AD-A6EE219BD78A}" type="datetimeFigureOut">
               <a:rPr lang="pt-BR" smtClean="0"/>
-              <a:t>22/04/2018</a:t>
+              <a:t>24/04/2018</a:t>
             </a:fld>
             <a:endParaRPr lang="pt-BR"/>
           </a:p>
@@ -2364,7 +2363,7 @@
           <a:p>
             <a:fld id="{FD832175-C0F1-4C3D-89AD-A6EE219BD78A}" type="datetimeFigureOut">
               <a:rPr lang="pt-BR" smtClean="0"/>
-              <a:t>22/04/2018</a:t>
+              <a:t>24/04/2018</a:t>
             </a:fld>
             <a:endParaRPr lang="pt-BR"/>
           </a:p>
@@ -2586,7 +2585,7 @@
           <a:p>
             <a:fld id="{FD832175-C0F1-4C3D-89AD-A6EE219BD78A}" type="datetimeFigureOut">
               <a:rPr lang="pt-BR" smtClean="0"/>
-              <a:t>22/04/2018</a:t>
+              <a:t>24/04/2018</a:t>
             </a:fld>
             <a:endParaRPr lang="pt-BR"/>
           </a:p>
@@ -3090,24 +3089,14 @@
           </a:p>
           <a:p>
             <a:r>
-              <a:rPr lang="pt-BR" sz="2800" i="1" dirty="0" err="1" smtClean="0">
+              <a:rPr lang="pt-BR" sz="2800" i="1" dirty="0" smtClean="0">
                 <a:solidFill>
                   <a:schemeClr val="bg1"/>
                 </a:solidFill>
                 <a:latin typeface="Times New Roman" panose="02020603050405020304" pitchFamily="18" charset="0"/>
                 <a:cs typeface="Times New Roman" panose="02020603050405020304" pitchFamily="18" charset="0"/>
               </a:rPr>
-              <a:t>Jhonatan</a:t>
-            </a:r>
-            <a:r>
-              <a:rPr lang="pt-BR" sz="2800" i="1" dirty="0" smtClean="0">
-                <a:solidFill>
-                  <a:schemeClr val="bg1"/>
-                </a:solidFill>
-                <a:latin typeface="Times New Roman" panose="02020603050405020304" pitchFamily="18" charset="0"/>
-                <a:cs typeface="Times New Roman" panose="02020603050405020304" pitchFamily="18" charset="0"/>
-              </a:rPr>
-              <a:t> P Damas</a:t>
+              <a:t>Jonathan P Damas</a:t>
             </a:r>
           </a:p>
           <a:p>
@@ -3190,7 +3179,22 @@
                 <a:ea typeface="Times New Roman" panose="02020603050405020304" pitchFamily="18" charset="0"/>
                 <a:cs typeface="Comic Sans MS" panose="030F0702030302020204" pitchFamily="66" charset="0"/>
               </a:rPr>
-              <a:t>Ruído Térmico</a:t>
+              <a:t>Ruído </a:t>
+            </a:r>
+            <a:r>
+              <a:rPr kumimoji="0" lang="pt-BR" altLang="pt-BR" b="1" i="1" u="none" strike="noStrike" cap="none" normalizeH="0" baseline="0" dirty="0" err="1" smtClean="0">
+                <a:ln>
+                  <a:noFill/>
+                </a:ln>
+                <a:solidFill>
+                  <a:srgbClr val="79610D"/>
+                </a:solidFill>
+                <a:effectLst/>
+                <a:latin typeface="Arial" panose="020B0604020202020204" pitchFamily="34" charset="0"/>
+                <a:ea typeface="Times New Roman" panose="02020603050405020304" pitchFamily="18" charset="0"/>
+                <a:cs typeface="Comic Sans MS" panose="030F0702030302020204" pitchFamily="66" charset="0"/>
+              </a:rPr>
+              <a:t>Crosstalk</a:t>
             </a:r>
             <a:endParaRPr lang="pt-BR" dirty="0"/>
           </a:p>
@@ -3206,331 +3210,177 @@
             <p:ph idx="1"/>
           </p:nvPr>
         </p:nvSpPr>
-        <p:spPr/>
-        <p:txBody>
-          <a:bodyPr/>
-          <a:lstStyle/>
-          <a:p>
-            <a:pPr marL="0" indent="0" eaLnBrk="0" hangingPunct="0">
-              <a:lnSpc>
-                <a:spcPts val="3130"/>
-              </a:lnSpc>
-              <a:spcAft>
-                <a:spcPts val="0"/>
-              </a:spcAft>
+        <p:spPr>
+          <a:gradFill>
+            <a:gsLst>
+              <a:gs pos="0">
+                <a:schemeClr val="bg1"/>
+              </a:gs>
+              <a:gs pos="100000">
+                <a:schemeClr val="bg1">
+                  <a:alpha val="77000"/>
+                </a:schemeClr>
+              </a:gs>
+            </a:gsLst>
+            <a:lin ang="5400000" scaled="1"/>
+          </a:gradFill>
+        </p:spPr>
+        <p:txBody>
+          <a:bodyPr/>
+          <a:lstStyle/>
+          <a:p>
+            <a:pPr marL="0" indent="0">
               <a:buNone/>
             </a:pPr>
             <a:r>
-              <a:rPr lang="pt-BR" dirty="0">
-                <a:solidFill>
-                  <a:srgbClr val="FFFFFF"/>
-                </a:solidFill>
-                <a:latin typeface="Constantia" panose="02030602050306030303" pitchFamily="18" charset="0"/>
-                <a:ea typeface="Times New Roman" panose="02020603050405020304" pitchFamily="18" charset="0"/>
-                <a:cs typeface="Constantia" panose="02030602050306030303" pitchFamily="18" charset="0"/>
-              </a:rPr>
-              <a:t>É um ruído gerado pela agitação térmica de cargas </a:t>
-            </a:r>
-            <a:r>
-              <a:rPr lang="pt-BR" dirty="0" smtClean="0">
-                <a:solidFill>
-                  <a:srgbClr val="FFFFFF"/>
-                </a:solidFill>
-                <a:latin typeface="Constantia" panose="02030602050306030303" pitchFamily="18" charset="0"/>
-                <a:ea typeface="Times New Roman" panose="02020603050405020304" pitchFamily="18" charset="0"/>
-                <a:cs typeface="Constantia" panose="02030602050306030303" pitchFamily="18" charset="0"/>
-              </a:rPr>
-              <a:t>no</a:t>
-            </a:r>
-            <a:r>
-              <a:rPr lang="pt-BR" dirty="0" smtClean="0">
-                <a:latin typeface="Comic Sans MS" panose="030F0702030302020204" pitchFamily="66" charset="0"/>
-                <a:ea typeface="Times New Roman" panose="02020603050405020304" pitchFamily="18" charset="0"/>
-                <a:cs typeface="Constantia" panose="02030602050306030303" pitchFamily="18" charset="0"/>
-              </a:rPr>
-              <a:t> </a:t>
-            </a:r>
-            <a:r>
-              <a:rPr lang="pt-BR" dirty="0" smtClean="0">
-                <a:solidFill>
-                  <a:srgbClr val="FFFFFF"/>
-                </a:solidFill>
-                <a:latin typeface="Constantia" panose="02030602050306030303" pitchFamily="18" charset="0"/>
-                <a:ea typeface="Times New Roman" panose="02020603050405020304" pitchFamily="18" charset="0"/>
-                <a:cs typeface="Constantia" panose="02030602050306030303" pitchFamily="18" charset="0"/>
-              </a:rPr>
-              <a:t>interior </a:t>
-            </a:r>
-            <a:r>
-              <a:rPr lang="pt-BR" dirty="0">
-                <a:solidFill>
-                  <a:srgbClr val="FFFFFF"/>
-                </a:solidFill>
-                <a:latin typeface="Constantia" panose="02030602050306030303" pitchFamily="18" charset="0"/>
-                <a:ea typeface="Times New Roman" panose="02020603050405020304" pitchFamily="18" charset="0"/>
-                <a:cs typeface="Constantia" panose="02030602050306030303" pitchFamily="18" charset="0"/>
-              </a:rPr>
-              <a:t>de um condutor elétrico em equilíbrio</a:t>
-            </a:r>
-            <a:r>
-              <a:rPr lang="pt-BR" dirty="0" smtClean="0">
-                <a:solidFill>
-                  <a:srgbClr val="FFFFFF"/>
-                </a:solidFill>
-                <a:latin typeface="Constantia" panose="02030602050306030303" pitchFamily="18" charset="0"/>
-                <a:ea typeface="Times New Roman" panose="02020603050405020304" pitchFamily="18" charset="0"/>
-                <a:cs typeface="Constantia" panose="02030602050306030303" pitchFamily="18" charset="0"/>
-              </a:rPr>
-              <a:t>.</a:t>
-            </a:r>
-          </a:p>
-          <a:p>
-            <a:pPr marL="0" indent="0" eaLnBrk="0" hangingPunct="0">
-              <a:lnSpc>
-                <a:spcPts val="3130"/>
-              </a:lnSpc>
-              <a:spcAft>
-                <a:spcPts val="0"/>
-              </a:spcAft>
-              <a:buNone/>
-            </a:pPr>
+              <a:rPr lang="pt-BR" sz="3200" b="1" dirty="0" err="1" smtClean="0">
+                <a:solidFill>
+                  <a:schemeClr val="tx1">
+                    <a:lumMod val="95000"/>
+                    <a:lumOff val="5000"/>
+                  </a:schemeClr>
+                </a:solidFill>
+              </a:rPr>
+              <a:t>Crosstalk</a:t>
+            </a:r>
+            <a:r>
+              <a:rPr lang="pt-BR" sz="3200" dirty="0">
+                <a:solidFill>
+                  <a:schemeClr val="tx1">
+                    <a:lumMod val="95000"/>
+                    <a:lumOff val="5000"/>
+                  </a:schemeClr>
+                </a:solidFill>
+              </a:rPr>
+              <a:t> ou </a:t>
+            </a:r>
+            <a:r>
+              <a:rPr lang="pt-BR" sz="3200" dirty="0" err="1">
+                <a:solidFill>
+                  <a:schemeClr val="tx1">
+                    <a:lumMod val="95000"/>
+                    <a:lumOff val="5000"/>
+                  </a:schemeClr>
+                </a:solidFill>
+              </a:rPr>
+              <a:t>diafonia</a:t>
+            </a:r>
+            <a:r>
+              <a:rPr lang="pt-BR" sz="3200" dirty="0">
+                <a:solidFill>
+                  <a:schemeClr val="tx1">
+                    <a:lumMod val="95000"/>
+                    <a:lumOff val="5000"/>
+                  </a:schemeClr>
+                </a:solidFill>
+              </a:rPr>
+              <a:t> é a </a:t>
+            </a:r>
+            <a:r>
+              <a:rPr lang="pt-BR" sz="3200" dirty="0" smtClean="0">
+                <a:solidFill>
+                  <a:schemeClr val="tx1">
+                    <a:lumMod val="95000"/>
+                    <a:lumOff val="5000"/>
+                  </a:schemeClr>
+                </a:solidFill>
+              </a:rPr>
+              <a:t>interferência </a:t>
+            </a:r>
+            <a:r>
+              <a:rPr lang="pt-BR" sz="3200" dirty="0">
+                <a:solidFill>
+                  <a:schemeClr val="tx1">
+                    <a:lumMod val="95000"/>
+                    <a:lumOff val="5000"/>
+                  </a:schemeClr>
+                </a:solidFill>
+              </a:rPr>
+              <a:t> indesejada que um canal de transmissão causa em outro. Foi observado pela primeira vez durante a </a:t>
+            </a:r>
+            <a:r>
+              <a:rPr lang="pt-BR" sz="3200" dirty="0" smtClean="0">
+                <a:solidFill>
+                  <a:schemeClr val="tx1">
+                    <a:lumMod val="95000"/>
+                    <a:lumOff val="5000"/>
+                  </a:schemeClr>
+                </a:solidFill>
+              </a:rPr>
+              <a:t>Segunda Guerra Mundial, </a:t>
+            </a:r>
+            <a:r>
+              <a:rPr lang="pt-BR" sz="3200" dirty="0">
+                <a:solidFill>
+                  <a:schemeClr val="tx1">
+                    <a:lumMod val="95000"/>
+                    <a:lumOff val="5000"/>
+                  </a:schemeClr>
+                </a:solidFill>
+              </a:rPr>
+              <a:t>devido à grande quantidade de transmissões que eram feitas na </a:t>
+            </a:r>
+            <a:r>
+              <a:rPr lang="pt-BR" sz="3200" dirty="0" smtClean="0">
+                <a:solidFill>
+                  <a:schemeClr val="tx1">
+                    <a:lumMod val="95000"/>
+                    <a:lumOff val="5000"/>
+                  </a:schemeClr>
+                </a:solidFill>
+              </a:rPr>
+              <a:t>época. Essa </a:t>
+            </a:r>
+            <a:r>
+              <a:rPr lang="pt-BR" sz="3200" dirty="0">
+                <a:solidFill>
+                  <a:schemeClr val="tx1">
+                    <a:lumMod val="95000"/>
+                    <a:lumOff val="5000"/>
+                  </a:schemeClr>
+                </a:solidFill>
+              </a:rPr>
+              <a:t>interferência é criada por um </a:t>
+            </a:r>
+            <a:r>
+              <a:rPr lang="pt-BR" sz="3200" dirty="0" smtClean="0">
+                <a:solidFill>
+                  <a:schemeClr val="tx1">
+                    <a:lumMod val="95000"/>
+                    <a:lumOff val="5000"/>
+                  </a:schemeClr>
+                </a:solidFill>
+              </a:rPr>
+              <a:t>curto-circuito</a:t>
+            </a:r>
+            <a:r>
+              <a:rPr lang="pt-BR" sz="3200" dirty="0">
+                <a:solidFill>
+                  <a:schemeClr val="tx1">
+                    <a:lumMod val="95000"/>
+                    <a:lumOff val="5000"/>
+                  </a:schemeClr>
+                </a:solidFill>
+              </a:rPr>
+              <a:t> ou a junção indutiva entre essas duas linhas independentes.</a:t>
+            </a:r>
+          </a:p>
+          <a:p>
             <a:endParaRPr lang="pt-BR" dirty="0">
-              <a:latin typeface="Comic Sans MS" panose="030F0702030302020204" pitchFamily="66" charset="0"/>
-              <a:ea typeface="Times New Roman" panose="02020603050405020304" pitchFamily="18" charset="0"/>
-              <a:cs typeface="Comic Sans MS" panose="030F0702030302020204" pitchFamily="66" charset="0"/>
+              <a:solidFill>
+                <a:schemeClr val="tx1">
+                  <a:lumMod val="95000"/>
+                  <a:lumOff val="5000"/>
+                </a:schemeClr>
+              </a:solidFill>
             </a:endParaRPr>
           </a:p>
-          <a:p>
-            <a:pPr marL="139700" indent="0" eaLnBrk="0" hangingPunct="0">
-              <a:lnSpc>
-                <a:spcPct val="97000"/>
-              </a:lnSpc>
-              <a:spcBef>
-                <a:spcPts val="595"/>
-              </a:spcBef>
-              <a:spcAft>
-                <a:spcPts val="0"/>
-              </a:spcAft>
-              <a:buNone/>
-            </a:pPr>
-            <a:r>
-              <a:rPr lang="pt-BR" dirty="0">
-                <a:solidFill>
-                  <a:srgbClr val="FFFFFF"/>
-                </a:solidFill>
-                <a:latin typeface="Constantia" panose="02030602050306030303" pitchFamily="18" charset="0"/>
-                <a:ea typeface="Times New Roman" panose="02020603050405020304" pitchFamily="18" charset="0"/>
-                <a:cs typeface="Constantia" panose="02030602050306030303" pitchFamily="18" charset="0"/>
-              </a:rPr>
-              <a:t>O</a:t>
-            </a:r>
-            <a:r>
-              <a:rPr lang="pt-BR" spc="-55" dirty="0">
-                <a:solidFill>
-                  <a:srgbClr val="FFFFFF"/>
-                </a:solidFill>
-                <a:latin typeface="Constantia" panose="02030602050306030303" pitchFamily="18" charset="0"/>
-                <a:ea typeface="Times New Roman" panose="02020603050405020304" pitchFamily="18" charset="0"/>
-                <a:cs typeface="Constantia" panose="02030602050306030303" pitchFamily="18" charset="0"/>
-              </a:rPr>
-              <a:t> </a:t>
-            </a:r>
-            <a:r>
-              <a:rPr lang="pt-BR" dirty="0">
-                <a:solidFill>
-                  <a:srgbClr val="FFFFFF"/>
-                </a:solidFill>
-                <a:latin typeface="Constantia" panose="02030602050306030303" pitchFamily="18" charset="0"/>
-                <a:ea typeface="Times New Roman" panose="02020603050405020304" pitchFamily="18" charset="0"/>
-                <a:cs typeface="Constantia" panose="02030602050306030303" pitchFamily="18" charset="0"/>
-              </a:rPr>
-              <a:t>ruído</a:t>
-            </a:r>
-            <a:r>
-              <a:rPr lang="pt-BR" spc="-105" dirty="0">
-                <a:solidFill>
-                  <a:srgbClr val="FFFFFF"/>
-                </a:solidFill>
-                <a:latin typeface="Constantia" panose="02030602050306030303" pitchFamily="18" charset="0"/>
-                <a:ea typeface="Times New Roman" panose="02020603050405020304" pitchFamily="18" charset="0"/>
-                <a:cs typeface="Constantia" panose="02030602050306030303" pitchFamily="18" charset="0"/>
-              </a:rPr>
-              <a:t> </a:t>
-            </a:r>
-            <a:r>
-              <a:rPr lang="pt-BR" spc="-20" dirty="0">
-                <a:solidFill>
-                  <a:srgbClr val="FFFFFF"/>
-                </a:solidFill>
-                <a:latin typeface="Constantia" panose="02030602050306030303" pitchFamily="18" charset="0"/>
-                <a:ea typeface="Times New Roman" panose="02020603050405020304" pitchFamily="18" charset="0"/>
-                <a:cs typeface="Constantia" panose="02030602050306030303" pitchFamily="18" charset="0"/>
-              </a:rPr>
-              <a:t>térmico</a:t>
-            </a:r>
-            <a:r>
-              <a:rPr lang="pt-BR" spc="-150" dirty="0">
-                <a:solidFill>
-                  <a:srgbClr val="FFFFFF"/>
-                </a:solidFill>
-                <a:latin typeface="Constantia" panose="02030602050306030303" pitchFamily="18" charset="0"/>
-                <a:ea typeface="Times New Roman" panose="02020603050405020304" pitchFamily="18" charset="0"/>
-                <a:cs typeface="Constantia" panose="02030602050306030303" pitchFamily="18" charset="0"/>
-              </a:rPr>
-              <a:t> </a:t>
-            </a:r>
-            <a:r>
-              <a:rPr lang="pt-BR" dirty="0">
-                <a:solidFill>
-                  <a:srgbClr val="FFFFFF"/>
-                </a:solidFill>
-                <a:latin typeface="Constantia" panose="02030602050306030303" pitchFamily="18" charset="0"/>
-                <a:ea typeface="Times New Roman" panose="02020603050405020304" pitchFamily="18" charset="0"/>
-                <a:cs typeface="Constantia" panose="02030602050306030303" pitchFamily="18" charset="0"/>
-              </a:rPr>
-              <a:t>é</a:t>
-            </a:r>
-            <a:r>
-              <a:rPr lang="pt-BR" spc="-120" dirty="0">
-                <a:solidFill>
-                  <a:srgbClr val="FFFFFF"/>
-                </a:solidFill>
-                <a:latin typeface="Constantia" panose="02030602050306030303" pitchFamily="18" charset="0"/>
-                <a:ea typeface="Times New Roman" panose="02020603050405020304" pitchFamily="18" charset="0"/>
-                <a:cs typeface="Constantia" panose="02030602050306030303" pitchFamily="18" charset="0"/>
-              </a:rPr>
-              <a:t> </a:t>
-            </a:r>
-            <a:r>
-              <a:rPr lang="pt-BR" spc="-15" dirty="0">
-                <a:solidFill>
-                  <a:srgbClr val="FFFFFF"/>
-                </a:solidFill>
-                <a:latin typeface="Constantia" panose="02030602050306030303" pitchFamily="18" charset="0"/>
-                <a:ea typeface="Times New Roman" panose="02020603050405020304" pitchFamily="18" charset="0"/>
-                <a:cs typeface="Constantia" panose="02030602050306030303" pitchFamily="18" charset="0"/>
-              </a:rPr>
-              <a:t>aproximadamente</a:t>
-            </a:r>
-            <a:r>
-              <a:rPr lang="pt-BR" spc="-75" dirty="0">
-                <a:solidFill>
-                  <a:srgbClr val="FFFFFF"/>
-                </a:solidFill>
-                <a:latin typeface="Constantia" panose="02030602050306030303" pitchFamily="18" charset="0"/>
-                <a:ea typeface="Times New Roman" panose="02020603050405020304" pitchFamily="18" charset="0"/>
-                <a:cs typeface="Constantia" panose="02030602050306030303" pitchFamily="18" charset="0"/>
-              </a:rPr>
-              <a:t> </a:t>
-            </a:r>
-            <a:r>
-              <a:rPr lang="pt-BR" dirty="0">
-                <a:solidFill>
-                  <a:srgbClr val="FFFFFF"/>
-                </a:solidFill>
-                <a:latin typeface="Constantia" panose="02030602050306030303" pitchFamily="18" charset="0"/>
-                <a:ea typeface="Times New Roman" panose="02020603050405020304" pitchFamily="18" charset="0"/>
-                <a:cs typeface="Constantia" panose="02030602050306030303" pitchFamily="18" charset="0"/>
-              </a:rPr>
-              <a:t>igual</a:t>
-            </a:r>
-            <a:r>
-              <a:rPr lang="pt-BR" spc="-80" dirty="0">
-                <a:solidFill>
-                  <a:srgbClr val="FFFFFF"/>
-                </a:solidFill>
-                <a:latin typeface="Constantia" panose="02030602050306030303" pitchFamily="18" charset="0"/>
-                <a:ea typeface="Times New Roman" panose="02020603050405020304" pitchFamily="18" charset="0"/>
-                <a:cs typeface="Constantia" panose="02030602050306030303" pitchFamily="18" charset="0"/>
-              </a:rPr>
-              <a:t> </a:t>
-            </a:r>
-            <a:r>
-              <a:rPr lang="pt-BR" dirty="0">
-                <a:solidFill>
-                  <a:srgbClr val="FFFFFF"/>
-                </a:solidFill>
-                <a:latin typeface="Constantia" panose="02030602050306030303" pitchFamily="18" charset="0"/>
-                <a:ea typeface="Times New Roman" panose="02020603050405020304" pitchFamily="18" charset="0"/>
-                <a:cs typeface="Constantia" panose="02030602050306030303" pitchFamily="18" charset="0"/>
-              </a:rPr>
-              <a:t>ao</a:t>
-            </a:r>
-            <a:r>
-              <a:rPr lang="pt-BR" spc="-120" dirty="0">
-                <a:solidFill>
-                  <a:srgbClr val="FFFFFF"/>
-                </a:solidFill>
-                <a:latin typeface="Constantia" panose="02030602050306030303" pitchFamily="18" charset="0"/>
-                <a:ea typeface="Times New Roman" panose="02020603050405020304" pitchFamily="18" charset="0"/>
-                <a:cs typeface="Constantia" panose="02030602050306030303" pitchFamily="18" charset="0"/>
-              </a:rPr>
-              <a:t> </a:t>
-            </a:r>
-            <a:r>
-              <a:rPr lang="pt-BR" dirty="0">
-                <a:solidFill>
-                  <a:srgbClr val="FFFFFF"/>
-                </a:solidFill>
-                <a:latin typeface="Constantia" panose="02030602050306030303" pitchFamily="18" charset="0"/>
-                <a:ea typeface="Times New Roman" panose="02020603050405020304" pitchFamily="18" charset="0"/>
-                <a:cs typeface="Constantia" panose="02030602050306030303" pitchFamily="18" charset="0"/>
-              </a:rPr>
-              <a:t>ruído </a:t>
-            </a:r>
-            <a:r>
-              <a:rPr lang="pt-BR" spc="-30" dirty="0">
-                <a:solidFill>
-                  <a:srgbClr val="FFFFFF"/>
-                </a:solidFill>
-                <a:latin typeface="Constantia" panose="02030602050306030303" pitchFamily="18" charset="0"/>
-                <a:ea typeface="Times New Roman" panose="02020603050405020304" pitchFamily="18" charset="0"/>
-                <a:cs typeface="Constantia" panose="02030602050306030303" pitchFamily="18" charset="0"/>
-              </a:rPr>
-              <a:t>branco.</a:t>
-            </a:r>
-            <a:endParaRPr lang="pt-BR" dirty="0">
-              <a:latin typeface="Comic Sans MS" panose="030F0702030302020204" pitchFamily="66" charset="0"/>
-              <a:ea typeface="Times New Roman" panose="02020603050405020304" pitchFamily="18" charset="0"/>
-              <a:cs typeface="Comic Sans MS" panose="030F0702030302020204" pitchFamily="66" charset="0"/>
-            </a:endParaRPr>
-          </a:p>
-          <a:p>
-            <a:pPr marL="0" indent="0">
-              <a:buNone/>
-            </a:pPr>
-            <a:endParaRPr lang="pt-BR" dirty="0"/>
-          </a:p>
-        </p:txBody>
-      </p:sp>
-      <p:pic>
-        <p:nvPicPr>
-          <p:cNvPr id="4" name="Imagem 3"/>
-          <p:cNvPicPr>
-            <a:picLocks noChangeAspect="1"/>
-          </p:cNvPicPr>
-          <p:nvPr/>
-        </p:nvPicPr>
-        <p:blipFill>
-          <a:blip r:embed="rId2"/>
-          <a:stretch>
-            <a:fillRect/>
-          </a:stretch>
-        </p:blipFill>
-        <p:spPr>
-          <a:xfrm>
-            <a:off x="3878373" y="3805238"/>
-            <a:ext cx="3638550" cy="2371725"/>
-          </a:xfrm>
-          <a:prstGeom prst="rect">
-            <a:avLst/>
-          </a:prstGeom>
-        </p:spPr>
-      </p:pic>
+        </p:txBody>
+      </p:sp>
     </p:spTree>
     <p:extLst>
       <p:ext uri="{BB962C8B-B14F-4D97-AF65-F5344CB8AC3E}">
-        <p14:creationId xmlns:p14="http://schemas.microsoft.com/office/powerpoint/2010/main" val="3338944177"/>
+        <p14:creationId xmlns:p14="http://schemas.microsoft.com/office/powerpoint/2010/main" val="2812375822"/>
       </p:ext>
     </p:extLst>
   </p:cSld>
@@ -3624,15 +3474,90 @@
             <p:ph idx="1"/>
           </p:nvPr>
         </p:nvSpPr>
-        <p:spPr/>
-        <p:txBody>
-          <a:bodyPr/>
-          <a:lstStyle/>
-          <a:p>
-            <a:r>
-              <a:rPr lang="pt-BR" sz="3200" b="1" dirty="0" err="1" smtClean="0">
-                <a:solidFill>
-                  <a:schemeClr val="bg1"/>
+        <p:spPr>
+          <a:gradFill>
+            <a:gsLst>
+              <a:gs pos="0">
+                <a:schemeClr val="bg1"/>
+              </a:gs>
+              <a:gs pos="100000">
+                <a:schemeClr val="bg1">
+                  <a:alpha val="77000"/>
+                </a:schemeClr>
+              </a:gs>
+            </a:gsLst>
+            <a:lin ang="5400000" scaled="1"/>
+          </a:gradFill>
+        </p:spPr>
+        <p:txBody>
+          <a:bodyPr/>
+          <a:lstStyle/>
+          <a:p>
+            <a:pPr marL="0" indent="0">
+              <a:buNone/>
+            </a:pPr>
+            <a:r>
+              <a:rPr lang="pt-BR" sz="3200" dirty="0">
+                <a:solidFill>
+                  <a:schemeClr val="tx1">
+                    <a:lumMod val="95000"/>
+                    <a:lumOff val="5000"/>
+                  </a:schemeClr>
+                </a:solidFill>
+              </a:rPr>
+              <a:t>Em </a:t>
+            </a:r>
+            <a:r>
+              <a:rPr lang="pt-BR" sz="3200" dirty="0" smtClean="0">
+                <a:solidFill>
+                  <a:schemeClr val="tx1">
+                    <a:lumMod val="95000"/>
+                    <a:lumOff val="5000"/>
+                  </a:schemeClr>
+                </a:solidFill>
+              </a:rPr>
+              <a:t>eletrônica,</a:t>
+            </a:r>
+            <a:r>
+              <a:rPr lang="pt-BR" sz="3200" dirty="0">
+                <a:solidFill>
+                  <a:schemeClr val="tx1">
+                    <a:lumMod val="95000"/>
+                    <a:lumOff val="5000"/>
+                  </a:schemeClr>
+                </a:solidFill>
+              </a:rPr>
+              <a:t> </a:t>
+            </a:r>
+            <a:r>
+              <a:rPr lang="pt-BR" sz="3200" i="1" dirty="0" err="1">
+                <a:solidFill>
+                  <a:schemeClr val="tx1">
+                    <a:lumMod val="95000"/>
+                    <a:lumOff val="5000"/>
+                  </a:schemeClr>
+                </a:solidFill>
+              </a:rPr>
+              <a:t>crosstalk</a:t>
+            </a:r>
+            <a:r>
+              <a:rPr lang="pt-BR" sz="3200" dirty="0">
+                <a:solidFill>
+                  <a:schemeClr val="tx1">
+                    <a:lumMod val="95000"/>
+                    <a:lumOff val="5000"/>
+                  </a:schemeClr>
+                </a:solidFill>
+              </a:rPr>
+              <a:t> é qualquer fenômeno em que um sinal transmitido em um circuito ou canal de um sistema de transmissão cria um efeito indesejado em outro circuito ou canal. </a:t>
+            </a:r>
+            <a:r>
+              <a:rPr lang="pt-BR" sz="3200" i="1" dirty="0" err="1">
+                <a:solidFill>
+                  <a:schemeClr val="tx1">
+                    <a:lumMod val="95000"/>
+                    <a:lumOff val="5000"/>
+                  </a:schemeClr>
                 </a:solidFill>
               </a:rPr>
               <a:t>Crosstalk</a:t>
@@ -3640,258 +3565,24 @@
             <a:r>
               <a:rPr lang="pt-BR" sz="3200" dirty="0">
                 <a:solidFill>
-                  <a:schemeClr val="bg1"/>
-                </a:solidFill>
-              </a:rPr>
-              <a:t> ou </a:t>
-            </a:r>
-            <a:r>
-              <a:rPr lang="pt-BR" sz="3200" dirty="0" err="1">
-                <a:solidFill>
-                  <a:schemeClr val="bg1"/>
-                </a:solidFill>
-              </a:rPr>
-              <a:t>diafonia</a:t>
-            </a:r>
-            <a:r>
-              <a:rPr lang="pt-BR" sz="3200" dirty="0">
-                <a:solidFill>
-                  <a:schemeClr val="bg1"/>
-                </a:solidFill>
-              </a:rPr>
-              <a:t> é a </a:t>
-            </a:r>
-            <a:r>
-              <a:rPr lang="pt-BR" sz="3200" dirty="0" smtClean="0">
-                <a:solidFill>
-                  <a:schemeClr val="bg1"/>
-                </a:solidFill>
-              </a:rPr>
-              <a:t>interferência </a:t>
-            </a:r>
-            <a:r>
-              <a:rPr lang="pt-BR" sz="3200" dirty="0">
-                <a:solidFill>
-                  <a:schemeClr val="bg1"/>
-                </a:solidFill>
-              </a:rPr>
-              <a:t> indesejada que um canal de transmissão causa em outro. Foi observado pela primeira vez durante a </a:t>
-            </a:r>
-            <a:r>
-              <a:rPr lang="pt-BR" sz="3200" dirty="0" smtClean="0">
-                <a:solidFill>
-                  <a:schemeClr val="bg1"/>
-                </a:solidFill>
-              </a:rPr>
-              <a:t>Segunda Guerra Mundial, </a:t>
-            </a:r>
-            <a:r>
-              <a:rPr lang="pt-BR" sz="3200" dirty="0">
-                <a:solidFill>
-                  <a:schemeClr val="bg1"/>
-                </a:solidFill>
-              </a:rPr>
-              <a:t>devido à grande quantidade de transmissões que eram feitas na </a:t>
-            </a:r>
-            <a:r>
-              <a:rPr lang="pt-BR" sz="3200" dirty="0" smtClean="0">
-                <a:solidFill>
-                  <a:schemeClr val="bg1"/>
-                </a:solidFill>
-              </a:rPr>
-              <a:t>época. Essa </a:t>
-            </a:r>
-            <a:r>
-              <a:rPr lang="pt-BR" sz="3200" dirty="0">
-                <a:solidFill>
-                  <a:schemeClr val="bg1"/>
-                </a:solidFill>
-              </a:rPr>
-              <a:t>interferência é criada por um </a:t>
-            </a:r>
-            <a:r>
-              <a:rPr lang="pt-BR" sz="3200" dirty="0" smtClean="0">
-                <a:solidFill>
-                  <a:schemeClr val="bg1"/>
-                </a:solidFill>
-              </a:rPr>
-              <a:t>curto-circuito</a:t>
-            </a:r>
-            <a:r>
-              <a:rPr lang="pt-BR" sz="3200" dirty="0">
-                <a:solidFill>
-                  <a:schemeClr val="bg1"/>
-                </a:solidFill>
-              </a:rPr>
-              <a:t> ou a junção indutiva entre essas duas linhas independentes.</a:t>
-            </a:r>
-          </a:p>
-          <a:p>
-            <a:endParaRPr lang="pt-BR" dirty="0"/>
-          </a:p>
-        </p:txBody>
-      </p:sp>
-    </p:spTree>
-    <p:extLst>
-      <p:ext uri="{BB962C8B-B14F-4D97-AF65-F5344CB8AC3E}">
-        <p14:creationId xmlns:p14="http://schemas.microsoft.com/office/powerpoint/2010/main" val="2812375822"/>
-      </p:ext>
-    </p:extLst>
-  </p:cSld>
-  <p:clrMapOvr>
-    <a:masterClrMapping/>
-  </p:clrMapOvr>
-  <p:timing>
-    <p:tnLst>
-      <p:par>
-        <p:cTn id="1" dur="indefinite" restart="never" nodeType="tmRoot"/>
-      </p:par>
-    </p:tnLst>
-  </p:timing>
-</p:sld>
-</file>
-
-<file path=ppt/slides/slide12.xml><?xml version="1.0" encoding="utf-8"?>
-<p:sld xmlns:a="http://schemas.openxmlformats.org/drawingml/2006/main" xmlns:r="http://schemas.openxmlformats.org/officeDocument/2006/relationships" xmlns:p="http://schemas.openxmlformats.org/presentationml/2006/main">
-  <p:cSld>
-    <p:spTree>
-      <p:nvGrpSpPr>
-        <p:cNvPr id="1" name=""/>
-        <p:cNvGrpSpPr/>
-        <p:nvPr/>
-      </p:nvGrpSpPr>
-      <p:grpSpPr>
-        <a:xfrm>
-          <a:off x="0" y="0"/>
-          <a:ext cx="0" cy="0"/>
-          <a:chOff x="0" y="0"/>
-          <a:chExt cx="0" cy="0"/>
-        </a:xfrm>
-      </p:grpSpPr>
-      <p:sp>
-        <p:nvSpPr>
-          <p:cNvPr id="2" name="Título 1"/>
-          <p:cNvSpPr>
-            <a:spLocks noGrp="1"/>
-          </p:cNvSpPr>
-          <p:nvPr>
-            <p:ph type="title"/>
-          </p:nvPr>
-        </p:nvSpPr>
-        <p:spPr/>
-        <p:txBody>
-          <a:bodyPr/>
-          <a:lstStyle/>
-          <a:p>
-            <a:pPr algn="ctr"/>
-            <a:r>
-              <a:rPr kumimoji="0" lang="pt-BR" altLang="pt-BR" b="1" i="1" u="none" strike="noStrike" cap="none" normalizeH="0" baseline="0" dirty="0" smtClean="0">
-                <a:ln>
-                  <a:noFill/>
-                </a:ln>
-                <a:solidFill>
-                  <a:srgbClr val="79610D"/>
-                </a:solidFill>
-                <a:effectLst/>
-                <a:latin typeface="Arial" panose="020B0604020202020204" pitchFamily="34" charset="0"/>
-                <a:ea typeface="Times New Roman" panose="02020603050405020304" pitchFamily="18" charset="0"/>
-                <a:cs typeface="Comic Sans MS" panose="030F0702030302020204" pitchFamily="66" charset="0"/>
-              </a:rPr>
-              <a:t>Ruído </a:t>
-            </a:r>
-            <a:r>
-              <a:rPr kumimoji="0" lang="pt-BR" altLang="pt-BR" b="1" i="1" u="none" strike="noStrike" cap="none" normalizeH="0" baseline="0" dirty="0" err="1" smtClean="0">
-                <a:ln>
-                  <a:noFill/>
-                </a:ln>
-                <a:solidFill>
-                  <a:srgbClr val="79610D"/>
-                </a:solidFill>
-                <a:effectLst/>
-                <a:latin typeface="Arial" panose="020B0604020202020204" pitchFamily="34" charset="0"/>
-                <a:ea typeface="Times New Roman" panose="02020603050405020304" pitchFamily="18" charset="0"/>
-                <a:cs typeface="Comic Sans MS" panose="030F0702030302020204" pitchFamily="66" charset="0"/>
-              </a:rPr>
-              <a:t>Crosstalk</a:t>
-            </a:r>
-            <a:endParaRPr lang="pt-BR" dirty="0"/>
-          </a:p>
-        </p:txBody>
-      </p:sp>
-      <p:sp>
-        <p:nvSpPr>
-          <p:cNvPr id="3" name="Espaço Reservado para Conteúdo 2"/>
-          <p:cNvSpPr>
-            <a:spLocks noGrp="1"/>
-          </p:cNvSpPr>
-          <p:nvPr>
-            <p:ph idx="1"/>
-          </p:nvPr>
-        </p:nvSpPr>
-        <p:spPr/>
-        <p:txBody>
-          <a:bodyPr/>
-          <a:lstStyle/>
-          <a:p>
-            <a:r>
-              <a:rPr lang="pt-BR" sz="3600" dirty="0">
-                <a:solidFill>
-                  <a:schemeClr val="bg1"/>
-                </a:solidFill>
-              </a:rPr>
-              <a:t>Em </a:t>
-            </a:r>
-            <a:r>
-              <a:rPr lang="pt-BR" sz="3600" dirty="0" smtClean="0">
-                <a:solidFill>
-                  <a:schemeClr val="bg1"/>
-                </a:solidFill>
-              </a:rPr>
-              <a:t>eletrônica,</a:t>
-            </a:r>
-            <a:r>
-              <a:rPr lang="pt-BR" sz="3600" dirty="0">
-                <a:solidFill>
-                  <a:schemeClr val="bg1"/>
-                </a:solidFill>
-              </a:rPr>
-              <a:t> </a:t>
-            </a:r>
-            <a:r>
-              <a:rPr lang="pt-BR" sz="3600" i="1" dirty="0" err="1">
-                <a:solidFill>
-                  <a:schemeClr val="bg1"/>
-                </a:solidFill>
-              </a:rPr>
-              <a:t>crosstalk</a:t>
-            </a:r>
-            <a:r>
-              <a:rPr lang="pt-BR" sz="3600" dirty="0">
-                <a:solidFill>
-                  <a:schemeClr val="bg1"/>
-                </a:solidFill>
-              </a:rPr>
-              <a:t> é qualquer fenômeno em que um sinal transmitido em um circuito ou canal de um sistema de transmissão cria um efeito indesejado em outro circuito ou canal. </a:t>
-            </a:r>
-            <a:r>
-              <a:rPr lang="pt-BR" sz="3600" i="1" dirty="0" err="1">
-                <a:solidFill>
-                  <a:schemeClr val="bg1"/>
-                </a:solidFill>
-              </a:rPr>
-              <a:t>Crosstalk</a:t>
-            </a:r>
-            <a:r>
-              <a:rPr lang="pt-BR" sz="3600" dirty="0">
-                <a:solidFill>
-                  <a:schemeClr val="bg1"/>
+                  <a:schemeClr val="tx1">
+                    <a:lumMod val="95000"/>
+                    <a:lumOff val="5000"/>
+                  </a:schemeClr>
                 </a:solidFill>
               </a:rPr>
               <a:t> é normalmente causado por capacitâncias, indutâncias ou conexão condutiva com um circuito ou canal — todas indesejadas.</a:t>
             </a:r>
           </a:p>
           <a:p>
-            <a:endParaRPr lang="pt-BR" dirty="0"/>
+            <a:endParaRPr lang="pt-BR" dirty="0">
+              <a:solidFill>
+                <a:schemeClr val="tx1">
+                  <a:lumMod val="95000"/>
+                  <a:lumOff val="5000"/>
+                </a:schemeClr>
+              </a:solidFill>
+            </a:endParaRPr>
           </a:p>
         </p:txBody>
       </p:sp>
@@ -3915,7 +3606,7 @@
 </p:sld>
 </file>
 
-<file path=ppt/slides/slide13.xml><?xml version="1.0" encoding="utf-8"?>
+<file path=ppt/slides/slide12.xml><?xml version="1.0" encoding="utf-8"?>
 <p:sld xmlns:a="http://schemas.openxmlformats.org/drawingml/2006/main" xmlns:r="http://schemas.openxmlformats.org/officeDocument/2006/relationships" xmlns:p="http://schemas.openxmlformats.org/presentationml/2006/main">
   <p:cSld>
     <p:spTree>
@@ -4039,7 +3730,7 @@
 </p:sld>
 </file>
 
-<file path=ppt/slides/slide14.xml><?xml version="1.0" encoding="utf-8"?>
+<file path=ppt/slides/slide13.xml><?xml version="1.0" encoding="utf-8"?>
 <p:sld xmlns:a="http://schemas.openxmlformats.org/drawingml/2006/main" xmlns:r="http://schemas.openxmlformats.org/officeDocument/2006/relationships" xmlns:p="http://schemas.openxmlformats.org/presentationml/2006/main">
   <p:cSld>
     <p:spTree>
@@ -4097,9 +3788,22 @@
         </p:nvSpPr>
         <p:spPr>
           <a:xfrm>
-            <a:off x="1676400" y="2124390"/>
-            <a:ext cx="10515600" cy="4351338"/>
+            <a:off x="522513" y="2124390"/>
+            <a:ext cx="11025053" cy="4351338"/>
           </a:xfrm>
+          <a:gradFill>
+            <a:gsLst>
+              <a:gs pos="0">
+                <a:schemeClr val="bg1"/>
+              </a:gs>
+              <a:gs pos="100000">
+                <a:schemeClr val="bg1">
+                  <a:alpha val="77000"/>
+                </a:schemeClr>
+              </a:gs>
+            </a:gsLst>
+            <a:lin ang="5400000" scaled="1"/>
+          </a:gradFill>
         </p:spPr>
         <p:txBody>
           <a:bodyPr/>
@@ -4112,8 +3816,24 @@
                 </a:solidFill>
                 <a:hlinkClick r:id="rId2"/>
               </a:rPr>
-              <a:t>http://penta2.ufrgs.br/Antonio/termico.html</a:t>
-            </a:r>
+              <a:t>http://</a:t>
+            </a:r>
+            <a:r>
+              <a:rPr lang="pt-BR" u="sng" dirty="0" smtClean="0">
+                <a:solidFill>
+                  <a:schemeClr val="bg1"/>
+                </a:solidFill>
+                <a:hlinkClick r:id="rId2"/>
+              </a:rPr>
+              <a:t>penta2.ufrgs.br/Antonio/termico.html</a:t>
+            </a:r>
+            <a:endParaRPr lang="pt-BR" u="sng" dirty="0" smtClean="0">
+              <a:solidFill>
+                <a:schemeClr val="bg1"/>
+              </a:solidFill>
+            </a:endParaRPr>
+          </a:p>
+          <a:p>
             <a:endParaRPr lang="pt-BR" dirty="0">
               <a:solidFill>
                 <a:schemeClr val="bg1"/>
@@ -4128,8 +3848,24 @@
                 </a:solidFill>
                 <a:hlinkClick r:id="rId3"/>
               </a:rPr>
-              <a:t>https://pt.wikipedia.org/wiki/Crosstalk</a:t>
-            </a:r>
+              <a:t>https://</a:t>
+            </a:r>
+            <a:r>
+              <a:rPr lang="pt-BR" u="sng" dirty="0" smtClean="0">
+                <a:solidFill>
+                  <a:schemeClr val="bg1"/>
+                </a:solidFill>
+                <a:hlinkClick r:id="rId3"/>
+              </a:rPr>
+              <a:t>pt.wikipedia.org/wiki/Crosstalk</a:t>
+            </a:r>
+            <a:endParaRPr lang="pt-BR" u="sng" dirty="0" smtClean="0">
+              <a:solidFill>
+                <a:schemeClr val="bg1"/>
+              </a:solidFill>
+            </a:endParaRPr>
+          </a:p>
+          <a:p>
             <a:endParaRPr lang="pt-BR" dirty="0">
               <a:solidFill>
                 <a:schemeClr val="bg1"/>
@@ -4244,7 +3980,21 @@
             <p:ph idx="1"/>
           </p:nvPr>
         </p:nvSpPr>
-        <p:spPr/>
+        <p:spPr>
+          <a:gradFill>
+            <a:gsLst>
+              <a:gs pos="0">
+                <a:schemeClr val="bg1"/>
+              </a:gs>
+              <a:gs pos="100000">
+                <a:schemeClr val="bg1">
+                  <a:alpha val="77000"/>
+                </a:schemeClr>
+              </a:gs>
+            </a:gsLst>
+            <a:lin ang="5400000" scaled="1"/>
+          </a:gradFill>
+        </p:spPr>
         <p:txBody>
           <a:bodyPr/>
           <a:lstStyle/>
@@ -4267,7 +4017,10 @@
                   <a:noFill/>
                 </a:ln>
                 <a:solidFill>
-                  <a:srgbClr val="FFFFFF"/>
+                  <a:schemeClr val="tx1">
+                    <a:lumMod val="95000"/>
+                    <a:lumOff val="5000"/>
+                  </a:schemeClr>
                 </a:solidFill>
                 <a:effectLst/>
                 <a:latin typeface="Arial" panose="020B0604020202020204" pitchFamily="34" charset="0"/>
@@ -4296,7 +4049,10 @@
                   <a:noFill/>
                 </a:ln>
                 <a:solidFill>
-                  <a:srgbClr val="FFFFFF"/>
+                  <a:schemeClr val="tx1">
+                    <a:lumMod val="95000"/>
+                    <a:lumOff val="5000"/>
+                  </a:schemeClr>
                 </a:solidFill>
                 <a:effectLst/>
                 <a:latin typeface="Arial" panose="020B0604020202020204" pitchFamily="34" charset="0"/>
@@ -4311,7 +4067,10 @@
                   <a:noFill/>
                 </a:ln>
                 <a:solidFill>
-                  <a:schemeClr val="bg1"/>
+                  <a:schemeClr val="tx1">
+                    <a:lumMod val="95000"/>
+                    <a:lumOff val="5000"/>
+                  </a:schemeClr>
                 </a:solidFill>
                 <a:effectLst/>
                 <a:latin typeface="Arial" panose="020B0604020202020204" pitchFamily="34" charset="0"/>
@@ -4326,7 +4085,10 @@
                   <a:noFill/>
                 </a:ln>
                 <a:solidFill>
-                  <a:srgbClr val="000000"/>
+                  <a:schemeClr val="tx1">
+                    <a:lumMod val="95000"/>
+                    <a:lumOff val="5000"/>
+                  </a:schemeClr>
                 </a:solidFill>
                 <a:effectLst/>
                 <a:latin typeface="Arial" panose="020B0604020202020204" pitchFamily="34" charset="0"/>
@@ -4341,7 +4103,10 @@
                   <a:noFill/>
                 </a:ln>
                 <a:solidFill>
-                  <a:srgbClr val="FFFFFF"/>
+                  <a:schemeClr val="tx1">
+                    <a:lumMod val="95000"/>
+                    <a:lumOff val="5000"/>
+                  </a:schemeClr>
                 </a:solidFill>
                 <a:effectLst/>
                 <a:latin typeface="Arial" panose="020B0604020202020204" pitchFamily="34" charset="0"/>
@@ -4356,7 +4121,10 @@
                   <a:noFill/>
                 </a:ln>
                 <a:solidFill>
-                  <a:schemeClr val="bg1"/>
+                  <a:schemeClr val="tx1">
+                    <a:lumMod val="95000"/>
+                    <a:lumOff val="5000"/>
+                  </a:schemeClr>
                 </a:solidFill>
                 <a:effectLst/>
                 <a:latin typeface="Arial" panose="020B0604020202020204" pitchFamily="34" charset="0"/>
@@ -4371,7 +4139,10 @@
                   <a:noFill/>
                 </a:ln>
                 <a:solidFill>
-                  <a:schemeClr val="bg1"/>
+                  <a:schemeClr val="tx1">
+                    <a:lumMod val="95000"/>
+                    <a:lumOff val="5000"/>
+                  </a:schemeClr>
                 </a:solidFill>
                 <a:effectLst/>
                 <a:latin typeface="Arial" panose="020B0604020202020204" pitchFamily="34" charset="0"/>
@@ -4383,14 +4154,14 @@
                 <a:noFill/>
               </a:ln>
               <a:solidFill>
-                <a:schemeClr val="bg1"/>
+                <a:schemeClr val="tx1">
+                  <a:lumMod val="95000"/>
+                  <a:lumOff val="5000"/>
+                </a:schemeClr>
               </a:solidFill>
               <a:effectLst/>
               <a:latin typeface="Arial" panose="020B0604020202020204" pitchFamily="34" charset="0"/>
             </a:endParaRPr>
-          </a:p>
-          <a:p>
-            <a:endParaRPr lang="pt-BR" dirty="0"/>
           </a:p>
         </p:txBody>
       </p:sp>
@@ -4506,6 +4277,19 @@
             <a:off x="838200" y="1924099"/>
             <a:ext cx="10515600" cy="4351338"/>
           </a:xfrm>
+          <a:gradFill>
+            <a:gsLst>
+              <a:gs pos="0">
+                <a:schemeClr val="bg1"/>
+              </a:gs>
+              <a:gs pos="100000">
+                <a:schemeClr val="bg1">
+                  <a:alpha val="77000"/>
+                </a:schemeClr>
+              </a:gs>
+            </a:gsLst>
+            <a:lin ang="5400000" scaled="1"/>
+          </a:gradFill>
         </p:spPr>
         <p:txBody>
           <a:bodyPr/>
@@ -4532,7 +4316,10 @@
                   <a:noFill/>
                 </a:ln>
                 <a:solidFill>
-                  <a:schemeClr val="bg1"/>
+                  <a:schemeClr val="tx1">
+                    <a:lumMod val="95000"/>
+                    <a:lumOff val="5000"/>
+                  </a:schemeClr>
                 </a:solidFill>
                 <a:effectLst/>
                 <a:latin typeface="Arial" panose="020B0604020202020204" pitchFamily="34" charset="0"/>
@@ -4546,7 +4333,10 @@
                 <a:noFill/>
               </a:ln>
               <a:solidFill>
-                <a:schemeClr val="bg1"/>
+                <a:schemeClr val="tx1">
+                  <a:lumMod val="95000"/>
+                  <a:lumOff val="5000"/>
+                </a:schemeClr>
               </a:solidFill>
               <a:effectLst/>
               <a:latin typeface="Arial" panose="020B0604020202020204" pitchFamily="34" charset="0"/>
@@ -4575,7 +4365,10 @@
                 <a:noFill/>
               </a:ln>
               <a:solidFill>
-                <a:schemeClr val="bg1"/>
+                <a:schemeClr val="tx1">
+                  <a:lumMod val="95000"/>
+                  <a:lumOff val="5000"/>
+                </a:schemeClr>
               </a:solidFill>
               <a:effectLst/>
               <a:latin typeface="Arial" panose="020B0604020202020204" pitchFamily="34" charset="0"/>
@@ -4606,7 +4399,10 @@
                   <a:noFill/>
                 </a:ln>
                 <a:solidFill>
-                  <a:schemeClr val="bg1"/>
+                  <a:schemeClr val="tx1">
+                    <a:lumMod val="95000"/>
+                    <a:lumOff val="5000"/>
+                  </a:schemeClr>
                 </a:solidFill>
                 <a:effectLst/>
                 <a:latin typeface="Arial" panose="020B0604020202020204" pitchFamily="34" charset="0"/>
@@ -4620,7 +4416,10 @@
                 <a:noFill/>
               </a:ln>
               <a:solidFill>
-                <a:schemeClr val="bg1"/>
+                <a:schemeClr val="tx1">
+                  <a:lumMod val="95000"/>
+                  <a:lumOff val="5000"/>
+                </a:schemeClr>
               </a:solidFill>
               <a:effectLst/>
               <a:latin typeface="Arial" panose="020B0604020202020204" pitchFamily="34" charset="0"/>
@@ -4649,7 +4448,10 @@
                   <a:noFill/>
                 </a:ln>
                 <a:solidFill>
-                  <a:schemeClr val="bg1"/>
+                  <a:schemeClr val="tx1">
+                    <a:lumMod val="95000"/>
+                    <a:lumOff val="5000"/>
+                  </a:schemeClr>
                 </a:solidFill>
                 <a:effectLst/>
                 <a:latin typeface="Arial" panose="020B0604020202020204" pitchFamily="34" charset="0"/>
@@ -4663,7 +4465,10 @@
                 <a:noFill/>
               </a:ln>
               <a:solidFill>
-                <a:schemeClr val="bg1"/>
+                <a:schemeClr val="tx1">
+                  <a:lumMod val="95000"/>
+                  <a:lumOff val="5000"/>
+                </a:schemeClr>
               </a:solidFill>
               <a:effectLst/>
               <a:latin typeface="Arial" panose="020B0604020202020204" pitchFamily="34" charset="0"/>
@@ -4694,7 +4499,10 @@
                   <a:noFill/>
                 </a:ln>
                 <a:solidFill>
-                  <a:schemeClr val="bg1"/>
+                  <a:schemeClr val="tx1">
+                    <a:lumMod val="95000"/>
+                    <a:lumOff val="5000"/>
+                  </a:schemeClr>
                 </a:solidFill>
                 <a:effectLst/>
                 <a:latin typeface="Arial" panose="020B0604020202020204" pitchFamily="34" charset="0"/>
@@ -4707,7 +4515,10 @@
                   <a:noFill/>
                 </a:ln>
                 <a:solidFill>
-                  <a:schemeClr val="bg1"/>
+                  <a:schemeClr val="tx1">
+                    <a:lumMod val="95000"/>
+                    <a:lumOff val="5000"/>
+                  </a:schemeClr>
                 </a:solidFill>
                 <a:effectLst/>
                 <a:latin typeface="Arial" panose="020B0604020202020204" pitchFamily="34" charset="0"/>
@@ -4720,7 +4531,10 @@
                   <a:noFill/>
                 </a:ln>
                 <a:solidFill>
-                  <a:schemeClr val="bg1"/>
+                  <a:schemeClr val="tx1">
+                    <a:lumMod val="95000"/>
+                    <a:lumOff val="5000"/>
+                  </a:schemeClr>
                 </a:solidFill>
                 <a:effectLst/>
                 <a:latin typeface="Arial" panose="020B0604020202020204" pitchFamily="34" charset="0"/>
@@ -4733,7 +4547,10 @@
                   <a:noFill/>
                 </a:ln>
                 <a:solidFill>
-                  <a:schemeClr val="bg1"/>
+                  <a:schemeClr val="tx1">
+                    <a:lumMod val="95000"/>
+                    <a:lumOff val="5000"/>
+                  </a:schemeClr>
                 </a:solidFill>
                 <a:effectLst/>
                 <a:latin typeface="Arial" panose="020B0604020202020204" pitchFamily="34" charset="0"/>
@@ -4745,14 +4562,24 @@
                 <a:noFill/>
               </a:ln>
               <a:solidFill>
-                <a:schemeClr val="bg1"/>
+                <a:schemeClr val="tx1">
+                  <a:lumMod val="95000"/>
+                  <a:lumOff val="5000"/>
+                </a:schemeClr>
               </a:solidFill>
               <a:effectLst/>
               <a:latin typeface="Arial" panose="020B0604020202020204" pitchFamily="34" charset="0"/>
             </a:endParaRPr>
           </a:p>
           <a:p>
-            <a:endParaRPr lang="pt-BR" dirty="0"/>
+            <a:endParaRPr lang="pt-BR" dirty="0">
+              <a:solidFill>
+                <a:schemeClr val="tx1">
+                  <a:lumMod val="95000"/>
+                  <a:lumOff val="5000"/>
+                </a:schemeClr>
+              </a:solidFill>
+            </a:endParaRPr>
           </a:p>
         </p:txBody>
       </p:sp>
@@ -4803,7 +4630,21 @@
             <p:ph idx="1"/>
           </p:nvPr>
         </p:nvSpPr>
-        <p:spPr/>
+        <p:spPr>
+          <a:gradFill>
+            <a:gsLst>
+              <a:gs pos="0">
+                <a:schemeClr val="bg1"/>
+              </a:gs>
+              <a:gs pos="100000">
+                <a:schemeClr val="bg1">
+                  <a:alpha val="77000"/>
+                </a:schemeClr>
+              </a:gs>
+            </a:gsLst>
+            <a:lin ang="5400000" scaled="1"/>
+          </a:gradFill>
+        </p:spPr>
         <p:txBody>
           <a:bodyPr/>
           <a:lstStyle/>
@@ -4814,7 +4655,10 @@
             <a:r>
               <a:rPr lang="pt-BR" dirty="0">
                 <a:solidFill>
-                  <a:schemeClr val="bg1"/>
+                  <a:schemeClr val="tx1">
+                    <a:lumMod val="95000"/>
+                    <a:lumOff val="5000"/>
+                  </a:schemeClr>
                 </a:solidFill>
               </a:rPr>
               <a:t>O ruído impulsivo pode ser descrito como um processo caracterizado por rajadas de um ou vários pequenos pulsos sendo que a amplitude, a duração e o intervalo de tempo ocorrem aleatoriamente.</a:t>
@@ -4824,7 +4668,14 @@
             <a:pPr marL="0" indent="0">
               <a:buNone/>
             </a:pPr>
-            <a:endParaRPr lang="pt-BR" dirty="0"/>
+            <a:endParaRPr lang="pt-BR" dirty="0">
+              <a:solidFill>
+                <a:schemeClr val="tx1">
+                  <a:lumMod val="95000"/>
+                  <a:lumOff val="5000"/>
+                </a:schemeClr>
+              </a:solidFill>
+            </a:endParaRPr>
           </a:p>
         </p:txBody>
       </p:sp>
@@ -4941,41 +4792,48 @@
           <a:chExt cx="0" cy="0"/>
         </a:xfrm>
       </p:grpSpPr>
-      <p:sp>
-        <p:nvSpPr>
-          <p:cNvPr id="3" name="Espaço Reservado para Conteúdo 2"/>
-          <p:cNvSpPr>
-            <a:spLocks noGrp="1"/>
-          </p:cNvSpPr>
+      <p:pic>
+        <p:nvPicPr>
+          <p:cNvPr id="2" name="Espaço Reservado para Conteúdo 1"/>
+          <p:cNvPicPr>
+            <a:picLocks noGrp="1" noChangeAspect="1"/>
+          </p:cNvPicPr>
           <p:nvPr>
             <p:ph idx="1"/>
           </p:nvPr>
-        </p:nvSpPr>
-        <p:spPr/>
-        <p:txBody>
-          <a:bodyPr/>
-          <a:lstStyle/>
-          <a:p>
-            <a:pPr marL="0" indent="0">
-              <a:buNone/>
-            </a:pPr>
-            <a:r>
-              <a:rPr lang="pt-BR" dirty="0">
-                <a:solidFill>
-                  <a:schemeClr val="bg1"/>
-                </a:solidFill>
-              </a:rPr>
-              <a:t>Funciona em forma de impulsos irregulares de grande amplitude, o que torna difícil a prevenção. A duração desses impulsos pode variar de alguns até centenas de mil segundos. É provocado por distúrbios elétricos externos ou por falhas em equipamentos. </a:t>
-            </a:r>
-          </a:p>
-          <a:p>
-            <a:pPr marL="0" indent="0">
-              <a:buNone/>
-            </a:pPr>
-            <a:endParaRPr lang="pt-BR" dirty="0"/>
-          </a:p>
-        </p:txBody>
-      </p:sp>
+        </p:nvPicPr>
+        <p:blipFill>
+          <a:blip r:embed="rId2">
+            <a:extLst>
+              <a:ext uri="{28A0092B-C50C-407E-A947-70E740481C1C}">
+                <a14:useLocalDpi xmlns:a14="http://schemas.microsoft.com/office/drawing/2010/main" val="0"/>
+              </a:ext>
+            </a:extLst>
+          </a:blip>
+          <a:stretch>
+            <a:fillRect/>
+          </a:stretch>
+        </p:blipFill>
+        <p:spPr>
+          <a:xfrm>
+            <a:off x="2265218" y="1690688"/>
+            <a:ext cx="7477991" cy="4985327"/>
+          </a:xfrm>
+          <a:gradFill>
+            <a:gsLst>
+              <a:gs pos="0">
+                <a:schemeClr val="bg1"/>
+              </a:gs>
+              <a:gs pos="100000">
+                <a:schemeClr val="bg1">
+                  <a:alpha val="77000"/>
+                </a:schemeClr>
+              </a:gs>
+            </a:gsLst>
+            <a:lin ang="5400000" scaled="1"/>
+          </a:gradFill>
+        </p:spPr>
+      </p:pic>
       <p:sp>
         <p:nvSpPr>
           <p:cNvPr id="6" name="Título 5"/>
@@ -5091,116 +4949,99 @@
       </p:grpSpPr>
       <p:sp>
         <p:nvSpPr>
-          <p:cNvPr id="3" name="Espaço Reservado para Conteúdo 2"/>
-          <p:cNvSpPr>
-            <a:spLocks noGrp="1"/>
-          </p:cNvSpPr>
-          <p:nvPr>
-            <p:ph idx="1"/>
+          <p:cNvPr id="2" name="Título 1"/>
+          <p:cNvSpPr>
+            <a:spLocks noGrp="1"/>
+          </p:cNvSpPr>
+          <p:nvPr>
+            <p:ph type="title"/>
           </p:nvPr>
         </p:nvSpPr>
         <p:spPr/>
         <p:txBody>
-          <a:bodyPr>
-            <a:normAutofit/>
-          </a:bodyPr>
-          <a:lstStyle/>
-          <a:p>
-            <a:pPr marL="0" indent="0">
-              <a:buNone/>
-            </a:pPr>
-            <a:r>
-              <a:rPr lang="pt-BR" dirty="0">
-                <a:solidFill>
-                  <a:schemeClr val="bg1"/>
-                </a:solidFill>
-              </a:rPr>
-              <a:t>Os efeitos do ruído impulsivo podem afetar consideravelmente o desempenho dos sistemas de comunicações e seu comportamento não estacionário faz com que seja mais difícil analisa-lo. As fontes geradoras desse tipo de ruído são numerosas e diferem de uma situação para outra. O ruído impulsivo pode ser natural, devido a fenômenos atmosféricos, como descargas de raios, ou artificial. </a:t>
-            </a:r>
-            <a:endParaRPr lang="pt-BR" dirty="0"/>
-          </a:p>
-        </p:txBody>
-      </p:sp>
-      <p:sp>
-        <p:nvSpPr>
-          <p:cNvPr id="6" name="Título 5"/>
-          <p:cNvSpPr>
-            <a:spLocks noGrp="1"/>
-          </p:cNvSpPr>
-          <p:nvPr>
-            <p:ph type="title"/>
-          </p:nvPr>
-        </p:nvSpPr>
-        <p:spPr/>
-        <p:txBody>
-          <a:bodyPr/>
-          <a:lstStyle/>
-          <a:p>
-            <a:endParaRPr lang="pt-BR"/>
-          </a:p>
-        </p:txBody>
-      </p:sp>
-      <p:sp>
-        <p:nvSpPr>
-          <p:cNvPr id="7" name="Título 1"/>
-          <p:cNvSpPr txBox="1">
-            <a:spLocks/>
-          </p:cNvSpPr>
-          <p:nvPr/>
-        </p:nvSpPr>
-        <p:spPr>
-          <a:xfrm>
-            <a:off x="990600" y="517525"/>
-            <a:ext cx="10515600" cy="1325563"/>
-          </a:xfrm>
-          <a:prstGeom prst="rect">
-            <a:avLst/>
-          </a:prstGeom>
-        </p:spPr>
-        <p:txBody>
-          <a:bodyPr vert="horz" lIns="91440" tIns="45720" rIns="91440" bIns="45720" rtlCol="0" anchor="ctr">
-            <a:normAutofit/>
-          </a:bodyPr>
-          <a:lstStyle>
-            <a:lvl1pPr algn="l" defTabSz="914400" rtl="0" eaLnBrk="1" latinLnBrk="0" hangingPunct="1">
-              <a:lnSpc>
-                <a:spcPct val="90000"/>
-              </a:lnSpc>
-              <a:spcBef>
-                <a:spcPct val="0"/>
-              </a:spcBef>
-              <a:buNone/>
-              <a:defRPr sz="4400" kern="1200">
-                <a:solidFill>
-                  <a:schemeClr val="tx1"/>
-                </a:solidFill>
-                <a:latin typeface="+mj-lt"/>
-                <a:ea typeface="+mj-ea"/>
-                <a:cs typeface="+mj-cs"/>
-              </a:defRPr>
-            </a:lvl1pPr>
-          </a:lstStyle>
+          <a:bodyPr/>
+          <a:lstStyle/>
           <a:p>
             <a:pPr algn="ctr"/>
             <a:r>
-              <a:rPr lang="pt-BR" altLang="pt-BR" b="1" i="1" dirty="0" smtClean="0">
+              <a:rPr kumimoji="0" lang="pt-BR" altLang="pt-BR" b="1" i="1" u="none" strike="noStrike" cap="none" normalizeH="0" baseline="0" dirty="0" smtClean="0">
+                <a:ln>
+                  <a:noFill/>
+                </a:ln>
                 <a:solidFill>
                   <a:srgbClr val="79610D"/>
                 </a:solidFill>
+                <a:effectLst/>
                 <a:latin typeface="Arial" panose="020B0604020202020204" pitchFamily="34" charset="0"/>
                 <a:ea typeface="Times New Roman" panose="02020603050405020304" pitchFamily="18" charset="0"/>
                 <a:cs typeface="Comic Sans MS" panose="030F0702030302020204" pitchFamily="66" charset="0"/>
               </a:rPr>
-              <a:t>Ruído Impulsivo</a:t>
+              <a:t>Ruído Térmico</a:t>
             </a:r>
             <a:endParaRPr lang="pt-BR" dirty="0"/>
+          </a:p>
+        </p:txBody>
+      </p:sp>
+      <p:sp>
+        <p:nvSpPr>
+          <p:cNvPr id="3" name="Espaço Reservado para Conteúdo 2"/>
+          <p:cNvSpPr>
+            <a:spLocks noGrp="1"/>
+          </p:cNvSpPr>
+          <p:nvPr>
+            <p:ph idx="1"/>
+          </p:nvPr>
+        </p:nvSpPr>
+        <p:spPr>
+          <a:gradFill>
+            <a:gsLst>
+              <a:gs pos="0">
+                <a:schemeClr val="bg1"/>
+              </a:gs>
+              <a:gs pos="100000">
+                <a:schemeClr val="bg1">
+                  <a:alpha val="77000"/>
+                </a:schemeClr>
+              </a:gs>
+            </a:gsLst>
+            <a:lin ang="5400000" scaled="1"/>
+          </a:gradFill>
+        </p:spPr>
+        <p:txBody>
+          <a:bodyPr/>
+          <a:lstStyle/>
+          <a:p>
+            <a:pPr marL="0" indent="0">
+              <a:buNone/>
+            </a:pPr>
+            <a:r>
+              <a:rPr lang="pt-BR" dirty="0">
+                <a:solidFill>
+                  <a:schemeClr val="tx1">
+                    <a:lumMod val="95000"/>
+                    <a:lumOff val="5000"/>
+                  </a:schemeClr>
+                </a:solidFill>
+              </a:rPr>
+              <a:t>O ruído aleatório nos elementos passivos é denominado ruído térmico, pois está inteiramente associado a temperatura absoluta. O ruído térmico é uma espécie de ruído branco gerado pela movimentação dos elétrons livres em um meio condutor. Um dos casos mais característicos de ruído térmico é aquele gerado pelos resistores metálicos.</a:t>
+            </a:r>
+          </a:p>
+          <a:p>
+            <a:endParaRPr lang="pt-BR" dirty="0">
+              <a:solidFill>
+                <a:schemeClr val="tx1">
+                  <a:lumMod val="95000"/>
+                  <a:lumOff val="5000"/>
+                </a:schemeClr>
+              </a:solidFill>
+            </a:endParaRPr>
           </a:p>
         </p:txBody>
       </p:sp>
     </p:spTree>
     <p:extLst>
       <p:ext uri="{BB962C8B-B14F-4D97-AF65-F5344CB8AC3E}">
-        <p14:creationId xmlns:p14="http://schemas.microsoft.com/office/powerpoint/2010/main" val="3050985032"/>
+        <p14:creationId xmlns:p14="http://schemas.microsoft.com/office/powerpoint/2010/main" val="1114261445"/>
       </p:ext>
     </p:extLst>
   </p:cSld>
@@ -5236,120 +5077,146 @@
       </p:grpSpPr>
       <p:sp>
         <p:nvSpPr>
-          <p:cNvPr id="3" name="Espaço Reservado para Conteúdo 2"/>
-          <p:cNvSpPr>
-            <a:spLocks noGrp="1"/>
-          </p:cNvSpPr>
-          <p:nvPr>
-            <p:ph idx="1"/>
+          <p:cNvPr id="2" name="Título 1"/>
+          <p:cNvSpPr>
+            <a:spLocks noGrp="1"/>
+          </p:cNvSpPr>
+          <p:nvPr>
+            <p:ph type="title"/>
           </p:nvPr>
         </p:nvSpPr>
         <p:spPr/>
         <p:txBody>
-          <a:bodyPr>
-            <a:normAutofit/>
-          </a:bodyPr>
-          <a:lstStyle/>
-          <a:p>
-            <a:pPr marL="0" indent="0">
-              <a:buNone/>
-            </a:pPr>
-            <a:r>
-              <a:rPr lang="pt-BR" dirty="0">
-                <a:solidFill>
-                  <a:schemeClr val="bg1"/>
-                </a:solidFill>
-              </a:rPr>
-              <a:t>Ruídos ocasionados por equipamentos elétricos em ambientes fabris, lâmpadas fluorescentes e incandescentes, interruptores sendo acionados, ruídos de sistemas de ignição de automóveis, descargas eletrostáticas e transientes geradas pelas operações de comutação causados por reles analógicos em redes telefônicas, por exemplo, são de natureza impulsiva. </a:t>
-            </a:r>
-            <a:endParaRPr lang="pt-BR" dirty="0">
-              <a:solidFill>
-                <a:schemeClr val="bg1"/>
-              </a:solidFill>
-            </a:endParaRPr>
-          </a:p>
-        </p:txBody>
-      </p:sp>
-      <p:sp>
-        <p:nvSpPr>
-          <p:cNvPr id="6" name="Título 5"/>
-          <p:cNvSpPr>
-            <a:spLocks noGrp="1"/>
-          </p:cNvSpPr>
-          <p:nvPr>
-            <p:ph type="title"/>
-          </p:nvPr>
-        </p:nvSpPr>
-        <p:spPr/>
-        <p:txBody>
-          <a:bodyPr/>
-          <a:lstStyle/>
-          <a:p>
-            <a:endParaRPr lang="pt-BR"/>
-          </a:p>
-        </p:txBody>
-      </p:sp>
-      <p:sp>
-        <p:nvSpPr>
-          <p:cNvPr id="7" name="Título 1"/>
-          <p:cNvSpPr txBox="1">
-            <a:spLocks/>
-          </p:cNvSpPr>
-          <p:nvPr/>
-        </p:nvSpPr>
-        <p:spPr>
-          <a:xfrm>
-            <a:off x="990600" y="517525"/>
-            <a:ext cx="10515600" cy="1325563"/>
-          </a:xfrm>
-          <a:prstGeom prst="rect">
-            <a:avLst/>
-          </a:prstGeom>
-        </p:spPr>
-        <p:txBody>
-          <a:bodyPr vert="horz" lIns="91440" tIns="45720" rIns="91440" bIns="45720" rtlCol="0" anchor="ctr">
-            <a:normAutofit/>
-          </a:bodyPr>
-          <a:lstStyle>
-            <a:lvl1pPr algn="l" defTabSz="914400" rtl="0" eaLnBrk="1" latinLnBrk="0" hangingPunct="1">
-              <a:lnSpc>
-                <a:spcPct val="90000"/>
-              </a:lnSpc>
-              <a:spcBef>
-                <a:spcPct val="0"/>
-              </a:spcBef>
-              <a:buNone/>
-              <a:defRPr sz="4400" kern="1200">
-                <a:solidFill>
-                  <a:schemeClr val="tx1"/>
-                </a:solidFill>
-                <a:latin typeface="+mj-lt"/>
-                <a:ea typeface="+mj-ea"/>
-                <a:cs typeface="+mj-cs"/>
-              </a:defRPr>
-            </a:lvl1pPr>
-          </a:lstStyle>
+          <a:bodyPr/>
+          <a:lstStyle/>
           <a:p>
             <a:pPr algn="ctr"/>
             <a:r>
-              <a:rPr lang="pt-BR" altLang="pt-BR" b="1" i="1" dirty="0" smtClean="0">
+              <a:rPr kumimoji="0" lang="pt-BR" altLang="pt-BR" b="1" i="1" u="none" strike="noStrike" cap="none" normalizeH="0" baseline="0" dirty="0" smtClean="0">
+                <a:ln>
+                  <a:noFill/>
+                </a:ln>
                 <a:solidFill>
                   <a:srgbClr val="79610D"/>
                 </a:solidFill>
+                <a:effectLst/>
                 <a:latin typeface="Arial" panose="020B0604020202020204" pitchFamily="34" charset="0"/>
                 <a:ea typeface="Times New Roman" panose="02020603050405020304" pitchFamily="18" charset="0"/>
                 <a:cs typeface="Comic Sans MS" panose="030F0702030302020204" pitchFamily="66" charset="0"/>
               </a:rPr>
-              <a:t>Ruído Impulsivo</a:t>
+              <a:t>Ruído Térmico</a:t>
             </a:r>
             <a:endParaRPr lang="pt-BR" dirty="0"/>
+          </a:p>
+        </p:txBody>
+      </p:sp>
+      <p:sp>
+        <p:nvSpPr>
+          <p:cNvPr id="3" name="Espaço Reservado para Conteúdo 2"/>
+          <p:cNvSpPr>
+            <a:spLocks noGrp="1"/>
+          </p:cNvSpPr>
+          <p:nvPr>
+            <p:ph idx="1"/>
+          </p:nvPr>
+        </p:nvSpPr>
+        <p:spPr>
+          <a:gradFill>
+            <a:gsLst>
+              <a:gs pos="0">
+                <a:schemeClr val="bg1"/>
+              </a:gs>
+              <a:gs pos="100000">
+                <a:schemeClr val="bg1">
+                  <a:alpha val="77000"/>
+                </a:schemeClr>
+              </a:gs>
+            </a:gsLst>
+            <a:lin ang="5400000" scaled="1"/>
+          </a:gradFill>
+        </p:spPr>
+        <p:txBody>
+          <a:bodyPr/>
+          <a:lstStyle/>
+          <a:p>
+            <a:pPr marL="0" indent="0">
+              <a:buNone/>
+            </a:pPr>
+            <a:r>
+              <a:rPr lang="pt-BR" dirty="0">
+                <a:solidFill>
+                  <a:schemeClr val="tx1">
+                    <a:lumMod val="95000"/>
+                    <a:lumOff val="5000"/>
+                  </a:schemeClr>
+                </a:solidFill>
+              </a:rPr>
+              <a:t>As flutuações dos elétrons, em função da agitação térmica, apresentam movimento aleatório, gerando, assim, uma potência de ruído pequena, embora básica. Os elétrons, como um todo, não apresentam direção de deslocamento preferencial, embora, se este for observado em intervalos de tempo muito pequenos, pode-se notar uma pequena força resultante do deslocamento destes elétrons, que produz corrente elétrica </a:t>
+            </a:r>
+            <a:r>
+              <a:rPr lang="pt-BR" dirty="0" smtClean="0">
+                <a:solidFill>
+                  <a:schemeClr val="tx1">
+                    <a:lumMod val="95000"/>
+                    <a:lumOff val="5000"/>
+                  </a:schemeClr>
+                </a:solidFill>
+              </a:rPr>
+              <a:t>instantânea </a:t>
+            </a:r>
+            <a:r>
+              <a:rPr lang="pt-BR" dirty="0">
+                <a:solidFill>
+                  <a:schemeClr val="tx1">
+                    <a:lumMod val="95000"/>
+                    <a:lumOff val="5000"/>
+                  </a:schemeClr>
+                </a:solidFill>
+              </a:rPr>
+              <a:t>que apesar de muito pequena, apresenta variações. O ruído térmico apresenta aspecto praticamente constante para extensa faixa espectral para frequências de até 10.000 </a:t>
+            </a:r>
+            <a:r>
+              <a:rPr lang="pt-BR" dirty="0" err="1">
+                <a:solidFill>
+                  <a:schemeClr val="tx1">
+                    <a:lumMod val="95000"/>
+                    <a:lumOff val="5000"/>
+                  </a:schemeClr>
+                </a:solidFill>
+              </a:rPr>
+              <a:t>Ghz</a:t>
+            </a:r>
+            <a:r>
+              <a:rPr lang="pt-BR" dirty="0">
+                <a:solidFill>
+                  <a:schemeClr val="tx1">
+                    <a:lumMod val="95000"/>
+                    <a:lumOff val="5000"/>
+                  </a:schemeClr>
+                </a:solidFill>
+              </a:rPr>
+              <a:t>.</a:t>
+            </a:r>
+          </a:p>
+          <a:p>
+            <a:pPr marL="0" indent="0">
+              <a:buNone/>
+            </a:pPr>
+            <a:endParaRPr lang="pt-BR" dirty="0">
+              <a:solidFill>
+                <a:schemeClr val="tx1">
+                  <a:lumMod val="95000"/>
+                  <a:lumOff val="5000"/>
+                </a:schemeClr>
+              </a:solidFill>
+            </a:endParaRPr>
           </a:p>
         </p:txBody>
       </p:sp>
     </p:spTree>
     <p:extLst>
       <p:ext uri="{BB962C8B-B14F-4D97-AF65-F5344CB8AC3E}">
-        <p14:creationId xmlns:p14="http://schemas.microsoft.com/office/powerpoint/2010/main" val="2874600727"/>
+        <p14:creationId xmlns:p14="http://schemas.microsoft.com/office/powerpoint/2010/main" val="613519765"/>
       </p:ext>
     </p:extLst>
   </p:cSld>
@@ -5428,32 +5295,359 @@
             <p:ph idx="1"/>
           </p:nvPr>
         </p:nvSpPr>
-        <p:spPr/>
-        <p:txBody>
-          <a:bodyPr/>
-          <a:lstStyle/>
+        <p:spPr>
+          <a:gradFill>
+            <a:gsLst>
+              <a:gs pos="0">
+                <a:schemeClr val="bg1"/>
+              </a:gs>
+              <a:gs pos="100000">
+                <a:schemeClr val="bg1">
+                  <a:alpha val="77000"/>
+                </a:schemeClr>
+              </a:gs>
+            </a:gsLst>
+            <a:lin ang="5400000" scaled="1"/>
+          </a:gradFill>
+        </p:spPr>
+        <p:txBody>
+          <a:bodyPr/>
+          <a:lstStyle/>
+          <a:p>
+            <a:pPr marL="0" indent="0" eaLnBrk="0" hangingPunct="0">
+              <a:lnSpc>
+                <a:spcPts val="3130"/>
+              </a:lnSpc>
+              <a:spcAft>
+                <a:spcPts val="0"/>
+              </a:spcAft>
+              <a:buNone/>
+            </a:pPr>
+            <a:r>
+              <a:rPr lang="pt-BR" dirty="0">
+                <a:solidFill>
+                  <a:schemeClr val="tx1">
+                    <a:lumMod val="95000"/>
+                    <a:lumOff val="5000"/>
+                  </a:schemeClr>
+                </a:solidFill>
+                <a:ea typeface="Times New Roman" panose="02020603050405020304" pitchFamily="18" charset="0"/>
+                <a:cs typeface="Constantia" panose="02030602050306030303" pitchFamily="18" charset="0"/>
+              </a:rPr>
+              <a:t>É um ruído gerado pela agitação térmica de cargas </a:t>
+            </a:r>
+            <a:r>
+              <a:rPr lang="pt-BR" dirty="0" smtClean="0">
+                <a:solidFill>
+                  <a:schemeClr val="tx1">
+                    <a:lumMod val="95000"/>
+                    <a:lumOff val="5000"/>
+                  </a:schemeClr>
+                </a:solidFill>
+                <a:ea typeface="Times New Roman" panose="02020603050405020304" pitchFamily="18" charset="0"/>
+                <a:cs typeface="Constantia" panose="02030602050306030303" pitchFamily="18" charset="0"/>
+              </a:rPr>
+              <a:t>no interior </a:t>
+            </a:r>
+            <a:r>
+              <a:rPr lang="pt-BR" dirty="0">
+                <a:solidFill>
+                  <a:schemeClr val="tx1">
+                    <a:lumMod val="95000"/>
+                    <a:lumOff val="5000"/>
+                  </a:schemeClr>
+                </a:solidFill>
+                <a:ea typeface="Times New Roman" panose="02020603050405020304" pitchFamily="18" charset="0"/>
+                <a:cs typeface="Constantia" panose="02030602050306030303" pitchFamily="18" charset="0"/>
+              </a:rPr>
+              <a:t>de um condutor elétrico em equilíbrio</a:t>
+            </a:r>
+            <a:r>
+              <a:rPr lang="pt-BR" dirty="0" smtClean="0">
+                <a:solidFill>
+                  <a:schemeClr val="tx1">
+                    <a:lumMod val="95000"/>
+                    <a:lumOff val="5000"/>
+                  </a:schemeClr>
+                </a:solidFill>
+                <a:ea typeface="Times New Roman" panose="02020603050405020304" pitchFamily="18" charset="0"/>
+                <a:cs typeface="Constantia" panose="02030602050306030303" pitchFamily="18" charset="0"/>
+              </a:rPr>
+              <a:t>.</a:t>
+            </a:r>
+          </a:p>
+          <a:p>
+            <a:pPr marL="0" indent="0" eaLnBrk="0" hangingPunct="0">
+              <a:lnSpc>
+                <a:spcPts val="3130"/>
+              </a:lnSpc>
+              <a:spcAft>
+                <a:spcPts val="0"/>
+              </a:spcAft>
+              <a:buNone/>
+            </a:pPr>
+            <a:endParaRPr lang="pt-BR" dirty="0">
+              <a:solidFill>
+                <a:schemeClr val="tx1">
+                  <a:lumMod val="95000"/>
+                  <a:lumOff val="5000"/>
+                </a:schemeClr>
+              </a:solidFill>
+              <a:ea typeface="Times New Roman" panose="02020603050405020304" pitchFamily="18" charset="0"/>
+              <a:cs typeface="Comic Sans MS" panose="030F0702030302020204" pitchFamily="66" charset="0"/>
+            </a:endParaRPr>
+          </a:p>
+          <a:p>
+            <a:pPr marL="139700" indent="0" eaLnBrk="0" hangingPunct="0">
+              <a:lnSpc>
+                <a:spcPct val="97000"/>
+              </a:lnSpc>
+              <a:spcBef>
+                <a:spcPts val="595"/>
+              </a:spcBef>
+              <a:spcAft>
+                <a:spcPts val="0"/>
+              </a:spcAft>
+              <a:buNone/>
+            </a:pPr>
+            <a:r>
+              <a:rPr lang="pt-BR" dirty="0">
+                <a:solidFill>
+                  <a:schemeClr val="tx1">
+                    <a:lumMod val="95000"/>
+                    <a:lumOff val="5000"/>
+                  </a:schemeClr>
+                </a:solidFill>
+                <a:ea typeface="Times New Roman" panose="02020603050405020304" pitchFamily="18" charset="0"/>
+                <a:cs typeface="Constantia" panose="02030602050306030303" pitchFamily="18" charset="0"/>
+              </a:rPr>
+              <a:t>O</a:t>
+            </a:r>
+            <a:r>
+              <a:rPr lang="pt-BR" spc="-55" dirty="0">
+                <a:solidFill>
+                  <a:schemeClr val="tx1">
+                    <a:lumMod val="95000"/>
+                    <a:lumOff val="5000"/>
+                  </a:schemeClr>
+                </a:solidFill>
+                <a:ea typeface="Times New Roman" panose="02020603050405020304" pitchFamily="18" charset="0"/>
+                <a:cs typeface="Constantia" panose="02030602050306030303" pitchFamily="18" charset="0"/>
+              </a:rPr>
+              <a:t> </a:t>
+            </a:r>
+            <a:r>
+              <a:rPr lang="pt-BR" dirty="0">
+                <a:solidFill>
+                  <a:schemeClr val="tx1">
+                    <a:lumMod val="95000"/>
+                    <a:lumOff val="5000"/>
+                  </a:schemeClr>
+                </a:solidFill>
+                <a:ea typeface="Times New Roman" panose="02020603050405020304" pitchFamily="18" charset="0"/>
+                <a:cs typeface="Constantia" panose="02030602050306030303" pitchFamily="18" charset="0"/>
+              </a:rPr>
+              <a:t>ruído</a:t>
+            </a:r>
+            <a:r>
+              <a:rPr lang="pt-BR" spc="-105" dirty="0">
+                <a:solidFill>
+                  <a:schemeClr val="tx1">
+                    <a:lumMod val="95000"/>
+                    <a:lumOff val="5000"/>
+                  </a:schemeClr>
+                </a:solidFill>
+                <a:ea typeface="Times New Roman" panose="02020603050405020304" pitchFamily="18" charset="0"/>
+                <a:cs typeface="Constantia" panose="02030602050306030303" pitchFamily="18" charset="0"/>
+              </a:rPr>
+              <a:t> </a:t>
+            </a:r>
+            <a:r>
+              <a:rPr lang="pt-BR" spc="-20" dirty="0">
+                <a:solidFill>
+                  <a:schemeClr val="tx1">
+                    <a:lumMod val="95000"/>
+                    <a:lumOff val="5000"/>
+                  </a:schemeClr>
+                </a:solidFill>
+                <a:ea typeface="Times New Roman" panose="02020603050405020304" pitchFamily="18" charset="0"/>
+                <a:cs typeface="Constantia" panose="02030602050306030303" pitchFamily="18" charset="0"/>
+              </a:rPr>
+              <a:t>térmico</a:t>
+            </a:r>
+            <a:r>
+              <a:rPr lang="pt-BR" spc="-150" dirty="0">
+                <a:solidFill>
+                  <a:schemeClr val="tx1">
+                    <a:lumMod val="95000"/>
+                    <a:lumOff val="5000"/>
+                  </a:schemeClr>
+                </a:solidFill>
+                <a:ea typeface="Times New Roman" panose="02020603050405020304" pitchFamily="18" charset="0"/>
+                <a:cs typeface="Constantia" panose="02030602050306030303" pitchFamily="18" charset="0"/>
+              </a:rPr>
+              <a:t> </a:t>
+            </a:r>
+            <a:r>
+              <a:rPr lang="pt-BR" dirty="0">
+                <a:solidFill>
+                  <a:schemeClr val="tx1">
+                    <a:lumMod val="95000"/>
+                    <a:lumOff val="5000"/>
+                  </a:schemeClr>
+                </a:solidFill>
+                <a:ea typeface="Times New Roman" panose="02020603050405020304" pitchFamily="18" charset="0"/>
+                <a:cs typeface="Constantia" panose="02030602050306030303" pitchFamily="18" charset="0"/>
+              </a:rPr>
+              <a:t>é</a:t>
+            </a:r>
+            <a:r>
+              <a:rPr lang="pt-BR" spc="-120" dirty="0">
+                <a:solidFill>
+                  <a:schemeClr val="tx1">
+                    <a:lumMod val="95000"/>
+                    <a:lumOff val="5000"/>
+                  </a:schemeClr>
+                </a:solidFill>
+                <a:ea typeface="Times New Roman" panose="02020603050405020304" pitchFamily="18" charset="0"/>
+                <a:cs typeface="Constantia" panose="02030602050306030303" pitchFamily="18" charset="0"/>
+              </a:rPr>
+              <a:t> </a:t>
+            </a:r>
+            <a:r>
+              <a:rPr lang="pt-BR" spc="-15" dirty="0">
+                <a:solidFill>
+                  <a:schemeClr val="tx1">
+                    <a:lumMod val="95000"/>
+                    <a:lumOff val="5000"/>
+                  </a:schemeClr>
+                </a:solidFill>
+                <a:ea typeface="Times New Roman" panose="02020603050405020304" pitchFamily="18" charset="0"/>
+                <a:cs typeface="Constantia" panose="02030602050306030303" pitchFamily="18" charset="0"/>
+              </a:rPr>
+              <a:t>aproximadamente</a:t>
+            </a:r>
+            <a:r>
+              <a:rPr lang="pt-BR" spc="-75" dirty="0">
+                <a:solidFill>
+                  <a:schemeClr val="tx1">
+                    <a:lumMod val="95000"/>
+                    <a:lumOff val="5000"/>
+                  </a:schemeClr>
+                </a:solidFill>
+                <a:ea typeface="Times New Roman" panose="02020603050405020304" pitchFamily="18" charset="0"/>
+                <a:cs typeface="Constantia" panose="02030602050306030303" pitchFamily="18" charset="0"/>
+              </a:rPr>
+              <a:t> </a:t>
+            </a:r>
+            <a:r>
+              <a:rPr lang="pt-BR" dirty="0">
+                <a:solidFill>
+                  <a:schemeClr val="tx1">
+                    <a:lumMod val="95000"/>
+                    <a:lumOff val="5000"/>
+                  </a:schemeClr>
+                </a:solidFill>
+                <a:ea typeface="Times New Roman" panose="02020603050405020304" pitchFamily="18" charset="0"/>
+                <a:cs typeface="Constantia" panose="02030602050306030303" pitchFamily="18" charset="0"/>
+              </a:rPr>
+              <a:t>igual</a:t>
+            </a:r>
+            <a:r>
+              <a:rPr lang="pt-BR" spc="-80" dirty="0">
+                <a:solidFill>
+                  <a:schemeClr val="tx1">
+                    <a:lumMod val="95000"/>
+                    <a:lumOff val="5000"/>
+                  </a:schemeClr>
+                </a:solidFill>
+                <a:ea typeface="Times New Roman" panose="02020603050405020304" pitchFamily="18" charset="0"/>
+                <a:cs typeface="Constantia" panose="02030602050306030303" pitchFamily="18" charset="0"/>
+              </a:rPr>
+              <a:t> </a:t>
+            </a:r>
+            <a:r>
+              <a:rPr lang="pt-BR" dirty="0">
+                <a:solidFill>
+                  <a:schemeClr val="tx1">
+                    <a:lumMod val="95000"/>
+                    <a:lumOff val="5000"/>
+                  </a:schemeClr>
+                </a:solidFill>
+                <a:ea typeface="Times New Roman" panose="02020603050405020304" pitchFamily="18" charset="0"/>
+                <a:cs typeface="Constantia" panose="02030602050306030303" pitchFamily="18" charset="0"/>
+              </a:rPr>
+              <a:t>ao</a:t>
+            </a:r>
+            <a:r>
+              <a:rPr lang="pt-BR" spc="-120" dirty="0">
+                <a:solidFill>
+                  <a:schemeClr val="tx1">
+                    <a:lumMod val="95000"/>
+                    <a:lumOff val="5000"/>
+                  </a:schemeClr>
+                </a:solidFill>
+                <a:ea typeface="Times New Roman" panose="02020603050405020304" pitchFamily="18" charset="0"/>
+                <a:cs typeface="Constantia" panose="02030602050306030303" pitchFamily="18" charset="0"/>
+              </a:rPr>
+              <a:t> </a:t>
+            </a:r>
+            <a:r>
+              <a:rPr lang="pt-BR" dirty="0">
+                <a:solidFill>
+                  <a:schemeClr val="tx1">
+                    <a:lumMod val="95000"/>
+                    <a:lumOff val="5000"/>
+                  </a:schemeClr>
+                </a:solidFill>
+                <a:ea typeface="Times New Roman" panose="02020603050405020304" pitchFamily="18" charset="0"/>
+                <a:cs typeface="Constantia" panose="02030602050306030303" pitchFamily="18" charset="0"/>
+              </a:rPr>
+              <a:t>ruído </a:t>
+            </a:r>
+            <a:r>
+              <a:rPr lang="pt-BR" spc="-30" dirty="0">
+                <a:solidFill>
+                  <a:schemeClr val="tx1">
+                    <a:lumMod val="95000"/>
+                    <a:lumOff val="5000"/>
+                  </a:schemeClr>
+                </a:solidFill>
+                <a:ea typeface="Times New Roman" panose="02020603050405020304" pitchFamily="18" charset="0"/>
+                <a:cs typeface="Constantia" panose="02030602050306030303" pitchFamily="18" charset="0"/>
+              </a:rPr>
+              <a:t>branco.</a:t>
+            </a:r>
+            <a:endParaRPr lang="pt-BR" dirty="0">
+              <a:solidFill>
+                <a:schemeClr val="tx1">
+                  <a:lumMod val="95000"/>
+                  <a:lumOff val="5000"/>
+                </a:schemeClr>
+              </a:solidFill>
+              <a:ea typeface="Times New Roman" panose="02020603050405020304" pitchFamily="18" charset="0"/>
+              <a:cs typeface="Comic Sans MS" panose="030F0702030302020204" pitchFamily="66" charset="0"/>
+            </a:endParaRPr>
+          </a:p>
           <a:p>
             <a:pPr marL="0" indent="0">
               <a:buNone/>
             </a:pPr>
-            <a:r>
-              <a:rPr lang="pt-BR" dirty="0">
-                <a:solidFill>
-                  <a:schemeClr val="bg1"/>
-                </a:solidFill>
-              </a:rPr>
-              <a:t>O ruído aleatório nos elementos passivos é denominado ruído térmico, pois está inteiramente associado a temperatura absoluta. O ruído térmico é uma espécie de ruído branco gerado pela movimentação dos elétrons livres em um meio condutor. Um dos casos mais característicos de ruído térmico é aquele gerado pelos resistores metálicos.</a:t>
-            </a:r>
-          </a:p>
-          <a:p>
-            <a:endParaRPr lang="pt-BR" dirty="0"/>
+            <a:endParaRPr lang="pt-BR" dirty="0">
+              <a:solidFill>
+                <a:schemeClr val="tx1">
+                  <a:lumMod val="95000"/>
+                  <a:lumOff val="5000"/>
+                </a:schemeClr>
+              </a:solidFill>
+            </a:endParaRPr>
           </a:p>
         </p:txBody>
       </p:sp>
     </p:spTree>
     <p:extLst>
       <p:ext uri="{BB962C8B-B14F-4D97-AF65-F5344CB8AC3E}">
-        <p14:creationId xmlns:p14="http://schemas.microsoft.com/office/powerpoint/2010/main" val="1114261445"/>
+        <p14:creationId xmlns:p14="http://schemas.microsoft.com/office/powerpoint/2010/main" val="3338944177"/>
       </p:ext>
     </p:extLst>
   </p:cSld>
@@ -5522,77 +5716,36 @@
           </a:p>
         </p:txBody>
       </p:sp>
-      <p:sp>
-        <p:nvSpPr>
-          <p:cNvPr id="3" name="Espaço Reservado para Conteúdo 2"/>
-          <p:cNvSpPr>
-            <a:spLocks noGrp="1"/>
-          </p:cNvSpPr>
+      <p:pic>
+        <p:nvPicPr>
+          <p:cNvPr id="5" name="Espaço Reservado para Conteúdo 4"/>
+          <p:cNvPicPr>
+            <a:picLocks noGrp="1" noChangeAspect="1"/>
+          </p:cNvPicPr>
           <p:nvPr>
             <p:ph idx="1"/>
           </p:nvPr>
-        </p:nvSpPr>
-        <p:spPr/>
-        <p:txBody>
-          <a:bodyPr/>
-          <a:lstStyle/>
-          <a:p>
-            <a:pPr marL="0" indent="0">
-              <a:buNone/>
-            </a:pPr>
-            <a:r>
-              <a:rPr lang="pt-BR" dirty="0">
-                <a:solidFill>
-                  <a:schemeClr val="bg1"/>
-                </a:solidFill>
-              </a:rPr>
-              <a:t>As flutuações dos elétrons, em função da agitação térmica, apresentam movimento aleatório, gerando, assim, uma potência de ruído pequena, embora básica. Os elétrons, como um todo, não apresentam direção de deslocamento preferencial, embora, se este for observado em intervalos de tempo muito pequenos, pode-se notar uma pequena força resultante do deslocamento destes elétrons, que produz corrente elétrica </a:t>
-            </a:r>
-            <a:r>
-              <a:rPr lang="pt-BR" dirty="0" err="1">
-                <a:solidFill>
-                  <a:schemeClr val="bg1"/>
-                </a:solidFill>
-              </a:rPr>
-              <a:t>instântanea</a:t>
-            </a:r>
-            <a:r>
-              <a:rPr lang="pt-BR" dirty="0">
-                <a:solidFill>
-                  <a:schemeClr val="bg1"/>
-                </a:solidFill>
-              </a:rPr>
-              <a:t> que apesar de muito pequena, apresenta variações. O ruído térmico apresenta aspecto praticamente constante para extensa faixa espectral para frequências de até 10.000 </a:t>
-            </a:r>
-            <a:r>
-              <a:rPr lang="pt-BR" dirty="0" err="1">
-                <a:solidFill>
-                  <a:schemeClr val="bg1"/>
-                </a:solidFill>
-              </a:rPr>
-              <a:t>Ghz</a:t>
-            </a:r>
-            <a:r>
-              <a:rPr lang="pt-BR" dirty="0">
-                <a:solidFill>
-                  <a:schemeClr val="bg1"/>
-                </a:solidFill>
-              </a:rPr>
-              <a:t>.</a:t>
-            </a:r>
-          </a:p>
-          <a:p>
-            <a:pPr marL="0" indent="0">
-              <a:buNone/>
-            </a:pPr>
-            <a:endParaRPr lang="pt-BR" dirty="0"/>
-          </a:p>
-        </p:txBody>
-      </p:sp>
+        </p:nvPicPr>
+        <p:blipFill>
+          <a:blip r:embed="rId2"/>
+          <a:stretch>
+            <a:fillRect/>
+          </a:stretch>
+        </p:blipFill>
+        <p:spPr>
+          <a:xfrm>
+            <a:off x="2951019" y="2223551"/>
+            <a:ext cx="5805920" cy="3784487"/>
+          </a:xfrm>
+          <a:prstGeom prst="rect">
+            <a:avLst/>
+          </a:prstGeom>
+        </p:spPr>
+      </p:pic>
     </p:spTree>
     <p:extLst>
       <p:ext uri="{BB962C8B-B14F-4D97-AF65-F5344CB8AC3E}">
-        <p14:creationId xmlns:p14="http://schemas.microsoft.com/office/powerpoint/2010/main" val="613519765"/>
+        <p14:creationId xmlns:p14="http://schemas.microsoft.com/office/powerpoint/2010/main" val="836151298"/>
       </p:ext>
     </p:extLst>
   </p:cSld>
